--- a/poster Solun maj 2024/Solun poster 001.pptx
+++ b/poster Solun maj 2024/Solun poster 001.pptx
@@ -1822,14 +1822,35 @@
         </dgm:presLayoutVars>
       </dgm:prSet>
       <dgm:spPr/>
+      <dgm:t>
+        <a:bodyPr/>
+        <a:lstStyle/>
+        <a:p>
+          <a:endParaRPr lang="en-US"/>
+        </a:p>
+      </dgm:t>
     </dgm:pt>
     <dgm:pt modelId="{49AB3AA5-5C37-401B-BD24-8CDBE6CDE631}" type="pres">
       <dgm:prSet presAssocID="{55FCA17C-1EF6-4064-B59A-DED79FC40987}" presName="sibTrans" presStyleLbl="sibTrans2D1" presStyleIdx="0" presStyleCnt="3"/>
       <dgm:spPr/>
+      <dgm:t>
+        <a:bodyPr/>
+        <a:lstStyle/>
+        <a:p>
+          <a:endParaRPr lang="en-US"/>
+        </a:p>
+      </dgm:t>
     </dgm:pt>
     <dgm:pt modelId="{B24ED164-7D46-4FE6-99D4-115D05EB5090}" type="pres">
       <dgm:prSet presAssocID="{55FCA17C-1EF6-4064-B59A-DED79FC40987}" presName="connectorText" presStyleLbl="sibTrans2D1" presStyleIdx="0" presStyleCnt="3"/>
       <dgm:spPr/>
+      <dgm:t>
+        <a:bodyPr/>
+        <a:lstStyle/>
+        <a:p>
+          <a:endParaRPr lang="en-US"/>
+        </a:p>
+      </dgm:t>
     </dgm:pt>
     <dgm:pt modelId="{266EB45E-0BF0-4F15-90A8-48CDB3BB1843}" type="pres">
       <dgm:prSet presAssocID="{4DBB097A-AAC8-4558-83CD-5D293BA0E73F}" presName="node" presStyleLbl="node1" presStyleIdx="1" presStyleCnt="4" custLinFactNeighborX="13307" custLinFactNeighborY="171">
@@ -1838,14 +1859,35 @@
         </dgm:presLayoutVars>
       </dgm:prSet>
       <dgm:spPr/>
+      <dgm:t>
+        <a:bodyPr/>
+        <a:lstStyle/>
+        <a:p>
+          <a:endParaRPr lang="en-US"/>
+        </a:p>
+      </dgm:t>
     </dgm:pt>
     <dgm:pt modelId="{9D036536-CA58-460B-9592-E804F4957C65}" type="pres">
       <dgm:prSet presAssocID="{AAF2528D-193F-4D93-A91F-6874F8247A7E}" presName="sibTrans" presStyleLbl="sibTrans2D1" presStyleIdx="1" presStyleCnt="3"/>
       <dgm:spPr/>
+      <dgm:t>
+        <a:bodyPr/>
+        <a:lstStyle/>
+        <a:p>
+          <a:endParaRPr lang="en-US"/>
+        </a:p>
+      </dgm:t>
     </dgm:pt>
     <dgm:pt modelId="{5484F5B9-AF2E-4D41-B34C-14F23DAB6613}" type="pres">
       <dgm:prSet presAssocID="{AAF2528D-193F-4D93-A91F-6874F8247A7E}" presName="connectorText" presStyleLbl="sibTrans2D1" presStyleIdx="1" presStyleCnt="3"/>
       <dgm:spPr/>
+      <dgm:t>
+        <a:bodyPr/>
+        <a:lstStyle/>
+        <a:p>
+          <a:endParaRPr lang="en-US"/>
+        </a:p>
+      </dgm:t>
     </dgm:pt>
     <dgm:pt modelId="{0B7A5903-CDD3-4CC0-94BF-E92BA3DA96DD}" type="pres">
       <dgm:prSet presAssocID="{FFE45BF6-B8B7-4DF6-B255-42C35051D756}" presName="node" presStyleLbl="node1" presStyleIdx="2" presStyleCnt="4" custLinFactNeighborX="13307" custLinFactNeighborY="171">
@@ -1854,14 +1896,35 @@
         </dgm:presLayoutVars>
       </dgm:prSet>
       <dgm:spPr/>
+      <dgm:t>
+        <a:bodyPr/>
+        <a:lstStyle/>
+        <a:p>
+          <a:endParaRPr lang="en-US"/>
+        </a:p>
+      </dgm:t>
     </dgm:pt>
     <dgm:pt modelId="{9132B67F-A38C-4915-8317-7B8D2EEE0C67}" type="pres">
       <dgm:prSet presAssocID="{A491963B-FA65-4F9A-A948-8D6552EF7FBD}" presName="sibTrans" presStyleLbl="sibTrans2D1" presStyleIdx="2" presStyleCnt="3"/>
       <dgm:spPr/>
+      <dgm:t>
+        <a:bodyPr/>
+        <a:lstStyle/>
+        <a:p>
+          <a:endParaRPr lang="en-US"/>
+        </a:p>
+      </dgm:t>
     </dgm:pt>
     <dgm:pt modelId="{8F882EF6-49EC-4B53-B100-EAD4E720298A}" type="pres">
       <dgm:prSet presAssocID="{A491963B-FA65-4F9A-A948-8D6552EF7FBD}" presName="connectorText" presStyleLbl="sibTrans2D1" presStyleIdx="2" presStyleCnt="3"/>
       <dgm:spPr/>
+      <dgm:t>
+        <a:bodyPr/>
+        <a:lstStyle/>
+        <a:p>
+          <a:endParaRPr lang="en-US"/>
+        </a:p>
+      </dgm:t>
     </dgm:pt>
     <dgm:pt modelId="{2DFA93C7-BE63-4691-A297-B8C9BB46D38B}" type="pres">
       <dgm:prSet presAssocID="{F6006F7E-AC86-45B0-8635-2B1FB4B48637}" presName="node" presStyleLbl="node1" presStyleIdx="3" presStyleCnt="4" custScaleX="117086" custLinFactNeighborX="13307" custLinFactNeighborY="171">
@@ -1870,24 +1933,31 @@
         </dgm:presLayoutVars>
       </dgm:prSet>
       <dgm:spPr/>
+      <dgm:t>
+        <a:bodyPr/>
+        <a:lstStyle/>
+        <a:p>
+          <a:endParaRPr lang="en-US"/>
+        </a:p>
+      </dgm:t>
     </dgm:pt>
   </dgm:ptLst>
   <dgm:cxnLst>
+    <dgm:cxn modelId="{039EE9CB-942E-4BB3-B9DC-936A8F50F939}" srcId="{084DAEBC-087F-4D15-B752-4785C0673660}" destId="{F6006F7E-AC86-45B0-8635-2B1FB4B48637}" srcOrd="3" destOrd="0" parTransId="{9BB6F8E7-7675-44CB-9DA3-545DA6F36E9D}" sibTransId="{DE65469D-6D73-4E22-BA1D-C8408998D1F0}"/>
+    <dgm:cxn modelId="{8F79D79C-09D6-487D-8FD1-87A5FD0DF99A}" type="presOf" srcId="{084DAEBC-087F-4D15-B752-4785C0673660}" destId="{4DF115B0-D97C-4D45-995F-751D171483ED}" srcOrd="0" destOrd="0" presId="urn:microsoft.com/office/officeart/2005/8/layout/process1"/>
+    <dgm:cxn modelId="{BB129FEE-B7DF-409C-94FD-C3180D7E6BCB}" type="presOf" srcId="{FFE45BF6-B8B7-4DF6-B255-42C35051D756}" destId="{0B7A5903-CDD3-4CC0-94BF-E92BA3DA96DD}" srcOrd="0" destOrd="0" presId="urn:microsoft.com/office/officeart/2005/8/layout/process1"/>
+    <dgm:cxn modelId="{467FE643-5A2A-4725-9326-4A4BE2A4EDD6}" type="presOf" srcId="{F6006F7E-AC86-45B0-8635-2B1FB4B48637}" destId="{2DFA93C7-BE63-4691-A297-B8C9BB46D38B}" srcOrd="0" destOrd="0" presId="urn:microsoft.com/office/officeart/2005/8/layout/process1"/>
+    <dgm:cxn modelId="{77B19E57-37CF-4D7F-8567-1CB6667515CB}" type="presOf" srcId="{A491963B-FA65-4F9A-A948-8D6552EF7FBD}" destId="{8F882EF6-49EC-4B53-B100-EAD4E720298A}" srcOrd="1" destOrd="0" presId="urn:microsoft.com/office/officeart/2005/8/layout/process1"/>
+    <dgm:cxn modelId="{CF05EDF1-8EB6-4600-B8CE-CA21F2358774}" type="presOf" srcId="{A491963B-FA65-4F9A-A948-8D6552EF7FBD}" destId="{9132B67F-A38C-4915-8317-7B8D2EEE0C67}" srcOrd="0" destOrd="0" presId="urn:microsoft.com/office/officeart/2005/8/layout/process1"/>
+    <dgm:cxn modelId="{8A0A7A8C-9957-45EB-A42F-57DBD8274257}" srcId="{084DAEBC-087F-4D15-B752-4785C0673660}" destId="{8D948468-426C-430E-8463-EA0A9047AA97}" srcOrd="0" destOrd="0" parTransId="{089F8F6F-ED72-497F-B944-BDE96C4547C5}" sibTransId="{55FCA17C-1EF6-4064-B59A-DED79FC40987}"/>
+    <dgm:cxn modelId="{1F63834A-14E8-4045-ADBC-17DC5CB5F954}" type="presOf" srcId="{55FCA17C-1EF6-4064-B59A-DED79FC40987}" destId="{49AB3AA5-5C37-401B-BD24-8CDBE6CDE631}" srcOrd="0" destOrd="0" presId="urn:microsoft.com/office/officeart/2005/8/layout/process1"/>
     <dgm:cxn modelId="{BEBA565C-4BB6-4FAC-8220-2037A2C4BB59}" type="presOf" srcId="{AAF2528D-193F-4D93-A91F-6874F8247A7E}" destId="{9D036536-CA58-460B-9592-E804F4957C65}" srcOrd="0" destOrd="0" presId="urn:microsoft.com/office/officeart/2005/8/layout/process1"/>
     <dgm:cxn modelId="{29E6CB5C-90D4-4537-A08F-602AB69E1185}" type="presOf" srcId="{8D948468-426C-430E-8463-EA0A9047AA97}" destId="{9039D0E1-9BDE-4D45-A61C-BA5F9D629281}" srcOrd="0" destOrd="0" presId="urn:microsoft.com/office/officeart/2005/8/layout/process1"/>
-    <dgm:cxn modelId="{467FE643-5A2A-4725-9326-4A4BE2A4EDD6}" type="presOf" srcId="{F6006F7E-AC86-45B0-8635-2B1FB4B48637}" destId="{2DFA93C7-BE63-4691-A297-B8C9BB46D38B}" srcOrd="0" destOrd="0" presId="urn:microsoft.com/office/officeart/2005/8/layout/process1"/>
-    <dgm:cxn modelId="{1F63834A-14E8-4045-ADBC-17DC5CB5F954}" type="presOf" srcId="{55FCA17C-1EF6-4064-B59A-DED79FC40987}" destId="{49AB3AA5-5C37-401B-BD24-8CDBE6CDE631}" srcOrd="0" destOrd="0" presId="urn:microsoft.com/office/officeart/2005/8/layout/process1"/>
+    <dgm:cxn modelId="{F0E2C854-E738-4B9A-99E1-2771B60C9447}" srcId="{084DAEBC-087F-4D15-B752-4785C0673660}" destId="{FFE45BF6-B8B7-4DF6-B255-42C35051D756}" srcOrd="2" destOrd="0" parTransId="{550CEC22-6DA6-4C97-9825-0EA4212E08F2}" sibTransId="{A491963B-FA65-4F9A-A948-8D6552EF7FBD}"/>
+    <dgm:cxn modelId="{D87ED65A-1EE6-4167-9E92-EF0162A41ED0}" type="presOf" srcId="{55FCA17C-1EF6-4064-B59A-DED79FC40987}" destId="{B24ED164-7D46-4FE6-99D4-115D05EB5090}" srcOrd="1" destOrd="0" presId="urn:microsoft.com/office/officeart/2005/8/layout/process1"/>
     <dgm:cxn modelId="{CE4C3E71-01BF-48FF-8849-74C1F916C255}" type="presOf" srcId="{4DBB097A-AAC8-4558-83CD-5D293BA0E73F}" destId="{266EB45E-0BF0-4F15-90A8-48CDB3BB1843}" srcOrd="0" destOrd="0" presId="urn:microsoft.com/office/officeart/2005/8/layout/process1"/>
-    <dgm:cxn modelId="{F0E2C854-E738-4B9A-99E1-2771B60C9447}" srcId="{084DAEBC-087F-4D15-B752-4785C0673660}" destId="{FFE45BF6-B8B7-4DF6-B255-42C35051D756}" srcOrd="2" destOrd="0" parTransId="{550CEC22-6DA6-4C97-9825-0EA4212E08F2}" sibTransId="{A491963B-FA65-4F9A-A948-8D6552EF7FBD}"/>
-    <dgm:cxn modelId="{77B19E57-37CF-4D7F-8567-1CB6667515CB}" type="presOf" srcId="{A491963B-FA65-4F9A-A948-8D6552EF7FBD}" destId="{8F882EF6-49EC-4B53-B100-EAD4E720298A}" srcOrd="1" destOrd="0" presId="urn:microsoft.com/office/officeart/2005/8/layout/process1"/>
-    <dgm:cxn modelId="{D87ED65A-1EE6-4167-9E92-EF0162A41ED0}" type="presOf" srcId="{55FCA17C-1EF6-4064-B59A-DED79FC40987}" destId="{B24ED164-7D46-4FE6-99D4-115D05EB5090}" srcOrd="1" destOrd="0" presId="urn:microsoft.com/office/officeart/2005/8/layout/process1"/>
-    <dgm:cxn modelId="{8A0A7A8C-9957-45EB-A42F-57DBD8274257}" srcId="{084DAEBC-087F-4D15-B752-4785C0673660}" destId="{8D948468-426C-430E-8463-EA0A9047AA97}" srcOrd="0" destOrd="0" parTransId="{089F8F6F-ED72-497F-B944-BDE96C4547C5}" sibTransId="{55FCA17C-1EF6-4064-B59A-DED79FC40987}"/>
     <dgm:cxn modelId="{2D6E6A99-0884-421B-9583-F66FB72B4CE8}" srcId="{084DAEBC-087F-4D15-B752-4785C0673660}" destId="{4DBB097A-AAC8-4558-83CD-5D293BA0E73F}" srcOrd="1" destOrd="0" parTransId="{F66D8E7D-91C7-486F-96A1-E8901AD94FBA}" sibTransId="{AAF2528D-193F-4D93-A91F-6874F8247A7E}"/>
-    <dgm:cxn modelId="{8F79D79C-09D6-487D-8FD1-87A5FD0DF99A}" type="presOf" srcId="{084DAEBC-087F-4D15-B752-4785C0673660}" destId="{4DF115B0-D97C-4D45-995F-751D171483ED}" srcOrd="0" destOrd="0" presId="urn:microsoft.com/office/officeart/2005/8/layout/process1"/>
     <dgm:cxn modelId="{C3E2F7B3-4158-494E-83A1-75C1933FC0BF}" type="presOf" srcId="{AAF2528D-193F-4D93-A91F-6874F8247A7E}" destId="{5484F5B9-AF2E-4D41-B34C-14F23DAB6613}" srcOrd="1" destOrd="0" presId="urn:microsoft.com/office/officeart/2005/8/layout/process1"/>
-    <dgm:cxn modelId="{039EE9CB-942E-4BB3-B9DC-936A8F50F939}" srcId="{084DAEBC-087F-4D15-B752-4785C0673660}" destId="{F6006F7E-AC86-45B0-8635-2B1FB4B48637}" srcOrd="3" destOrd="0" parTransId="{9BB6F8E7-7675-44CB-9DA3-545DA6F36E9D}" sibTransId="{DE65469D-6D73-4E22-BA1D-C8408998D1F0}"/>
-    <dgm:cxn modelId="{BB129FEE-B7DF-409C-94FD-C3180D7E6BCB}" type="presOf" srcId="{FFE45BF6-B8B7-4DF6-B255-42C35051D756}" destId="{0B7A5903-CDD3-4CC0-94BF-E92BA3DA96DD}" srcOrd="0" destOrd="0" presId="urn:microsoft.com/office/officeart/2005/8/layout/process1"/>
-    <dgm:cxn modelId="{CF05EDF1-8EB6-4600-B8CE-CA21F2358774}" type="presOf" srcId="{A491963B-FA65-4F9A-A948-8D6552EF7FBD}" destId="{9132B67F-A38C-4915-8317-7B8D2EEE0C67}" srcOrd="0" destOrd="0" presId="urn:microsoft.com/office/officeart/2005/8/layout/process1"/>
     <dgm:cxn modelId="{2EE71F70-44B8-4167-AE8E-D808B4B8507E}" type="presParOf" srcId="{4DF115B0-D97C-4D45-995F-751D171483ED}" destId="{9039D0E1-9BDE-4D45-A61C-BA5F9D629281}" srcOrd="0" destOrd="0" presId="urn:microsoft.com/office/officeart/2005/8/layout/process1"/>
     <dgm:cxn modelId="{C6CBE64A-4FE6-4DA8-BB33-48D1672F1161}" type="presParOf" srcId="{4DF115B0-D97C-4D45-995F-751D171483ED}" destId="{49AB3AA5-5C37-401B-BD24-8CDBE6CDE631}" srcOrd="1" destOrd="0" presId="urn:microsoft.com/office/officeart/2005/8/layout/process1"/>
     <dgm:cxn modelId="{5B0FFD9C-195F-45EB-BCE5-2493D4E9AA6C}" type="presParOf" srcId="{49AB3AA5-5C37-401B-BD24-8CDBE6CDE631}" destId="{B24ED164-7D46-4FE6-99D4-115D05EB5090}" srcOrd="0" destOrd="0" presId="urn:microsoft.com/office/officeart/2005/8/layout/process1"/>
@@ -1918,7 +1988,11 @@
     </dgm:pt>
     <dgm:pt modelId="{D4848219-8E91-4CAC-BAFC-A34865839130}">
       <dgm:prSet phldrT="[Text]" custT="1"/>
-      <dgm:spPr/>
+      <dgm:spPr>
+        <a:solidFill>
+          <a:srgbClr val="AB2B86"/>
+        </a:solidFill>
+      </dgm:spPr>
       <dgm:t>
         <a:bodyPr/>
         <a:lstStyle/>
@@ -1957,7 +2031,11 @@
     </dgm:pt>
     <dgm:pt modelId="{10AAF480-0D29-4E26-A72C-915CF903C5C7}">
       <dgm:prSet phldrT="[Text]" custT="1"/>
-      <dgm:spPr/>
+      <dgm:spPr>
+        <a:solidFill>
+          <a:srgbClr val="7D6759"/>
+        </a:solidFill>
+      </dgm:spPr>
       <dgm:t>
         <a:bodyPr/>
         <a:lstStyle/>
@@ -2010,14 +2088,35 @@
         </dgm:presLayoutVars>
       </dgm:prSet>
       <dgm:spPr/>
+      <dgm:t>
+        <a:bodyPr/>
+        <a:lstStyle/>
+        <a:p>
+          <a:endParaRPr lang="en-US"/>
+        </a:p>
+      </dgm:t>
     </dgm:pt>
     <dgm:pt modelId="{87E23861-EBE9-44B3-9472-EF4C03646A1C}" type="pres">
       <dgm:prSet presAssocID="{87E812C8-FE63-46A2-82C4-E3AF1165FAEC}" presName="sibTrans" presStyleLbl="sibTrans2D1" presStyleIdx="0" presStyleCnt="1"/>
       <dgm:spPr/>
+      <dgm:t>
+        <a:bodyPr/>
+        <a:lstStyle/>
+        <a:p>
+          <a:endParaRPr lang="en-US"/>
+        </a:p>
+      </dgm:t>
     </dgm:pt>
     <dgm:pt modelId="{82908010-5D50-447A-A669-F7ED88D694B7}" type="pres">
       <dgm:prSet presAssocID="{87E812C8-FE63-46A2-82C4-E3AF1165FAEC}" presName="connectorText" presStyleLbl="sibTrans2D1" presStyleIdx="0" presStyleCnt="1"/>
       <dgm:spPr/>
+      <dgm:t>
+        <a:bodyPr/>
+        <a:lstStyle/>
+        <a:p>
+          <a:endParaRPr lang="en-US"/>
+        </a:p>
+      </dgm:t>
     </dgm:pt>
     <dgm:pt modelId="{84C38B99-337A-4D51-B033-2DCA5A1A3CFC}" type="pres">
       <dgm:prSet presAssocID="{10AAF480-0D29-4E26-A72C-915CF903C5C7}" presName="node" presStyleLbl="node1" presStyleIdx="1" presStyleCnt="2">
@@ -2026,16 +2125,23 @@
         </dgm:presLayoutVars>
       </dgm:prSet>
       <dgm:spPr/>
+      <dgm:t>
+        <a:bodyPr/>
+        <a:lstStyle/>
+        <a:p>
+          <a:endParaRPr lang="en-US"/>
+        </a:p>
+      </dgm:t>
     </dgm:pt>
   </dgm:ptLst>
   <dgm:cxnLst>
+    <dgm:cxn modelId="{E4E3A5A3-0AD7-4EDD-8D27-C33EA483770A}" type="presOf" srcId="{87E812C8-FE63-46A2-82C4-E3AF1165FAEC}" destId="{87E23861-EBE9-44B3-9472-EF4C03646A1C}" srcOrd="0" destOrd="0" presId="urn:microsoft.com/office/officeart/2005/8/layout/process1"/>
+    <dgm:cxn modelId="{EA23C1DB-8FF9-4D27-907D-265B2BD827B4}" type="presOf" srcId="{73D35960-DDC9-4639-BD50-62380431F57D}" destId="{9BDC6DE6-065D-479B-BEB3-BB668775D263}" srcOrd="0" destOrd="0" presId="urn:microsoft.com/office/officeart/2005/8/layout/process1"/>
+    <dgm:cxn modelId="{E66D701E-E795-4E5D-9DD5-7080975E9BCB}" type="presOf" srcId="{10AAF480-0D29-4E26-A72C-915CF903C5C7}" destId="{84C38B99-337A-4D51-B033-2DCA5A1A3CFC}" srcOrd="0" destOrd="0" presId="urn:microsoft.com/office/officeart/2005/8/layout/process1"/>
+    <dgm:cxn modelId="{EC22D993-5D1C-405F-BA7B-F8645DC04E32}" type="presOf" srcId="{D4848219-8E91-4CAC-BAFC-A34865839130}" destId="{CA2A973F-C317-4D25-AD4E-D5833079E7DF}" srcOrd="0" destOrd="0" presId="urn:microsoft.com/office/officeart/2005/8/layout/process1"/>
+    <dgm:cxn modelId="{F92103A6-3F6A-46B2-98E8-CDB2C3262F70}" srcId="{73D35960-DDC9-4639-BD50-62380431F57D}" destId="{10AAF480-0D29-4E26-A72C-915CF903C5C7}" srcOrd="1" destOrd="0" parTransId="{A15204E6-6B7E-4387-BE48-8BA1CD249171}" sibTransId="{2057236A-A7B1-4E1D-AADF-C7248AA9F058}"/>
     <dgm:cxn modelId="{0256AF0D-FA80-4245-B03A-79310906EB78}" type="presOf" srcId="{87E812C8-FE63-46A2-82C4-E3AF1165FAEC}" destId="{82908010-5D50-447A-A669-F7ED88D694B7}" srcOrd="1" destOrd="0" presId="urn:microsoft.com/office/officeart/2005/8/layout/process1"/>
-    <dgm:cxn modelId="{E66D701E-E795-4E5D-9DD5-7080975E9BCB}" type="presOf" srcId="{10AAF480-0D29-4E26-A72C-915CF903C5C7}" destId="{84C38B99-337A-4D51-B033-2DCA5A1A3CFC}" srcOrd="0" destOrd="0" presId="urn:microsoft.com/office/officeart/2005/8/layout/process1"/>
     <dgm:cxn modelId="{F324393A-AC06-4A50-8119-259F4AC4A2A9}" srcId="{73D35960-DDC9-4639-BD50-62380431F57D}" destId="{D4848219-8E91-4CAC-BAFC-A34865839130}" srcOrd="0" destOrd="0" parTransId="{4F12413A-D534-4719-9025-417569C2510A}" sibTransId="{87E812C8-FE63-46A2-82C4-E3AF1165FAEC}"/>
-    <dgm:cxn modelId="{EC22D993-5D1C-405F-BA7B-F8645DC04E32}" type="presOf" srcId="{D4848219-8E91-4CAC-BAFC-A34865839130}" destId="{CA2A973F-C317-4D25-AD4E-D5833079E7DF}" srcOrd="0" destOrd="0" presId="urn:microsoft.com/office/officeart/2005/8/layout/process1"/>
-    <dgm:cxn modelId="{E4E3A5A3-0AD7-4EDD-8D27-C33EA483770A}" type="presOf" srcId="{87E812C8-FE63-46A2-82C4-E3AF1165FAEC}" destId="{87E23861-EBE9-44B3-9472-EF4C03646A1C}" srcOrd="0" destOrd="0" presId="urn:microsoft.com/office/officeart/2005/8/layout/process1"/>
-    <dgm:cxn modelId="{F92103A6-3F6A-46B2-98E8-CDB2C3262F70}" srcId="{73D35960-DDC9-4639-BD50-62380431F57D}" destId="{10AAF480-0D29-4E26-A72C-915CF903C5C7}" srcOrd="1" destOrd="0" parTransId="{A15204E6-6B7E-4387-BE48-8BA1CD249171}" sibTransId="{2057236A-A7B1-4E1D-AADF-C7248AA9F058}"/>
-    <dgm:cxn modelId="{EA23C1DB-8FF9-4D27-907D-265B2BD827B4}" type="presOf" srcId="{73D35960-DDC9-4639-BD50-62380431F57D}" destId="{9BDC6DE6-065D-479B-BEB3-BB668775D263}" srcOrd="0" destOrd="0" presId="urn:microsoft.com/office/officeart/2005/8/layout/process1"/>
     <dgm:cxn modelId="{0661E27E-9CE3-4612-9832-E02A04BDDBCA}" type="presParOf" srcId="{9BDC6DE6-065D-479B-BEB3-BB668775D263}" destId="{CA2A973F-C317-4D25-AD4E-D5833079E7DF}" srcOrd="0" destOrd="0" presId="urn:microsoft.com/office/officeart/2005/8/layout/process1"/>
     <dgm:cxn modelId="{09071F40-2BC7-41C2-ACD7-1465FE71B199}" type="presParOf" srcId="{9BDC6DE6-065D-479B-BEB3-BB668775D263}" destId="{87E23861-EBE9-44B3-9472-EF4C03646A1C}" srcOrd="1" destOrd="0" presId="urn:microsoft.com/office/officeart/2005/8/layout/process1"/>
     <dgm:cxn modelId="{2807512F-6459-4854-A1B6-A744369E2B98}" type="presParOf" srcId="{87E23861-EBE9-44B3-9472-EF4C03646A1C}" destId="{82908010-5D50-447A-A669-F7ED88D694B7}" srcOrd="0" destOrd="0" presId="urn:microsoft.com/office/officeart/2005/8/layout/process1"/>
@@ -2112,7 +2218,7 @@
         </a:bodyPr>
         <a:lstStyle/>
         <a:p>
-          <a:pPr marL="0" lvl="0" indent="0" algn="ctr" defTabSz="1111250">
+          <a:pPr lvl="0" algn="ctr" defTabSz="1111250">
             <a:lnSpc>
               <a:spcPct val="90000"/>
             </a:lnSpc>
@@ -2122,7 +2228,6 @@
             <a:spcAft>
               <a:spcPct val="35000"/>
             </a:spcAft>
-            <a:buNone/>
           </a:pPr>
           <a:r>
             <a:rPr lang="en-US" sz="2500" kern="1200" dirty="0"/>
@@ -2198,7 +2303,7 @@
         </a:bodyPr>
         <a:lstStyle/>
         <a:p>
-          <a:pPr marL="0" lvl="0" indent="0" algn="ctr" defTabSz="1111250">
+          <a:pPr lvl="0" algn="ctr" defTabSz="1111250">
             <a:lnSpc>
               <a:spcPct val="90000"/>
             </a:lnSpc>
@@ -2208,7 +2313,6 @@
             <a:spcAft>
               <a:spcPct val="35000"/>
             </a:spcAft>
-            <a:buNone/>
           </a:pPr>
           <a:endParaRPr lang="en-US" sz="2500" kern="1200"/>
         </a:p>
@@ -2271,7 +2375,7 @@
         </a:bodyPr>
         <a:lstStyle/>
         <a:p>
-          <a:pPr marL="0" lvl="0" indent="0" algn="ctr" defTabSz="1111250">
+          <a:pPr lvl="0" algn="ctr" defTabSz="1111250">
             <a:lnSpc>
               <a:spcPct val="90000"/>
             </a:lnSpc>
@@ -2281,7 +2385,6 @@
             <a:spcAft>
               <a:spcPct val="35000"/>
             </a:spcAft>
-            <a:buNone/>
           </a:pPr>
           <a:r>
             <a:rPr lang="en-US" sz="2500" kern="1200" dirty="0"/>
@@ -2344,7 +2447,7 @@
         </a:bodyPr>
         <a:lstStyle/>
         <a:p>
-          <a:pPr marL="0" lvl="0" indent="0" algn="ctr" defTabSz="1111250">
+          <a:pPr lvl="0" algn="ctr" defTabSz="1111250">
             <a:lnSpc>
               <a:spcPct val="90000"/>
             </a:lnSpc>
@@ -2354,7 +2457,6 @@
             <a:spcAft>
               <a:spcPct val="35000"/>
             </a:spcAft>
-            <a:buNone/>
           </a:pPr>
           <a:endParaRPr lang="en-US" sz="2500" kern="1200"/>
         </a:p>
@@ -2417,7 +2519,7 @@
         </a:bodyPr>
         <a:lstStyle/>
         <a:p>
-          <a:pPr marL="0" lvl="0" indent="0" algn="ctr" defTabSz="1111250">
+          <a:pPr lvl="0" algn="ctr" defTabSz="1111250">
             <a:lnSpc>
               <a:spcPct val="90000"/>
             </a:lnSpc>
@@ -2427,7 +2529,6 @@
             <a:spcAft>
               <a:spcPct val="35000"/>
             </a:spcAft>
-            <a:buNone/>
           </a:pPr>
           <a:r>
             <a:rPr lang="en-US" sz="2500" kern="1200" dirty="0"/>
@@ -2490,7 +2591,7 @@
         </a:bodyPr>
         <a:lstStyle/>
         <a:p>
-          <a:pPr marL="0" lvl="0" indent="0" algn="ctr" defTabSz="1111250">
+          <a:pPr lvl="0" algn="ctr" defTabSz="1111250">
             <a:lnSpc>
               <a:spcPct val="90000"/>
             </a:lnSpc>
@@ -2500,7 +2601,6 @@
             <a:spcAft>
               <a:spcPct val="35000"/>
             </a:spcAft>
-            <a:buNone/>
           </a:pPr>
           <a:endParaRPr lang="en-US" sz="2500" kern="1200"/>
         </a:p>
@@ -2561,7 +2661,7 @@
         </a:bodyPr>
         <a:lstStyle/>
         <a:p>
-          <a:pPr marL="0" lvl="0" indent="0" algn="ctr" defTabSz="1111250">
+          <a:pPr lvl="0" algn="ctr" defTabSz="1111250">
             <a:lnSpc>
               <a:spcPct val="90000"/>
             </a:lnSpc>
@@ -2571,7 +2671,6 @@
             <a:spcAft>
               <a:spcPct val="35000"/>
             </a:spcAft>
-            <a:buNone/>
           </a:pPr>
           <a:r>
             <a:rPr lang="en-US" sz="2500" kern="1200" dirty="0"/>
@@ -2612,12 +2711,7 @@
           </a:avLst>
         </a:prstGeom>
         <a:solidFill>
-          <a:schemeClr val="accent1">
-            <a:hueOff val="0"/>
-            <a:satOff val="0"/>
-            <a:lumOff val="0"/>
-            <a:alphaOff val="0"/>
-          </a:schemeClr>
+          <a:srgbClr val="AB2B86"/>
         </a:solidFill>
         <a:ln w="25400" cap="flat" cmpd="sng" algn="ctr">
           <a:solidFill>
@@ -2652,7 +2746,7 @@
         </a:bodyPr>
         <a:lstStyle/>
         <a:p>
-          <a:pPr marL="0" lvl="0" indent="0" algn="ctr" defTabSz="1333500">
+          <a:pPr lvl="0" algn="ctr" defTabSz="1333500">
             <a:lnSpc>
               <a:spcPct val="90000"/>
             </a:lnSpc>
@@ -2725,7 +2819,7 @@
         </a:bodyPr>
         <a:lstStyle/>
         <a:p>
-          <a:pPr marL="0" lvl="0" indent="0" algn="ctr" defTabSz="2178050">
+          <a:pPr lvl="0" algn="ctr" defTabSz="2178050">
             <a:lnSpc>
               <a:spcPct val="90000"/>
             </a:lnSpc>
@@ -2735,7 +2829,6 @@
             <a:spcAft>
               <a:spcPct val="35000"/>
             </a:spcAft>
-            <a:buNone/>
           </a:pPr>
           <a:endParaRPr lang="en-US" sz="4900" kern="1200"/>
         </a:p>
@@ -2761,12 +2854,7 @@
           </a:avLst>
         </a:prstGeom>
         <a:solidFill>
-          <a:schemeClr val="accent1">
-            <a:hueOff val="0"/>
-            <a:satOff val="0"/>
-            <a:lumOff val="0"/>
-            <a:alphaOff val="0"/>
-          </a:schemeClr>
+          <a:srgbClr val="7D6759"/>
         </a:solidFill>
         <a:ln w="25400" cap="flat" cmpd="sng" algn="ctr">
           <a:solidFill>
@@ -2801,7 +2889,7 @@
         </a:bodyPr>
         <a:lstStyle/>
         <a:p>
-          <a:pPr marL="0" lvl="0" indent="0" algn="ctr" defTabSz="1333500">
+          <a:pPr lvl="0" algn="ctr" defTabSz="1333500">
             <a:lnSpc>
               <a:spcPct val="90000"/>
             </a:lnSpc>
@@ -8593,7 +8681,7 @@
           <p:cNvPr id="28" name="Rounded Rectangle 3">
             <a:extLst>
               <a:ext uri="{FF2B5EF4-FFF2-40B4-BE49-F238E27FC236}">
-                <a16:creationId xmlns:a16="http://schemas.microsoft.com/office/drawing/2014/main" id="{E42E21C6-7A64-4E84-A503-EF9679DF851D}"/>
+                <a16:creationId xmlns:a16="http://schemas.microsoft.com/office/drawing/2014/main" xmlns="" id="{E42E21C6-7A64-4E84-A503-EF9679DF851D}"/>
               </a:ext>
             </a:extLst>
           </p:cNvPr>
@@ -8666,7 +8754,7 @@
           <p:cNvPr id="27" name="Rounded Rectangle 3">
             <a:extLst>
               <a:ext uri="{FF2B5EF4-FFF2-40B4-BE49-F238E27FC236}">
-                <a16:creationId xmlns:a16="http://schemas.microsoft.com/office/drawing/2014/main" id="{1C16C5A3-8C37-4B07-AA5E-BABF5084826F}"/>
+                <a16:creationId xmlns:a16="http://schemas.microsoft.com/office/drawing/2014/main" xmlns="" id="{1C16C5A3-8C37-4B07-AA5E-BABF5084826F}"/>
               </a:ext>
             </a:extLst>
           </p:cNvPr>
@@ -9204,7 +9292,7 @@
         <p:spPr>
           <a:xfrm>
             <a:off x="16236429" y="30925193"/>
-            <a:ext cx="13825536" cy="12206418"/>
+            <a:ext cx="13825536" cy="13092815"/>
           </a:xfrm>
           <a:prstGeom prst="rect">
             <a:avLst/>
@@ -9626,8 +9714,93 @@
                   <a:srgbClr val="000000"/>
                 </a:solidFill>
               </a:rPr>
-              <a:t>[9].</a:t>
-            </a:r>
+              <a:t>[9</a:t>
+            </a:r>
+            <a:r>
+              <a:rPr lang="en-US" sz="2200" dirty="0" smtClean="0">
+                <a:solidFill>
+                  <a:srgbClr val="000000"/>
+                </a:solidFill>
+              </a:rPr>
+              <a:t>]</a:t>
+            </a:r>
+            <a:r>
+              <a:rPr lang="sr-Latn-BA" sz="2200" dirty="0" smtClean="0">
+                <a:solidFill>
+                  <a:srgbClr val="000000"/>
+                </a:solidFill>
+              </a:rPr>
+              <a:t> </a:t>
+            </a:r>
+            <a:r>
+              <a:rPr lang="en-US" sz="2400" dirty="0" err="1"/>
+              <a:t>Chaurasiya</a:t>
+            </a:r>
+            <a:r>
+              <a:rPr lang="en-US" sz="2400" dirty="0"/>
+              <a:t>, D., </a:t>
+            </a:r>
+            <a:r>
+              <a:rPr lang="en-US" sz="2400" dirty="0" err="1"/>
+              <a:t>Mondal</a:t>
+            </a:r>
+            <a:r>
+              <a:rPr lang="en-US" sz="2400" dirty="0"/>
+              <a:t>, R., </a:t>
+            </a:r>
+            <a:r>
+              <a:rPr lang="en-US" sz="2400" dirty="0" err="1"/>
+              <a:t>Lahiri</a:t>
+            </a:r>
+            <a:r>
+              <a:rPr lang="en-US" sz="2400" dirty="0"/>
+              <a:t>, T., </a:t>
+            </a:r>
+            <a:r>
+              <a:rPr lang="en-US" sz="2400" dirty="0" err="1"/>
+              <a:t>Tripathi</a:t>
+            </a:r>
+            <a:r>
+              <a:rPr lang="en-US" sz="2400" dirty="0"/>
+              <a:t>, A., &amp; </a:t>
+            </a:r>
+            <a:r>
+              <a:rPr lang="en-US" sz="2400" dirty="0" err="1"/>
+              <a:t>Ghinmine</a:t>
+            </a:r>
+            <a:r>
+              <a:rPr lang="en-US" sz="2400" dirty="0"/>
+              <a:t>, T. (2023). </a:t>
+            </a:r>
+            <a:r>
+              <a:rPr lang="en-US" sz="2400" dirty="0" err="1"/>
+              <a:t>IDPpred</a:t>
+            </a:r>
+            <a:r>
+              <a:rPr lang="en-US" sz="2400" dirty="0"/>
+              <a:t>: a new sequence-based predictor for identification of intrinsically disordered protein with enhanced accuracy. </a:t>
+            </a:r>
+            <a:r>
+              <a:rPr lang="en-US" sz="2400" i="1" dirty="0"/>
+              <a:t>Journal of </a:t>
+            </a:r>
+            <a:r>
+              <a:rPr lang="en-US" sz="2400" i="1" dirty="0" err="1"/>
+              <a:t>Biomolecular</a:t>
+            </a:r>
+            <a:r>
+              <a:rPr lang="en-US" sz="2400" i="1" dirty="0"/>
+              <a:t> Structure and Dynamics</a:t>
+            </a:r>
+            <a:r>
+              <a:rPr lang="en-US" sz="2400" dirty="0"/>
+              <a:t>, 1-9.</a:t>
+            </a:r>
+            <a:endParaRPr lang="en-US" sz="2200" dirty="0">
+              <a:solidFill>
+                <a:srgbClr val="000000"/>
+              </a:solidFill>
+            </a:endParaRPr>
           </a:p>
           <a:p>
             <a:pPr algn="just">
@@ -10159,7 +10332,7 @@
           </a:solidFill>
           <a:ln>
             <a:solidFill>
-              <a:srgbClr val="FF0000"/>
+              <a:schemeClr val="accent1"/>
             </a:solidFill>
           </a:ln>
         </p:spPr>
@@ -10354,7 +10527,338 @@
         </p:nvSpPr>
         <p:spPr>
           <a:xfrm>
-            <a:off x="18180645" y="6514481"/>
+            <a:off x="16956509" y="6298457"/>
+            <a:ext cx="9937104" cy="1224136"/>
+          </a:xfrm>
+          <a:prstGeom prst="roundRect">
+            <a:avLst/>
+          </a:prstGeom>
+          <a:solidFill>
+            <a:schemeClr val="accent2"/>
+          </a:solidFill>
+          <a:ln>
+            <a:solidFill>
+              <a:srgbClr val="FF0000"/>
+            </a:solidFill>
+          </a:ln>
+        </p:spPr>
+        <p:style>
+          <a:lnRef idx="2">
+            <a:schemeClr val="accent4">
+              <a:shade val="50000"/>
+            </a:schemeClr>
+          </a:lnRef>
+          <a:fillRef idx="1">
+            <a:schemeClr val="accent4"/>
+          </a:fillRef>
+          <a:effectRef idx="0">
+            <a:schemeClr val="accent4"/>
+          </a:effectRef>
+          <a:fontRef idx="minor">
+            <a:schemeClr val="lt1"/>
+          </a:fontRef>
+        </p:style>
+        <p:txBody>
+          <a:bodyPr rtlCol="0" anchor="ctr"/>
+          <a:lstStyle/>
+          <a:p>
+            <a:pPr algn="ctr"/>
+            <a:r>
+              <a:rPr lang="en-US" sz="7200" dirty="0" smtClean="0"/>
+              <a:t>Data</a:t>
+            </a:r>
+            <a:r>
+              <a:rPr lang="sr-Latn-BA" sz="7200" dirty="0" smtClean="0"/>
+              <a:t>, Tools</a:t>
+            </a:r>
+            <a:r>
+              <a:rPr lang="en-US" sz="7200" dirty="0" smtClean="0"/>
+              <a:t> </a:t>
+            </a:r>
+            <a:r>
+              <a:rPr lang="en-US" sz="7200" dirty="0"/>
+              <a:t>&amp; Resources</a:t>
+            </a:r>
+          </a:p>
+        </p:txBody>
+      </p:sp>
+      <p:sp>
+        <p:nvSpPr>
+          <p:cNvPr id="47" name="TextBox 46"/>
+          <p:cNvSpPr txBox="1"/>
+          <p:nvPr/>
+        </p:nvSpPr>
+        <p:spPr>
+          <a:xfrm>
+            <a:off x="15948397" y="7522593"/>
+            <a:ext cx="11377264" cy="6494085"/>
+          </a:xfrm>
+          <a:prstGeom prst="rect">
+            <a:avLst/>
+          </a:prstGeom>
+          <a:noFill/>
+        </p:spPr>
+        <p:txBody>
+          <a:bodyPr wrap="square" rtlCol="0">
+            <a:spAutoFit/>
+          </a:bodyPr>
+          <a:lstStyle/>
+          <a:p>
+            <a:pPr algn="just"/>
+            <a:r>
+              <a:rPr lang="en-US" sz="3200" dirty="0"/>
+              <a:t>The </a:t>
+            </a:r>
+            <a:r>
+              <a:rPr lang="en-US" sz="3200" dirty="0" smtClean="0"/>
+              <a:t>data </a:t>
+            </a:r>
+            <a:r>
+              <a:rPr lang="en-US" sz="3200" dirty="0"/>
+              <a:t>used in this study pertain to the model organism </a:t>
+            </a:r>
+            <a:r>
+              <a:rPr lang="en-US" sz="3200" i="1" dirty="0"/>
+              <a:t>S. </a:t>
+            </a:r>
+            <a:r>
+              <a:rPr lang="en-US" sz="3200" i="1" dirty="0" err="1"/>
+              <a:t>cerevisiae</a:t>
+            </a:r>
+            <a:r>
+              <a:rPr lang="en-US" sz="3200" i="1" dirty="0"/>
+              <a:t> </a:t>
+            </a:r>
+            <a:r>
+              <a:rPr lang="sr-Latn-BA" sz="3200" i="1" dirty="0" smtClean="0"/>
+              <a:t>- </a:t>
+            </a:r>
+            <a:r>
+              <a:rPr lang="en-US" sz="3200" dirty="0" smtClean="0"/>
+              <a:t>yeast</a:t>
+            </a:r>
+            <a:r>
+              <a:rPr lang="en-US" sz="3200" dirty="0"/>
+              <a:t>.</a:t>
+            </a:r>
+          </a:p>
+          <a:p>
+            <a:pPr marL="457200" indent="-457200" algn="just">
+              <a:buFont typeface="Arial" panose="020B0604020202020204" pitchFamily="34" charset="0"/>
+              <a:buChar char="•"/>
+            </a:pPr>
+            <a:r>
+              <a:rPr lang="en-US" sz="3200" dirty="0"/>
+              <a:t>The Protein-Protein Interaction (PPI) network – </a:t>
+            </a:r>
+            <a:r>
+              <a:rPr lang="en-US" sz="3200" dirty="0" err="1"/>
+              <a:t>BioGRID</a:t>
+            </a:r>
+            <a:r>
+              <a:rPr lang="en-US" sz="3200" dirty="0"/>
+              <a:t> [2] ,</a:t>
+            </a:r>
+          </a:p>
+          <a:p>
+            <a:pPr marL="457200" indent="-457200" algn="just">
+              <a:buFont typeface="Arial" panose="020B0604020202020204" pitchFamily="34" charset="0"/>
+              <a:buChar char="•"/>
+            </a:pPr>
+            <a:r>
+              <a:rPr lang="sr-Latn-BA" sz="3200" dirty="0" smtClean="0"/>
+              <a:t>IDPs</a:t>
+            </a:r>
+            <a:r>
+              <a:rPr lang="en-US" sz="3200" dirty="0" smtClean="0"/>
+              <a:t> </a:t>
+            </a:r>
+            <a:r>
+              <a:rPr lang="en-US" sz="3200" dirty="0"/>
+              <a:t>from the </a:t>
+            </a:r>
+            <a:r>
+              <a:rPr lang="sr-Latn-BA" sz="3200" dirty="0"/>
+              <a:t>DisProt database</a:t>
+            </a:r>
+            <a:r>
+              <a:rPr lang="en-US" sz="3200" dirty="0"/>
+              <a:t> [3-5],</a:t>
+            </a:r>
+          </a:p>
+          <a:p>
+            <a:pPr marL="457200" indent="-457200" algn="just">
+              <a:buFont typeface="Arial" panose="020B0604020202020204" pitchFamily="34" charset="0"/>
+              <a:buChar char="•"/>
+            </a:pPr>
+            <a:r>
+              <a:rPr lang="en-US" sz="3200" dirty="0"/>
+              <a:t>Gene expression </a:t>
+            </a:r>
+            <a:r>
+              <a:rPr lang="en-US" sz="3200" dirty="0" smtClean="0"/>
+              <a:t>information</a:t>
+            </a:r>
+            <a:r>
+              <a:rPr lang="sr-Latn-BA" sz="3200" dirty="0" smtClean="0"/>
+              <a:t> obtained</a:t>
+            </a:r>
+            <a:r>
+              <a:rPr lang="en-US" sz="3200" dirty="0" smtClean="0"/>
+              <a:t> </a:t>
+            </a:r>
+            <a:r>
+              <a:rPr lang="en-US" sz="3200" dirty="0"/>
+              <a:t>by SPELL engine [6</a:t>
+            </a:r>
+            <a:r>
+              <a:rPr lang="en-US" sz="3200" dirty="0" smtClean="0"/>
+              <a:t>],</a:t>
+            </a:r>
+            <a:endParaRPr lang="sr-Latn-BA" sz="3200" dirty="0" smtClean="0"/>
+          </a:p>
+          <a:p>
+            <a:pPr marL="457200" indent="-457200" algn="just">
+              <a:buFont typeface="Arial" panose="020B0604020202020204" pitchFamily="34" charset="0"/>
+              <a:buChar char="•"/>
+            </a:pPr>
+            <a:r>
+              <a:rPr lang="en-US" sz="3200" dirty="0"/>
+              <a:t>Protein sequences [8</a:t>
+            </a:r>
+            <a:r>
+              <a:rPr lang="en-US" sz="3200" dirty="0" smtClean="0"/>
+              <a:t>],</a:t>
+            </a:r>
+            <a:endParaRPr lang="sr-Latn-BA" sz="3200" dirty="0" smtClean="0"/>
+          </a:p>
+          <a:p>
+            <a:pPr algn="just"/>
+            <a:r>
+              <a:rPr lang="sr-Latn-BA" sz="3200" dirty="0" smtClean="0"/>
+              <a:t>For data extraction and classification the following tools and resources were used:</a:t>
+            </a:r>
+            <a:endParaRPr lang="en-US" sz="3200" dirty="0"/>
+          </a:p>
+          <a:p>
+            <a:pPr marL="457200" indent="-457200" algn="just">
+              <a:buFont typeface="Arial" panose="020B0604020202020204" pitchFamily="34" charset="0"/>
+              <a:buChar char="•"/>
+            </a:pPr>
+            <a:r>
+              <a:rPr lang="en-US" sz="3200" dirty="0"/>
+              <a:t>Node2vec+ tool [7</a:t>
+            </a:r>
+            <a:r>
+              <a:rPr lang="en-US" sz="3200" dirty="0" smtClean="0"/>
+              <a:t>]</a:t>
+            </a:r>
+            <a:r>
+              <a:rPr lang="sr-Latn-BA" sz="3200" dirty="0" smtClean="0"/>
+              <a:t> – for extraction of features from weighted network, based on random walks.</a:t>
+            </a:r>
+            <a:endParaRPr lang="en-US" sz="3200" dirty="0"/>
+          </a:p>
+          <a:p>
+            <a:pPr marL="457200" indent="-457200" algn="just">
+              <a:buFont typeface="Arial" panose="020B0604020202020204" pitchFamily="34" charset="0"/>
+              <a:buChar char="•"/>
+            </a:pPr>
+            <a:r>
+              <a:rPr lang="en-US" sz="3200" dirty="0" smtClean="0"/>
+              <a:t>SMOTEEN </a:t>
+            </a:r>
+            <a:r>
+              <a:rPr lang="en-US" sz="3200" dirty="0"/>
+              <a:t>[10</a:t>
+            </a:r>
+            <a:r>
+              <a:rPr lang="en-US" sz="3200" dirty="0" smtClean="0"/>
+              <a:t>]</a:t>
+            </a:r>
+            <a:r>
+              <a:rPr lang="sr-Latn-BA" sz="3200" dirty="0" smtClean="0"/>
+              <a:t> – for sampling training set</a:t>
+            </a:r>
+            <a:r>
+              <a:rPr lang="en-US" sz="3200" dirty="0" smtClean="0"/>
+              <a:t>,</a:t>
+            </a:r>
+            <a:endParaRPr lang="en-US" sz="3200" dirty="0"/>
+          </a:p>
+          <a:p>
+            <a:pPr marL="457200" indent="-457200" algn="just">
+              <a:buFont typeface="Arial" panose="020B0604020202020204" pitchFamily="34" charset="0"/>
+              <a:buChar char="•"/>
+            </a:pPr>
+            <a:r>
+              <a:rPr lang="en-US" sz="3200" dirty="0" err="1"/>
+              <a:t>MinMaxScaler</a:t>
+            </a:r>
+            <a:r>
+              <a:rPr lang="en-US" sz="3200" dirty="0"/>
+              <a:t> [11</a:t>
+            </a:r>
+            <a:r>
+              <a:rPr lang="en-US" sz="3200" dirty="0" smtClean="0"/>
+              <a:t>]</a:t>
+            </a:r>
+            <a:r>
+              <a:rPr lang="sr-Latn-BA" sz="3200" dirty="0" smtClean="0"/>
+              <a:t> – for normalization of dataset</a:t>
+            </a:r>
+            <a:r>
+              <a:rPr lang="en-US" sz="3200" dirty="0" smtClean="0"/>
+              <a:t>,</a:t>
+            </a:r>
+            <a:endParaRPr lang="en-US" sz="3200" dirty="0"/>
+          </a:p>
+          <a:p>
+            <a:pPr marL="457200" indent="-457200" algn="just">
+              <a:buFont typeface="Arial" panose="020B0604020202020204" pitchFamily="34" charset="0"/>
+              <a:buChar char="•"/>
+            </a:pPr>
+            <a:r>
+              <a:rPr lang="en-US" sz="3200" dirty="0" err="1"/>
+              <a:t>GridSearchCV</a:t>
+            </a:r>
+            <a:r>
+              <a:rPr lang="en-US" sz="3200" dirty="0"/>
+              <a:t> [12</a:t>
+            </a:r>
+            <a:r>
+              <a:rPr lang="en-US" sz="3200" dirty="0" smtClean="0"/>
+              <a:t>]</a:t>
+            </a:r>
+            <a:r>
+              <a:rPr lang="sr-Latn-BA" sz="3200" dirty="0" smtClean="0"/>
+              <a:t> – for tuning hyperparametar of </a:t>
+            </a:r>
+            <a:r>
+              <a:rPr lang="en-US" sz="3200" dirty="0" smtClean="0"/>
+              <a:t>K</a:t>
+            </a:r>
+            <a:r>
+              <a:rPr lang="sr-Latn-BA" sz="3200" dirty="0" smtClean="0"/>
+              <a:t>NN</a:t>
+            </a:r>
+            <a:r>
+              <a:rPr lang="en-US" sz="3200" dirty="0" smtClean="0"/>
+              <a:t>.</a:t>
+            </a:r>
+            <a:endParaRPr lang="en-US" sz="3200" dirty="0"/>
+          </a:p>
+        </p:txBody>
+      </p:sp>
+      <p:sp>
+        <p:nvSpPr>
+          <p:cNvPr id="48" name="Rounded Rectangle 47"/>
+          <p:cNvSpPr/>
+          <p:nvPr/>
+        </p:nvSpPr>
+        <p:spPr>
+          <a:xfrm>
+            <a:off x="10691813" y="24228449"/>
             <a:ext cx="7344816" cy="1224136"/>
           </a:xfrm>
           <a:prstGeom prst="roundRect">
@@ -10392,173 +10896,27 @@
             <a:pPr algn="ctr"/>
             <a:r>
               <a:rPr lang="en-US" sz="7200" dirty="0"/>
-              <a:t>Data &amp; Resources</a:t>
+              <a:t>Results</a:t>
             </a:r>
           </a:p>
         </p:txBody>
       </p:sp>
       <p:sp>
         <p:nvSpPr>
-          <p:cNvPr id="47" name="TextBox 46"/>
-          <p:cNvSpPr txBox="1"/>
-          <p:nvPr/>
-        </p:nvSpPr>
-        <p:spPr>
-          <a:xfrm>
-            <a:off x="15948397" y="8026649"/>
-            <a:ext cx="11665296" cy="5509200"/>
-          </a:xfrm>
-          <a:prstGeom prst="rect">
-            <a:avLst/>
-          </a:prstGeom>
-          <a:noFill/>
-        </p:spPr>
-        <p:txBody>
-          <a:bodyPr wrap="square" rtlCol="0">
-            <a:spAutoFit/>
-          </a:bodyPr>
-          <a:lstStyle/>
-          <a:p>
-            <a:pPr algn="just"/>
-            <a:r>
-              <a:rPr lang="en-US" sz="3200" dirty="0"/>
-              <a:t>The data used in this study pertain to the model organism S. </a:t>
-            </a:r>
-            <a:r>
-              <a:rPr lang="en-US" sz="3200" dirty="0" err="1"/>
-              <a:t>cerevisiae</a:t>
-            </a:r>
-            <a:r>
-              <a:rPr lang="en-US" sz="3200" dirty="0"/>
-              <a:t> yeast.</a:t>
-            </a:r>
-          </a:p>
-          <a:p>
-            <a:pPr marL="457200" indent="-457200" algn="just">
-              <a:buFont typeface="Arial" panose="020B0604020202020204" pitchFamily="34" charset="0"/>
-              <a:buChar char="•"/>
-            </a:pPr>
-            <a:r>
-              <a:rPr lang="en-US" sz="3200" dirty="0"/>
-              <a:t>The Protein-Protein Interaction (PPI) network – </a:t>
-            </a:r>
-            <a:r>
-              <a:rPr lang="en-US" sz="3200" dirty="0" err="1"/>
-              <a:t>BioGRID</a:t>
-            </a:r>
-            <a:r>
-              <a:rPr lang="en-US" sz="3200" dirty="0"/>
-              <a:t> [2] ,</a:t>
-            </a:r>
-          </a:p>
-          <a:p>
-            <a:pPr marL="457200" indent="-457200" algn="just">
-              <a:buFont typeface="Arial" panose="020B0604020202020204" pitchFamily="34" charset="0"/>
-              <a:buChar char="•"/>
-            </a:pPr>
-            <a:r>
-              <a:rPr lang="en-US" sz="3200" dirty="0"/>
-              <a:t>Proteins from the </a:t>
-            </a:r>
-            <a:r>
-              <a:rPr lang="sr-Latn-BA" sz="3200" dirty="0"/>
-              <a:t>DisProt database</a:t>
-            </a:r>
-            <a:r>
-              <a:rPr lang="en-US" sz="3200" dirty="0"/>
-              <a:t> [3-5],</a:t>
-            </a:r>
-          </a:p>
-          <a:p>
-            <a:pPr marL="457200" indent="-457200" algn="just">
-              <a:buFont typeface="Arial" panose="020B0604020202020204" pitchFamily="34" charset="0"/>
-              <a:buChar char="•"/>
-            </a:pPr>
-            <a:r>
-              <a:rPr lang="en-US" sz="3200" dirty="0"/>
-              <a:t>Gene expression information by SPELL engine [6],</a:t>
-            </a:r>
-          </a:p>
-          <a:p>
-            <a:pPr marL="457200" indent="-457200" algn="just">
-              <a:buFont typeface="Arial" panose="020B0604020202020204" pitchFamily="34" charset="0"/>
-              <a:buChar char="•"/>
-            </a:pPr>
-            <a:r>
-              <a:rPr lang="en-US" sz="3200" dirty="0"/>
-              <a:t>Node2vec+ tool [7],</a:t>
-            </a:r>
-          </a:p>
-          <a:p>
-            <a:pPr marL="457200" indent="-457200" algn="just">
-              <a:buFont typeface="Arial" panose="020B0604020202020204" pitchFamily="34" charset="0"/>
-              <a:buChar char="•"/>
-            </a:pPr>
-            <a:r>
-              <a:rPr lang="en-US" sz="3200" dirty="0"/>
-              <a:t>Protein sequences [8],</a:t>
-            </a:r>
-          </a:p>
-          <a:p>
-            <a:pPr marL="457200" indent="-457200" algn="just">
-              <a:buFont typeface="Arial" panose="020B0604020202020204" pitchFamily="34" charset="0"/>
-              <a:buChar char="•"/>
-            </a:pPr>
-            <a:r>
-              <a:rPr lang="en-US" sz="3200" dirty="0"/>
-              <a:t>Features based on protein sequences [9],</a:t>
-            </a:r>
-          </a:p>
-          <a:p>
-            <a:pPr marL="457200" indent="-457200" algn="just">
-              <a:buFont typeface="Arial" panose="020B0604020202020204" pitchFamily="34" charset="0"/>
-              <a:buChar char="•"/>
-            </a:pPr>
-            <a:r>
-              <a:rPr lang="en-US" sz="3200" dirty="0"/>
-              <a:t>SMOTEEN [10],</a:t>
-            </a:r>
-          </a:p>
-          <a:p>
-            <a:pPr marL="457200" indent="-457200" algn="just">
-              <a:buFont typeface="Arial" panose="020B0604020202020204" pitchFamily="34" charset="0"/>
-              <a:buChar char="•"/>
-            </a:pPr>
-            <a:r>
-              <a:rPr lang="en-US" sz="3200" dirty="0" err="1"/>
-              <a:t>MinMaxScaler</a:t>
-            </a:r>
-            <a:r>
-              <a:rPr lang="en-US" sz="3200" dirty="0"/>
-              <a:t> [11],</a:t>
-            </a:r>
-          </a:p>
-          <a:p>
-            <a:pPr marL="457200" indent="-457200" algn="just">
-              <a:buFont typeface="Arial" panose="020B0604020202020204" pitchFamily="34" charset="0"/>
-              <a:buChar char="•"/>
-            </a:pPr>
-            <a:r>
-              <a:rPr lang="en-US" sz="3200" dirty="0" err="1"/>
-              <a:t>GridSearchCV</a:t>
-            </a:r>
-            <a:r>
-              <a:rPr lang="en-US" sz="3200" dirty="0"/>
-              <a:t> [12].</a:t>
-            </a:r>
-          </a:p>
-        </p:txBody>
-      </p:sp>
-      <p:sp>
-        <p:nvSpPr>
-          <p:cNvPr id="48" name="Rounded Rectangle 47"/>
+          <p:cNvPr id="30" name="Rounded Rectangle 47">
+            <a:extLst>
+              <a:ext uri="{FF2B5EF4-FFF2-40B4-BE49-F238E27FC236}">
+                <a16:creationId xmlns:a16="http://schemas.microsoft.com/office/drawing/2014/main" xmlns="" id="{33946411-5D0B-4586-92C0-9422A01632C7}"/>
+              </a:ext>
+            </a:extLst>
+          </p:cNvPr>
           <p:cNvSpPr/>
           <p:nvPr/>
         </p:nvSpPr>
         <p:spPr>
           <a:xfrm>
-            <a:off x="10835829" y="23508369"/>
-            <a:ext cx="7344816" cy="1224136"/>
+            <a:off x="3219036" y="15443473"/>
+            <a:ext cx="7616793" cy="748945"/>
           </a:xfrm>
           <a:prstGeom prst="roundRect">
             <a:avLst/>
@@ -10568,7 +10926,7 @@
           </a:solidFill>
           <a:ln>
             <a:solidFill>
-              <a:srgbClr val="FF0000"/>
+              <a:schemeClr val="accent1"/>
             </a:solidFill>
           </a:ln>
         </p:spPr>
@@ -10594,18 +10952,18 @@
           <a:p>
             <a:pPr algn="ctr"/>
             <a:r>
-              <a:rPr lang="en-US" sz="7200" dirty="0"/>
-              <a:t>Results</a:t>
+              <a:rPr lang="en-US" sz="4000" dirty="0"/>
+              <a:t>Data preparation</a:t>
             </a:r>
           </a:p>
         </p:txBody>
       </p:sp>
       <p:sp>
         <p:nvSpPr>
-          <p:cNvPr id="30" name="Rounded Rectangle 47">
+          <p:cNvPr id="31" name="Rounded Rectangle 47">
             <a:extLst>
               <a:ext uri="{FF2B5EF4-FFF2-40B4-BE49-F238E27FC236}">
-                <a16:creationId xmlns:a16="http://schemas.microsoft.com/office/drawing/2014/main" id="{33946411-5D0B-4586-92C0-9422A01632C7}"/>
+                <a16:creationId xmlns:a16="http://schemas.microsoft.com/office/drawing/2014/main" xmlns="" id="{5FB06176-787A-4601-99AD-07335A70D009}"/>
               </a:ext>
             </a:extLst>
           </p:cNvPr>
@@ -10614,8 +10972,8 @@
         </p:nvSpPr>
         <p:spPr>
           <a:xfrm>
-            <a:off x="3219036" y="15443473"/>
-            <a:ext cx="7616793" cy="748945"/>
+            <a:off x="19251308" y="15450821"/>
+            <a:ext cx="7616793" cy="670552"/>
           </a:xfrm>
           <a:prstGeom prst="roundRect">
             <a:avLst/>
@@ -10625,7 +10983,7 @@
           </a:solidFill>
           <a:ln>
             <a:solidFill>
-              <a:srgbClr val="FF0000"/>
+              <a:schemeClr val="accent1"/>
             </a:solidFill>
           </a:ln>
         </p:spPr>
@@ -10652,63 +11010,6 @@
             <a:pPr algn="ctr"/>
             <a:r>
               <a:rPr lang="en-US" sz="4000" dirty="0"/>
-              <a:t>Data preparation</a:t>
-            </a:r>
-          </a:p>
-        </p:txBody>
-      </p:sp>
-      <p:sp>
-        <p:nvSpPr>
-          <p:cNvPr id="31" name="Rounded Rectangle 47">
-            <a:extLst>
-              <a:ext uri="{FF2B5EF4-FFF2-40B4-BE49-F238E27FC236}">
-                <a16:creationId xmlns:a16="http://schemas.microsoft.com/office/drawing/2014/main" id="{5FB06176-787A-4601-99AD-07335A70D009}"/>
-              </a:ext>
-            </a:extLst>
-          </p:cNvPr>
-          <p:cNvSpPr/>
-          <p:nvPr/>
-        </p:nvSpPr>
-        <p:spPr>
-          <a:xfrm>
-            <a:off x="19251308" y="15450821"/>
-            <a:ext cx="7616793" cy="670552"/>
-          </a:xfrm>
-          <a:prstGeom prst="roundRect">
-            <a:avLst/>
-          </a:prstGeom>
-          <a:solidFill>
-            <a:schemeClr val="accent2"/>
-          </a:solidFill>
-          <a:ln>
-            <a:solidFill>
-              <a:srgbClr val="FF0000"/>
-            </a:solidFill>
-          </a:ln>
-        </p:spPr>
-        <p:style>
-          <a:lnRef idx="2">
-            <a:schemeClr val="accent4">
-              <a:shade val="50000"/>
-            </a:schemeClr>
-          </a:lnRef>
-          <a:fillRef idx="1">
-            <a:schemeClr val="accent4"/>
-          </a:fillRef>
-          <a:effectRef idx="0">
-            <a:schemeClr val="accent4"/>
-          </a:effectRef>
-          <a:fontRef idx="minor">
-            <a:schemeClr val="lt1"/>
-          </a:fontRef>
-        </p:style>
-        <p:txBody>
-          <a:bodyPr rtlCol="0" anchor="ctr"/>
-          <a:lstStyle/>
-          <a:p>
-            <a:pPr algn="ctr"/>
-            <a:r>
-              <a:rPr lang="en-US" sz="4000" dirty="0"/>
               <a:t>Data classification</a:t>
             </a:r>
           </a:p>
@@ -10719,7 +11020,7 @@
           <p:cNvPr id="14" name="Diagram 13">
             <a:extLst>
               <a:ext uri="{FF2B5EF4-FFF2-40B4-BE49-F238E27FC236}">
-                <a16:creationId xmlns:a16="http://schemas.microsoft.com/office/drawing/2014/main" id="{AA320E81-5855-4B1B-A249-74E4C7FE7477}"/>
+                <a16:creationId xmlns:a16="http://schemas.microsoft.com/office/drawing/2014/main" xmlns="" id="{AA320E81-5855-4B1B-A249-74E4C7FE7477}"/>
               </a:ext>
             </a:extLst>
           </p:cNvPr>
@@ -10747,7 +11048,7 @@
           <p:cNvPr id="1026" name="Picture 2" descr="https://assets-global.website-files.com/621e95f9ac30687a56e4297e/64a8d750505cf8e707066669_V2_1676215759712_7b2330a6-df89-49b4-be67-3b44bfb50040.png">
             <a:extLst>
               <a:ext uri="{FF2B5EF4-FFF2-40B4-BE49-F238E27FC236}">
-                <a16:creationId xmlns:a16="http://schemas.microsoft.com/office/drawing/2014/main" id="{EBEBC945-E341-4136-8DC8-448F42B87F70}"/>
+                <a16:creationId xmlns:a16="http://schemas.microsoft.com/office/drawing/2014/main" xmlns="" id="{EBEBC945-E341-4136-8DC8-448F42B87F70}"/>
               </a:ext>
             </a:extLst>
           </p:cNvPr>
@@ -10792,7 +11093,7 @@
           <p:cNvPr id="44" name="Picture 2" descr="https://assets-global.website-files.com/621e95f9ac30687a56e4297e/64a8d750505cf8e707066669_V2_1676215759712_7b2330a6-df89-49b4-be67-3b44bfb50040.png">
             <a:extLst>
               <a:ext uri="{FF2B5EF4-FFF2-40B4-BE49-F238E27FC236}">
-                <a16:creationId xmlns:a16="http://schemas.microsoft.com/office/drawing/2014/main" id="{34F3213A-A300-4253-B3DE-16FD671B4B9E}"/>
+                <a16:creationId xmlns:a16="http://schemas.microsoft.com/office/drawing/2014/main" xmlns="" id="{34F3213A-A300-4253-B3DE-16FD671B4B9E}"/>
               </a:ext>
             </a:extLst>
           </p:cNvPr>
@@ -10837,7 +11138,7 @@
           <p:cNvPr id="18" name="Rectangle 17">
             <a:extLst>
               <a:ext uri="{FF2B5EF4-FFF2-40B4-BE49-F238E27FC236}">
-                <a16:creationId xmlns:a16="http://schemas.microsoft.com/office/drawing/2014/main" id="{15C5418E-2EC7-4CDD-A50D-4A1976FD60F2}"/>
+                <a16:creationId xmlns:a16="http://schemas.microsoft.com/office/drawing/2014/main" xmlns="" id="{15C5418E-2EC7-4CDD-A50D-4A1976FD60F2}"/>
               </a:ext>
             </a:extLst>
           </p:cNvPr>
@@ -10847,7 +11148,7 @@
         <p:spPr>
           <a:xfrm>
             <a:off x="679876" y="19385270"/>
-            <a:ext cx="2395126" cy="3046988"/>
+            <a:ext cx="2395126" cy="2800767"/>
           </a:xfrm>
           <a:prstGeom prst="rect">
             <a:avLst/>
@@ -10874,6 +11175,7 @@
           </a:bodyPr>
           <a:lstStyle/>
           <a:p>
+            <a:pPr algn="just"/>
             <a:r>
               <a:rPr lang="en-US" sz="1600" dirty="0">
                 <a:solidFill>
@@ -10881,10 +11183,35 @@
                 </a:solidFill>
                 <a:latin typeface="Calibri" panose="020F0502020204030204" pitchFamily="34" charset="0"/>
               </a:rPr>
-              <a:t>For each pair (P,Q) of proteins in the PPI network,</a:t>
-            </a:r>
-          </a:p>
-          <a:p>
+              <a:t>For each pair (P,Q) of proteins in the PPI network</a:t>
+            </a:r>
+            <a:r>
+              <a:rPr lang="en-US" sz="1600" dirty="0" smtClean="0">
+                <a:solidFill>
+                  <a:srgbClr val="000000"/>
+                </a:solidFill>
+                <a:latin typeface="Calibri" panose="020F0502020204030204" pitchFamily="34" charset="0"/>
+              </a:rPr>
+              <a:t>,</a:t>
+            </a:r>
+            <a:r>
+              <a:rPr lang="sr-Latn-BA" sz="1600" dirty="0" smtClean="0">
+                <a:solidFill>
+                  <a:srgbClr val="000000"/>
+                </a:solidFill>
+                <a:latin typeface="Calibri" panose="020F0502020204030204" pitchFamily="34" charset="0"/>
+              </a:rPr>
+              <a:t> </a:t>
+            </a:r>
+            <a:r>
+              <a:rPr lang="en-US" sz="1600" dirty="0" smtClean="0">
+                <a:solidFill>
+                  <a:srgbClr val="000000"/>
+                </a:solidFill>
+                <a:latin typeface="Calibri" panose="020F0502020204030204" pitchFamily="34" charset="0"/>
+              </a:rPr>
+              <a:t>the </a:t>
+            </a:r>
             <a:r>
               <a:rPr lang="en-US" sz="1600" dirty="0">
                 <a:solidFill>
@@ -10892,10 +11219,11 @@
                 </a:solidFill>
                 <a:latin typeface="Calibri" panose="020F0502020204030204" pitchFamily="34" charset="0"/>
               </a:rPr>
-              <a:t>the Adjusted Correlation Score (ACS) is calculated. </a:t>
-            </a:r>
-          </a:p>
-          <a:p>
+              <a:t>Adjusted Correlation Score (ACS) is calculated. </a:t>
+            </a:r>
+          </a:p>
+          <a:p>
+            <a:pPr algn="just"/>
             <a:r>
               <a:rPr lang="en-US" sz="1600" dirty="0">
                 <a:solidFill>
@@ -10903,10 +11231,35 @@
                 </a:solidFill>
                 <a:latin typeface="Calibri" panose="020F0502020204030204" pitchFamily="34" charset="0"/>
               </a:rPr>
-              <a:t>ACS is a measure of weighted correlation for the genes corresponding to the considered proteins P</a:t>
-            </a:r>
-          </a:p>
-          <a:p>
+              <a:t>ACS is a measure of weighted correlation for the genes corresponding to the considered proteins </a:t>
+            </a:r>
+            <a:r>
+              <a:rPr lang="en-US" sz="1600" dirty="0" smtClean="0">
+                <a:solidFill>
+                  <a:srgbClr val="000000"/>
+                </a:solidFill>
+                <a:latin typeface="Calibri" panose="020F0502020204030204" pitchFamily="34" charset="0"/>
+              </a:rPr>
+              <a:t>P</a:t>
+            </a:r>
+            <a:r>
+              <a:rPr lang="sr-Latn-BA" sz="1600" dirty="0" smtClean="0">
+                <a:solidFill>
+                  <a:srgbClr val="000000"/>
+                </a:solidFill>
+                <a:latin typeface="Calibri" panose="020F0502020204030204" pitchFamily="34" charset="0"/>
+              </a:rPr>
+              <a:t> </a:t>
+            </a:r>
+            <a:r>
+              <a:rPr lang="en-US" sz="1600" dirty="0" smtClean="0">
+                <a:solidFill>
+                  <a:srgbClr val="000000"/>
+                </a:solidFill>
+                <a:latin typeface="Calibri" panose="020F0502020204030204" pitchFamily="34" charset="0"/>
+              </a:rPr>
+              <a:t>and </a:t>
+            </a:r>
             <a:r>
               <a:rPr lang="en-US" sz="1600" dirty="0">
                 <a:solidFill>
@@ -10914,7 +11267,34 @@
                 </a:solidFill>
                 <a:latin typeface="Calibri" panose="020F0502020204030204" pitchFamily="34" charset="0"/>
               </a:rPr>
-              <a:t>and Q by using the SPELL tool[REFF SPELL].</a:t>
+              <a:t>Q by using the </a:t>
+            </a:r>
+            <a:r>
+              <a:rPr lang="en-US" sz="1600" dirty="0">
+                <a:solidFill>
+                  <a:srgbClr val="000000"/>
+                </a:solidFill>
+                <a:latin typeface="Calibri" panose="020F0502020204030204" pitchFamily="34" charset="0"/>
+              </a:rPr>
+              <a:t>SPELL engine [6</a:t>
+            </a:r>
+            <a:r>
+              <a:rPr lang="en-US" sz="1600" dirty="0" smtClean="0">
+                <a:solidFill>
+                  <a:srgbClr val="000000"/>
+                </a:solidFill>
+                <a:latin typeface="Calibri" panose="020F0502020204030204" pitchFamily="34" charset="0"/>
+              </a:rPr>
+              <a:t>]</a:t>
+            </a:r>
+            <a:r>
+              <a:rPr lang="sr-Latn-BA" sz="1600" dirty="0" smtClean="0">
+                <a:solidFill>
+                  <a:srgbClr val="000000"/>
+                </a:solidFill>
+                <a:latin typeface="Calibri" panose="020F0502020204030204" pitchFamily="34" charset="0"/>
+              </a:rPr>
+              <a:t>.</a:t>
             </a:r>
             <a:endParaRPr lang="en-US" sz="1600" dirty="0"/>
           </a:p>
@@ -10925,7 +11305,7 @@
           <p:cNvPr id="49" name="Rectangle 48">
             <a:extLst>
               <a:ext uri="{FF2B5EF4-FFF2-40B4-BE49-F238E27FC236}">
-                <a16:creationId xmlns:a16="http://schemas.microsoft.com/office/drawing/2014/main" id="{7FA12D37-8BE6-48FA-A3E0-7F6D80828A2A}"/>
+                <a16:creationId xmlns:a16="http://schemas.microsoft.com/office/drawing/2014/main" xmlns="" id="{7FA12D37-8BE6-48FA-A3E0-7F6D80828A2A}"/>
               </a:ext>
             </a:extLst>
           </p:cNvPr>
@@ -10935,7 +11315,7 @@
         <p:spPr>
           <a:xfrm>
             <a:off x="3354765" y="19410137"/>
-            <a:ext cx="3456385" cy="3293209"/>
+            <a:ext cx="3456385" cy="3046988"/>
           </a:xfrm>
           <a:prstGeom prst="rect">
             <a:avLst/>
@@ -10963,14 +11343,56 @@
           <a:lstStyle/>
           <a:p>
             <a:r>
+              <a:rPr lang="en-US" sz="1600" dirty="0" smtClean="0">
+                <a:solidFill>
+                  <a:srgbClr val="000000"/>
+                </a:solidFill>
+                <a:latin typeface="Calibri" panose="020F0502020204030204" pitchFamily="34" charset="0"/>
+              </a:rPr>
+              <a:t>Determining </a:t>
+            </a:r>
+            <a:r>
               <a:rPr lang="en-US" sz="1600" dirty="0">
                 <a:solidFill>
                   <a:srgbClr val="000000"/>
                 </a:solidFill>
                 <a:latin typeface="Calibri" panose="020F0502020204030204" pitchFamily="34" charset="0"/>
               </a:rPr>
-              <a:t>Sequence are extracted from XXX[REFF]</a:t>
-            </a:r>
+              <a:t>the features based on  information about amino acids in the context of IDPs involves consideration of the following properties </a:t>
+            </a:r>
+            <a:r>
+              <a:rPr lang="en-US" sz="1600" dirty="0" smtClean="0">
+                <a:solidFill>
+                  <a:srgbClr val="000000"/>
+                </a:solidFill>
+                <a:latin typeface="Calibri" panose="020F0502020204030204" pitchFamily="34" charset="0"/>
+              </a:rPr>
+              <a:t>[</a:t>
+            </a:r>
+            <a:r>
+              <a:rPr lang="sr-Latn-BA" sz="1600" dirty="0" smtClean="0">
+                <a:solidFill>
+                  <a:srgbClr val="000000"/>
+                </a:solidFill>
+                <a:latin typeface="Calibri" panose="020F0502020204030204" pitchFamily="34" charset="0"/>
+              </a:rPr>
+              <a:t>9</a:t>
+            </a:r>
+            <a:r>
+              <a:rPr lang="en-US" sz="1600" dirty="0" smtClean="0">
+                <a:solidFill>
+                  <a:srgbClr val="000000"/>
+                </a:solidFill>
+                <a:latin typeface="Calibri" panose="020F0502020204030204" pitchFamily="34" charset="0"/>
+              </a:rPr>
+              <a:t>]:</a:t>
+            </a:r>
+            <a:endParaRPr lang="en-US" sz="1600" dirty="0">
+              <a:solidFill>
+                <a:srgbClr val="000000"/>
+              </a:solidFill>
+              <a:latin typeface="Calibri" panose="020F0502020204030204" pitchFamily="34" charset="0"/>
+            </a:endParaRPr>
           </a:p>
           <a:p>
             <a:r>
@@ -10980,7 +11402,7 @@
                 </a:solidFill>
                 <a:latin typeface="Calibri" panose="020F0502020204030204" pitchFamily="34" charset="0"/>
               </a:rPr>
-              <a:t>Determining the features based on  information about amino acids in the context of IDPs involves consideration of the following properties [REFF]:</a:t>
+              <a:t>A) Order/disorder promoting amino acids and,</a:t>
             </a:r>
           </a:p>
           <a:p>
@@ -10991,10 +11413,79 @@
                 </a:solidFill>
                 <a:latin typeface="Calibri" panose="020F0502020204030204" pitchFamily="34" charset="0"/>
               </a:rPr>
-              <a:t>A) Order/disorder promoting amino acids and,</a:t>
-            </a:r>
-          </a:p>
-          <a:p>
+              <a:t>B) five physicochemical </a:t>
+            </a:r>
+            <a:r>
+              <a:rPr lang="en-US" sz="1600" dirty="0" smtClean="0">
+                <a:solidFill>
+                  <a:srgbClr val="000000"/>
+                </a:solidFill>
+                <a:latin typeface="Calibri" panose="020F0502020204030204" pitchFamily="34" charset="0"/>
+              </a:rPr>
+              <a:t>properties</a:t>
+            </a:r>
+            <a:r>
+              <a:rPr lang="sr-Latn-BA" sz="1600" dirty="0" smtClean="0">
+                <a:solidFill>
+                  <a:srgbClr val="000000"/>
+                </a:solidFill>
+                <a:latin typeface="Calibri" panose="020F0502020204030204" pitchFamily="34" charset="0"/>
+              </a:rPr>
+              <a:t>:</a:t>
+            </a:r>
+            <a:endParaRPr lang="en-US" sz="1600" dirty="0">
+              <a:solidFill>
+                <a:srgbClr val="000000"/>
+              </a:solidFill>
+              <a:latin typeface="Calibri" panose="020F0502020204030204" pitchFamily="34" charset="0"/>
+            </a:endParaRPr>
+          </a:p>
+          <a:p>
+            <a:r>
+              <a:rPr lang="sr-Latn-BA" sz="1600" dirty="0">
+                <a:solidFill>
+                  <a:srgbClr val="000000"/>
+                </a:solidFill>
+                <a:latin typeface="Calibri" panose="020F0502020204030204" pitchFamily="34" charset="0"/>
+              </a:rPr>
+              <a:t> </a:t>
+            </a:r>
+            <a:r>
+              <a:rPr lang="sr-Latn-BA" sz="1600" dirty="0" smtClean="0">
+                <a:solidFill>
+                  <a:srgbClr val="000000"/>
+                </a:solidFill>
+                <a:latin typeface="Calibri" panose="020F0502020204030204" pitchFamily="34" charset="0"/>
+              </a:rPr>
+              <a:t>    </a:t>
+            </a:r>
+            <a:r>
+              <a:rPr lang="en-US" sz="1600" dirty="0" smtClean="0">
+                <a:solidFill>
+                  <a:srgbClr val="000000"/>
+                </a:solidFill>
+                <a:latin typeface="Calibri" panose="020F0502020204030204" pitchFamily="34" charset="0"/>
+              </a:rPr>
+              <a:t>B</a:t>
+            </a:r>
+            <a:r>
+              <a:rPr lang="sr-Latn-BA" sz="1600" dirty="0">
+                <a:solidFill>
+                  <a:srgbClr val="000000"/>
+                </a:solidFill>
+                <a:latin typeface="Calibri" panose="020F0502020204030204" pitchFamily="34" charset="0"/>
+              </a:rPr>
+              <a:t>A</a:t>
+            </a:r>
+            <a:r>
+              <a:rPr lang="en-US" sz="1600" dirty="0" smtClean="0">
+                <a:solidFill>
+                  <a:srgbClr val="000000"/>
+                </a:solidFill>
+                <a:latin typeface="Calibri" panose="020F0502020204030204" pitchFamily="34" charset="0"/>
+              </a:rPr>
+              <a:t>) </a:t>
+            </a:r>
             <a:r>
               <a:rPr lang="en-US" sz="1600" dirty="0">
                 <a:solidFill>
@@ -11002,10 +11493,46 @@
                 </a:solidFill>
                 <a:latin typeface="Calibri" panose="020F0502020204030204" pitchFamily="34" charset="0"/>
               </a:rPr>
-              <a:t>B) five physicochemical properties </a:t>
-            </a:r>
-          </a:p>
-          <a:p>
+              <a:t>Aromatic/Aliphatic</a:t>
+            </a:r>
+          </a:p>
+          <a:p>
+            <a:r>
+              <a:rPr lang="sr-Latn-BA" sz="1600" dirty="0" smtClean="0">
+                <a:solidFill>
+                  <a:srgbClr val="000000"/>
+                </a:solidFill>
+                <a:latin typeface="Calibri" panose="020F0502020204030204" pitchFamily="34" charset="0"/>
+              </a:rPr>
+              <a:t>     </a:t>
+            </a:r>
+            <a:r>
+              <a:rPr lang="en-US" sz="1600" dirty="0" smtClean="0">
+                <a:solidFill>
+                  <a:srgbClr val="000000"/>
+                </a:solidFill>
+                <a:latin typeface="Calibri" panose="020F0502020204030204" pitchFamily="34" charset="0"/>
+              </a:rPr>
+              <a:t>B</a:t>
+            </a:r>
+            <a:r>
+              <a:rPr lang="sr-Latn-BA" sz="1600" dirty="0" smtClean="0">
+                <a:solidFill>
+                  <a:srgbClr val="000000"/>
+                </a:solidFill>
+                <a:latin typeface="Calibri" panose="020F0502020204030204" pitchFamily="34" charset="0"/>
+              </a:rPr>
+              <a:t>B</a:t>
+            </a:r>
+            <a:r>
+              <a:rPr lang="en-US" sz="1600" dirty="0" smtClean="0">
+                <a:solidFill>
+                  <a:srgbClr val="000000"/>
+                </a:solidFill>
+                <a:latin typeface="Calibri" panose="020F0502020204030204" pitchFamily="34" charset="0"/>
+              </a:rPr>
+              <a:t>) </a:t>
+            </a:r>
             <a:r>
               <a:rPr lang="en-US" sz="1600" dirty="0">
                 <a:solidFill>
@@ -11013,10 +11540,46 @@
                 </a:solidFill>
                 <a:latin typeface="Calibri" panose="020F0502020204030204" pitchFamily="34" charset="0"/>
               </a:rPr>
-              <a:t>B1) Aromatic/Aliphatic</a:t>
-            </a:r>
-          </a:p>
-          <a:p>
+              <a:t>Polar/Non-Polar</a:t>
+            </a:r>
+          </a:p>
+          <a:p>
+            <a:r>
+              <a:rPr lang="sr-Latn-BA" sz="1600" dirty="0" smtClean="0">
+                <a:solidFill>
+                  <a:srgbClr val="000000"/>
+                </a:solidFill>
+                <a:latin typeface="Calibri" panose="020F0502020204030204" pitchFamily="34" charset="0"/>
+              </a:rPr>
+              <a:t>     </a:t>
+            </a:r>
+            <a:r>
+              <a:rPr lang="en-US" sz="1600" dirty="0" smtClean="0">
+                <a:solidFill>
+                  <a:srgbClr val="000000"/>
+                </a:solidFill>
+                <a:latin typeface="Calibri" panose="020F0502020204030204" pitchFamily="34" charset="0"/>
+              </a:rPr>
+              <a:t>B</a:t>
+            </a:r>
+            <a:r>
+              <a:rPr lang="sr-Latn-BA" sz="1600" dirty="0" smtClean="0">
+                <a:solidFill>
+                  <a:srgbClr val="000000"/>
+                </a:solidFill>
+                <a:latin typeface="Calibri" panose="020F0502020204030204" pitchFamily="34" charset="0"/>
+              </a:rPr>
+              <a:t>C</a:t>
+            </a:r>
+            <a:r>
+              <a:rPr lang="en-US" sz="1600" dirty="0" smtClean="0">
+                <a:solidFill>
+                  <a:srgbClr val="000000"/>
+                </a:solidFill>
+                <a:latin typeface="Calibri" panose="020F0502020204030204" pitchFamily="34" charset="0"/>
+              </a:rPr>
+              <a:t>) </a:t>
+            </a:r>
             <a:r>
               <a:rPr lang="en-US" sz="1600" dirty="0">
                 <a:solidFill>
@@ -11024,10 +11587,46 @@
                 </a:solidFill>
                 <a:latin typeface="Calibri" panose="020F0502020204030204" pitchFamily="34" charset="0"/>
               </a:rPr>
-              <a:t>B2) Polar/Non-Polar</a:t>
-            </a:r>
-          </a:p>
-          <a:p>
+              <a:t>Non-Zero/Zero</a:t>
+            </a:r>
+          </a:p>
+          <a:p>
+            <a:r>
+              <a:rPr lang="sr-Latn-BA" sz="1600" dirty="0" smtClean="0">
+                <a:solidFill>
+                  <a:srgbClr val="000000"/>
+                </a:solidFill>
+                <a:latin typeface="Calibri" panose="020F0502020204030204" pitchFamily="34" charset="0"/>
+              </a:rPr>
+              <a:t>     </a:t>
+            </a:r>
+            <a:r>
+              <a:rPr lang="en-US" sz="1600" dirty="0" smtClean="0">
+                <a:solidFill>
+                  <a:srgbClr val="000000"/>
+                </a:solidFill>
+                <a:latin typeface="Calibri" panose="020F0502020204030204" pitchFamily="34" charset="0"/>
+              </a:rPr>
+              <a:t>B</a:t>
+            </a:r>
+            <a:r>
+              <a:rPr lang="sr-Latn-BA" sz="1600" dirty="0" smtClean="0">
+                <a:solidFill>
+                  <a:srgbClr val="000000"/>
+                </a:solidFill>
+                <a:latin typeface="Calibri" panose="020F0502020204030204" pitchFamily="34" charset="0"/>
+              </a:rPr>
+              <a:t>D</a:t>
+            </a:r>
+            <a:r>
+              <a:rPr lang="en-US" sz="1600" dirty="0" smtClean="0">
+                <a:solidFill>
+                  <a:srgbClr val="000000"/>
+                </a:solidFill>
+                <a:latin typeface="Calibri" panose="020F0502020204030204" pitchFamily="34" charset="0"/>
+              </a:rPr>
+              <a:t>) </a:t>
+            </a:r>
             <a:r>
               <a:rPr lang="en-US" sz="1600" dirty="0">
                 <a:solidFill>
@@ -11035,10 +11634,46 @@
                 </a:solidFill>
                 <a:latin typeface="Calibri" panose="020F0502020204030204" pitchFamily="34" charset="0"/>
               </a:rPr>
-              <a:t>B3) Non-Zero/Zero</a:t>
-            </a:r>
-          </a:p>
-          <a:p>
+              <a:t>Hydrophobic/Hydrophilic</a:t>
+            </a:r>
+          </a:p>
+          <a:p>
+            <a:r>
+              <a:rPr lang="sr-Latn-BA" sz="1600" dirty="0" smtClean="0">
+                <a:solidFill>
+                  <a:srgbClr val="000000"/>
+                </a:solidFill>
+                <a:latin typeface="Calibri" panose="020F0502020204030204" pitchFamily="34" charset="0"/>
+              </a:rPr>
+              <a:t>     </a:t>
+            </a:r>
+            <a:r>
+              <a:rPr lang="en-US" sz="1600" dirty="0" smtClean="0">
+                <a:solidFill>
+                  <a:srgbClr val="000000"/>
+                </a:solidFill>
+                <a:latin typeface="Calibri" panose="020F0502020204030204" pitchFamily="34" charset="0"/>
+              </a:rPr>
+              <a:t>B</a:t>
+            </a:r>
+            <a:r>
+              <a:rPr lang="sr-Latn-BA" sz="1600" dirty="0" smtClean="0">
+                <a:solidFill>
+                  <a:srgbClr val="000000"/>
+                </a:solidFill>
+                <a:latin typeface="Calibri" panose="020F0502020204030204" pitchFamily="34" charset="0"/>
+              </a:rPr>
+              <a:t>E</a:t>
+            </a:r>
+            <a:r>
+              <a:rPr lang="en-US" sz="1600" dirty="0" smtClean="0">
+                <a:solidFill>
+                  <a:srgbClr val="000000"/>
+                </a:solidFill>
+                <a:latin typeface="Calibri" panose="020F0502020204030204" pitchFamily="34" charset="0"/>
+              </a:rPr>
+              <a:t>) </a:t>
+            </a:r>
             <a:r>
               <a:rPr lang="en-US" sz="1600" dirty="0">
                 <a:solidFill>
@@ -11046,92 +11681,8 @@
                 </a:solidFill>
                 <a:latin typeface="Calibri" panose="020F0502020204030204" pitchFamily="34" charset="0"/>
               </a:rPr>
-              <a:t>B4) Hydrophobic/Hydrophilic</a:t>
-            </a:r>
-          </a:p>
-          <a:p>
-            <a:r>
-              <a:rPr lang="en-US" sz="1600" dirty="0">
-                <a:solidFill>
-                  <a:srgbClr val="000000"/>
-                </a:solidFill>
-                <a:latin typeface="Calibri" panose="020F0502020204030204" pitchFamily="34" charset="0"/>
-              </a:rPr>
-              <a:t>B5) Positive/Negative</a:t>
-            </a:r>
-          </a:p>
-        </p:txBody>
-      </p:sp>
-      <p:sp>
-        <p:nvSpPr>
-          <p:cNvPr id="51" name="Rounded Rectangle 3">
-            <a:extLst>
-              <a:ext uri="{FF2B5EF4-FFF2-40B4-BE49-F238E27FC236}">
-                <a16:creationId xmlns:a16="http://schemas.microsoft.com/office/drawing/2014/main" id="{1F05DAC1-C2A7-462C-8ECC-26188138A287}"/>
-              </a:ext>
-            </a:extLst>
-          </p:cNvPr>
-          <p:cNvSpPr/>
-          <p:nvPr/>
-        </p:nvSpPr>
-        <p:spPr>
-          <a:xfrm>
-            <a:off x="9303033" y="16494997"/>
-            <a:ext cx="6141308" cy="3163912"/>
-          </a:xfrm>
-          <a:prstGeom prst="roundRect">
-            <a:avLst/>
-          </a:prstGeom>
-          <a:ln>
-            <a:solidFill>
-              <a:srgbClr val="FF0000"/>
-            </a:solidFill>
-          </a:ln>
-        </p:spPr>
-        <p:style>
-          <a:lnRef idx="2">
-            <a:schemeClr val="accent4"/>
-          </a:lnRef>
-          <a:fillRef idx="1">
-            <a:schemeClr val="lt1"/>
-          </a:fillRef>
-          <a:effectRef idx="0">
-            <a:schemeClr val="accent4"/>
-          </a:effectRef>
-          <a:fontRef idx="minor">
-            <a:schemeClr val="dk1"/>
-          </a:fontRef>
-        </p:style>
-        <p:txBody>
-          <a:bodyPr rtlCol="0" anchor="ctr"/>
-          <a:lstStyle/>
-          <a:p>
-            <a:pPr algn="just"/>
-            <a:endParaRPr lang="sr-Latn-BA" sz="3600"/>
-          </a:p>
-          <a:p>
-            <a:pPr algn="just"/>
-            <a:endParaRPr lang="en-US" sz="3200"/>
-          </a:p>
-          <a:p>
-            <a:pPr algn="just"/>
-            <a:endParaRPr lang="en-US" sz="3200"/>
-          </a:p>
-          <a:p>
-            <a:pPr algn="just"/>
-            <a:endParaRPr lang="en-US" sz="3200"/>
-          </a:p>
-          <a:p>
-            <a:pPr algn="just"/>
-            <a:endParaRPr lang="en-US" sz="3200"/>
-          </a:p>
-          <a:p>
-            <a:pPr algn="just"/>
-            <a:endParaRPr lang="en-US" sz="3200"/>
-          </a:p>
-          <a:p>
-            <a:pPr algn="just"/>
-            <a:endParaRPr lang="en-US" sz="3600" dirty="0"/>
+              <a:t>Positive/Negative</a:t>
+            </a:r>
           </a:p>
         </p:txBody>
       </p:sp>
@@ -11140,7 +11691,7 @@
           <p:cNvPr id="50" name="Rectangle 49">
             <a:extLst>
               <a:ext uri="{FF2B5EF4-FFF2-40B4-BE49-F238E27FC236}">
-                <a16:creationId xmlns:a16="http://schemas.microsoft.com/office/drawing/2014/main" id="{8E1A2B0C-839C-4318-ACA5-56B88B30D089}"/>
+                <a16:creationId xmlns:a16="http://schemas.microsoft.com/office/drawing/2014/main" xmlns="" id="{8E1A2B0C-839C-4318-ACA5-56B88B30D089}"/>
               </a:ext>
             </a:extLst>
           </p:cNvPr>
@@ -11179,13 +11730,85 @@
           <a:p>
             <a:r>
               <a:rPr lang="en-US" sz="1600" dirty="0"/>
-              <a:t>&lt;YDR143C, a1,1,a1,2,…,a1,128&gt;</a:t>
-            </a:r>
-          </a:p>
-          <a:p>
+              <a:t>&lt;YDR143C, </a:t>
+            </a:r>
+            <a:r>
+              <a:rPr lang="sr-Latn-BA" sz="1600" dirty="0" smtClean="0"/>
+              <a:t>v</a:t>
+            </a:r>
+            <a:r>
+              <a:rPr lang="en-US" sz="1600" baseline="-25000" dirty="0" smtClean="0"/>
+              <a:t>1,1</a:t>
+            </a:r>
+            <a:r>
+              <a:rPr lang="en-US" sz="1600" dirty="0" smtClean="0"/>
+              <a:t>,</a:t>
+            </a:r>
+            <a:r>
+              <a:rPr lang="sr-Latn-BA" sz="1600" dirty="0" smtClean="0"/>
+              <a:t>v</a:t>
+            </a:r>
+            <a:r>
+              <a:rPr lang="en-US" sz="1600" baseline="-25000" dirty="0" smtClean="0"/>
+              <a:t>1,2</a:t>
+            </a:r>
+            <a:r>
+              <a:rPr lang="en-US" sz="1600" dirty="0" smtClean="0"/>
+              <a:t>,…,</a:t>
+            </a:r>
+            <a:r>
+              <a:rPr lang="sr-Latn-BA" sz="1600" dirty="0" smtClean="0"/>
+              <a:t>v</a:t>
+            </a:r>
+            <a:r>
+              <a:rPr lang="en-US" sz="1600" baseline="-25000" dirty="0" smtClean="0"/>
+              <a:t>1,128</a:t>
+            </a:r>
             <a:r>
               <a:rPr lang="en-US" sz="1600" dirty="0"/>
-              <a:t>&lt;YER068W, a2,1,a2,2,…,a2,128&gt;</a:t>
+              <a:t>&gt;</a:t>
+            </a:r>
+          </a:p>
+          <a:p>
+            <a:r>
+              <a:rPr lang="en-US" sz="1600" dirty="0"/>
+              <a:t>&lt;YER068W, </a:t>
+            </a:r>
+            <a:r>
+              <a:rPr lang="sr-Latn-BA" sz="1600" dirty="0" smtClean="0"/>
+              <a:t>v</a:t>
+            </a:r>
+            <a:r>
+              <a:rPr lang="en-US" sz="1600" baseline="-25000" dirty="0" smtClean="0"/>
+              <a:t>2,1</a:t>
+            </a:r>
+            <a:r>
+              <a:rPr lang="en-US" sz="1600" dirty="0" smtClean="0"/>
+              <a:t>,</a:t>
+            </a:r>
+            <a:r>
+              <a:rPr lang="sr-Latn-BA" sz="1600" dirty="0" smtClean="0"/>
+              <a:t>v</a:t>
+            </a:r>
+            <a:r>
+              <a:rPr lang="en-US" sz="1600" baseline="-25000" dirty="0" smtClean="0"/>
+              <a:t>2,2</a:t>
+            </a:r>
+            <a:r>
+              <a:rPr lang="en-US" sz="1600" dirty="0" smtClean="0"/>
+              <a:t>,…,</a:t>
+            </a:r>
+            <a:r>
+              <a:rPr lang="sr-Latn-BA" sz="1600" dirty="0" smtClean="0"/>
+              <a:t>v</a:t>
+            </a:r>
+            <a:r>
+              <a:rPr lang="en-US" sz="1600" baseline="-25000" dirty="0" smtClean="0"/>
+              <a:t>2,128</a:t>
+            </a:r>
+            <a:r>
+              <a:rPr lang="en-US" sz="1600" dirty="0"/>
+              <a:t>&gt;</a:t>
             </a:r>
           </a:p>
           <a:p>
@@ -11197,7 +11820,43 @@
           <a:p>
             <a:r>
               <a:rPr lang="en-US" sz="1600" dirty="0"/>
-              <a:t>&lt;YMR207C, an,1,an,2,…,an,128&gt;</a:t>
+              <a:t>&lt;YMR207C, </a:t>
+            </a:r>
+            <a:r>
+              <a:rPr lang="sr-Latn-BA" sz="1600" dirty="0" smtClean="0"/>
+              <a:t>v</a:t>
+            </a:r>
+            <a:r>
+              <a:rPr lang="en-US" sz="1600" baseline="-25000" dirty="0" smtClean="0"/>
+              <a:t>n,1</a:t>
+            </a:r>
+            <a:r>
+              <a:rPr lang="en-US" sz="1600" dirty="0" smtClean="0"/>
+              <a:t>,</a:t>
+            </a:r>
+            <a:r>
+              <a:rPr lang="sr-Latn-BA" sz="1600" dirty="0" smtClean="0"/>
+              <a:t>v</a:t>
+            </a:r>
+            <a:r>
+              <a:rPr lang="en-US" sz="1600" baseline="-25000" dirty="0" smtClean="0"/>
+              <a:t>n,2</a:t>
+            </a:r>
+            <a:r>
+              <a:rPr lang="en-US" sz="1600" dirty="0" smtClean="0"/>
+              <a:t>,…,</a:t>
+            </a:r>
+            <a:r>
+              <a:rPr lang="sr-Latn-BA" sz="1600" dirty="0" smtClean="0"/>
+              <a:t>v</a:t>
+            </a:r>
+            <a:r>
+              <a:rPr lang="en-US" sz="1600" baseline="-25000" dirty="0" smtClean="0"/>
+              <a:t>n,128</a:t>
+            </a:r>
+            <a:r>
+              <a:rPr lang="en-US" sz="1600" dirty="0"/>
+              <a:t>&gt;</a:t>
             </a:r>
           </a:p>
         </p:txBody>
@@ -11207,7 +11866,7 @@
           <p:cNvPr id="52" name="Rounded Rectangle 47">
             <a:extLst>
               <a:ext uri="{FF2B5EF4-FFF2-40B4-BE49-F238E27FC236}">
-                <a16:creationId xmlns:a16="http://schemas.microsoft.com/office/drawing/2014/main" id="{82BE85DE-FD18-4E3E-BE20-52E122985005}"/>
+                <a16:creationId xmlns:a16="http://schemas.microsoft.com/office/drawing/2014/main" xmlns="" id="{82BE85DE-FD18-4E3E-BE20-52E122985005}"/>
               </a:ext>
             </a:extLst>
           </p:cNvPr>
@@ -11227,7 +11886,7 @@
           </a:solidFill>
           <a:ln>
             <a:solidFill>
-              <a:srgbClr val="FF0000"/>
+              <a:schemeClr val="accent1"/>
             </a:solidFill>
           </a:ln>
         </p:spPr>
@@ -11264,7 +11923,7 @@
           <p:cNvPr id="20" name="Arrow: Right 19">
             <a:extLst>
               <a:ext uri="{FF2B5EF4-FFF2-40B4-BE49-F238E27FC236}">
-                <a16:creationId xmlns:a16="http://schemas.microsoft.com/office/drawing/2014/main" id="{F75BF84B-2C0D-4C09-BA31-AFAAC77EAF11}"/>
+                <a16:creationId xmlns:a16="http://schemas.microsoft.com/office/drawing/2014/main" xmlns="" id="{F75BF84B-2C0D-4C09-BA31-AFAAC77EAF11}"/>
               </a:ext>
             </a:extLst>
           </p:cNvPr>
@@ -11310,7 +11969,7 @@
           <p:cNvPr id="55" name="Arrow: Right 54">
             <a:extLst>
               <a:ext uri="{FF2B5EF4-FFF2-40B4-BE49-F238E27FC236}">
-                <a16:creationId xmlns:a16="http://schemas.microsoft.com/office/drawing/2014/main" id="{9FFA1951-3CD1-43F1-812E-2361512B994A}"/>
+                <a16:creationId xmlns:a16="http://schemas.microsoft.com/office/drawing/2014/main" xmlns="" id="{9FFA1951-3CD1-43F1-812E-2361512B994A}"/>
               </a:ext>
             </a:extLst>
           </p:cNvPr>
@@ -11356,7 +12015,7 @@
           <p:cNvPr id="56" name="Rectangle 55">
             <a:extLst>
               <a:ext uri="{FF2B5EF4-FFF2-40B4-BE49-F238E27FC236}">
-                <a16:creationId xmlns:a16="http://schemas.microsoft.com/office/drawing/2014/main" id="{54B82BF6-7CC1-4CC0-A076-02DDFFB69BDA}"/>
+                <a16:creationId xmlns:a16="http://schemas.microsoft.com/office/drawing/2014/main" xmlns="" id="{54B82BF6-7CC1-4CC0-A076-02DDFFB69BDA}"/>
               </a:ext>
             </a:extLst>
           </p:cNvPr>
@@ -11395,14 +12054,211 @@
           <a:p>
             <a:r>
               <a:rPr lang="en-US" sz="1600" dirty="0"/>
-              <a:t>&lt;YDR143C, A1,…A10, B11, B1,10,…,B5,1,…,B5,10&gt;</a:t>
-            </a:r>
-          </a:p>
-          <a:p>
+              <a:t>&lt;YDR143C, </a:t>
+            </a:r>
+            <a:r>
+              <a:rPr lang="sr-Latn-BA" sz="1600" dirty="0" smtClean="0"/>
+              <a:t>a</a:t>
+            </a:r>
+            <a:r>
+              <a:rPr lang="en-US" sz="1600" baseline="-25000" dirty="0" smtClean="0"/>
+              <a:t>1</a:t>
+            </a:r>
+            <a:r>
+              <a:rPr lang="sr-Latn-BA" sz="1600" baseline="-25000" dirty="0" smtClean="0"/>
+              <a:t>,1</a:t>
+            </a:r>
+            <a:r>
+              <a:rPr lang="en-US" sz="1600" dirty="0" smtClean="0"/>
+              <a:t>,…</a:t>
+            </a:r>
+            <a:r>
+              <a:rPr lang="sr-Latn-BA" sz="1600" dirty="0" smtClean="0"/>
+              <a:t>a</a:t>
+            </a:r>
+            <a:r>
+              <a:rPr lang="sr-Latn-BA" sz="1600" baseline="-25000" dirty="0" smtClean="0"/>
+              <a:t>1,</a:t>
+            </a:r>
+            <a:r>
+              <a:rPr lang="en-US" sz="1600" baseline="-25000" dirty="0" smtClean="0"/>
+              <a:t>10</a:t>
+            </a:r>
             <a:r>
               <a:rPr lang="en-US" sz="1600" dirty="0"/>
-              <a:t>&lt;YER068W, A1,…A10, B11, B1,10,…,B5,1,…,B5,10&gt;</a:t>
-            </a:r>
+              <a:t>, </a:t>
+            </a:r>
+            <a:r>
+              <a:rPr lang="sr-Latn-BA" sz="1600" dirty="0" smtClean="0"/>
+              <a:t>ba</a:t>
+            </a:r>
+            <a:r>
+              <a:rPr lang="sr-Latn-BA" sz="1600" baseline="-25000" dirty="0" smtClean="0"/>
+              <a:t>1,</a:t>
+            </a:r>
+            <a:r>
+              <a:rPr lang="en-US" sz="1600" baseline="-25000" dirty="0" smtClean="0"/>
+              <a:t>1</a:t>
+            </a:r>
+            <a:r>
+              <a:rPr lang="en-US" sz="1600" dirty="0" smtClean="0"/>
+              <a:t>,</a:t>
+            </a:r>
+            <a:r>
+              <a:rPr lang="sr-Latn-BA" sz="1600" dirty="0" smtClean="0"/>
+              <a:t>...,</a:t>
+            </a:r>
+            <a:r>
+              <a:rPr lang="en-US" sz="1600" dirty="0" smtClean="0"/>
+              <a:t> </a:t>
+            </a:r>
+            <a:r>
+              <a:rPr lang="sr-Latn-BA" sz="1600" dirty="0" smtClean="0"/>
+              <a:t>ba</a:t>
+            </a:r>
+            <a:r>
+              <a:rPr lang="en-US" sz="1600" baseline="-25000" dirty="0" smtClean="0"/>
+              <a:t>1,10</a:t>
+            </a:r>
+            <a:r>
+              <a:rPr lang="en-US" sz="1600" dirty="0" smtClean="0"/>
+              <a:t>,…,</a:t>
+            </a:r>
+            <a:r>
+              <a:rPr lang="sr-Latn-BA" sz="1600" dirty="0" smtClean="0"/>
+              <a:t>be</a:t>
+            </a:r>
+            <a:r>
+              <a:rPr lang="en-US" sz="1600" baseline="-25000" dirty="0" smtClean="0"/>
+              <a:t>1</a:t>
+            </a:r>
+            <a:r>
+              <a:rPr lang="sr-Latn-BA" sz="1600" baseline="-25000" dirty="0" smtClean="0"/>
+              <a:t>,1</a:t>
+            </a:r>
+            <a:r>
+              <a:rPr lang="en-US" sz="1600" dirty="0" smtClean="0"/>
+              <a:t>,…,</a:t>
+            </a:r>
+            <a:r>
+              <a:rPr lang="sr-Latn-BA" sz="1600" dirty="0" smtClean="0"/>
+              <a:t>be</a:t>
+            </a:r>
+            <a:r>
+              <a:rPr lang="sr-Latn-BA" sz="1600" baseline="-25000" dirty="0" smtClean="0"/>
+              <a:t>1</a:t>
+            </a:r>
+            <a:r>
+              <a:rPr lang="en-US" sz="1600" baseline="-25000" dirty="0" smtClean="0"/>
+              <a:t>,10</a:t>
+            </a:r>
+            <a:r>
+              <a:rPr lang="en-US" sz="1600" dirty="0"/>
+              <a:t>&gt;</a:t>
+            </a:r>
+          </a:p>
+          <a:p>
+            <a:r>
+              <a:rPr lang="en-US" sz="1600" dirty="0"/>
+              <a:t>&lt;YER068W, </a:t>
+            </a:r>
+            <a:r>
+              <a:rPr lang="sr-Latn-BA" sz="1600" dirty="0" smtClean="0"/>
+              <a:t>a</a:t>
+            </a:r>
+            <a:r>
+              <a:rPr lang="sr-Latn-BA" sz="1600" baseline="-25000" dirty="0" smtClean="0"/>
+              <a:t>2,1</a:t>
+            </a:r>
+            <a:r>
+              <a:rPr lang="en-US" sz="1600" dirty="0"/>
+              <a:t>,…</a:t>
+            </a:r>
+            <a:r>
+              <a:rPr lang="sr-Latn-BA" sz="1600" dirty="0" smtClean="0"/>
+              <a:t>a</a:t>
+            </a:r>
+            <a:r>
+              <a:rPr lang="sr-Latn-BA" sz="1600" baseline="-25000" dirty="0" smtClean="0"/>
+              <a:t>2,</a:t>
+            </a:r>
+            <a:r>
+              <a:rPr lang="en-US" sz="1600" baseline="-25000" dirty="0"/>
+              <a:t>10</a:t>
+            </a:r>
+            <a:r>
+              <a:rPr lang="en-US" sz="1600" dirty="0"/>
+              <a:t>, </a:t>
+            </a:r>
+            <a:r>
+              <a:rPr lang="sr-Latn-BA" sz="1600" dirty="0" smtClean="0"/>
+              <a:t>ba</a:t>
+            </a:r>
+            <a:r>
+              <a:rPr lang="sr-Latn-BA" sz="1600" baseline="-25000" dirty="0" smtClean="0"/>
+              <a:t>2,</a:t>
+            </a:r>
+            <a:r>
+              <a:rPr lang="en-US" sz="1600" baseline="-25000" dirty="0"/>
+              <a:t>1</a:t>
+            </a:r>
+            <a:r>
+              <a:rPr lang="en-US" sz="1600" dirty="0"/>
+              <a:t>,</a:t>
+            </a:r>
+            <a:r>
+              <a:rPr lang="sr-Latn-BA" sz="1600" dirty="0"/>
+              <a:t>...,</a:t>
+            </a:r>
+            <a:r>
+              <a:rPr lang="en-US" sz="1600" dirty="0"/>
+              <a:t> </a:t>
+            </a:r>
+            <a:r>
+              <a:rPr lang="sr-Latn-BA" sz="1600" dirty="0" smtClean="0"/>
+              <a:t>ba</a:t>
+            </a:r>
+            <a:r>
+              <a:rPr lang="sr-Latn-BA" sz="1600" baseline="-25000" dirty="0" smtClean="0"/>
+              <a:t>2</a:t>
+            </a:r>
+            <a:r>
+              <a:rPr lang="en-US" sz="1600" baseline="-25000" dirty="0" smtClean="0"/>
+              <a:t>,10</a:t>
+            </a:r>
+            <a:r>
+              <a:rPr lang="en-US" sz="1600" dirty="0"/>
+              <a:t>,…,</a:t>
+            </a:r>
+            <a:r>
+              <a:rPr lang="sr-Latn-BA" sz="1600" dirty="0" smtClean="0"/>
+              <a:t>be</a:t>
+            </a:r>
+            <a:r>
+              <a:rPr lang="sr-Latn-BA" sz="1600" baseline="-25000" dirty="0" smtClean="0"/>
+              <a:t>2,1</a:t>
+            </a:r>
+            <a:r>
+              <a:rPr lang="en-US" sz="1600" dirty="0"/>
+              <a:t>,…,</a:t>
+            </a:r>
+            <a:r>
+              <a:rPr lang="sr-Latn-BA" sz="1600" dirty="0" smtClean="0"/>
+              <a:t>be</a:t>
+            </a:r>
+            <a:r>
+              <a:rPr lang="sr-Latn-BA" sz="1600" baseline="-25000" dirty="0" smtClean="0"/>
+              <a:t>2</a:t>
+            </a:r>
+            <a:r>
+              <a:rPr lang="en-US" sz="1600" baseline="-25000" dirty="0" smtClean="0"/>
+              <a:t>,10 </a:t>
+            </a:r>
+            <a:r>
+              <a:rPr lang="en-US" sz="1600" dirty="0" smtClean="0"/>
+              <a:t>&gt;</a:t>
+            </a:r>
+            <a:endParaRPr lang="en-US" sz="1600" dirty="0"/>
           </a:p>
           <a:p>
             <a:r>
@@ -11413,8 +12269,105 @@
           <a:p>
             <a:r>
               <a:rPr lang="en-US" sz="1600" dirty="0"/>
-              <a:t>&lt;YMR207C, A1,…A10, B11, B1,10,…,B5,1,…,B5,10&gt;</a:t>
-            </a:r>
+              <a:t>&lt;YMR207C, </a:t>
+            </a:r>
+            <a:r>
+              <a:rPr lang="sr-Latn-BA" sz="1600" dirty="0" smtClean="0"/>
+              <a:t>a</a:t>
+            </a:r>
+            <a:r>
+              <a:rPr lang="sr-Latn-BA" sz="1600" baseline="-25000" dirty="0" smtClean="0"/>
+              <a:t>n,1</a:t>
+            </a:r>
+            <a:r>
+              <a:rPr lang="en-US" sz="1600" dirty="0"/>
+              <a:t>,…</a:t>
+            </a:r>
+            <a:r>
+              <a:rPr lang="sr-Latn-BA" sz="1600" dirty="0" smtClean="0"/>
+              <a:t>a</a:t>
+            </a:r>
+            <a:r>
+              <a:rPr lang="sr-Latn-BA" sz="1600" baseline="-25000" dirty="0" smtClean="0"/>
+              <a:t>n,</a:t>
+            </a:r>
+            <a:r>
+              <a:rPr lang="en-US" sz="1600" baseline="-25000" dirty="0"/>
+              <a:t>10</a:t>
+            </a:r>
+            <a:r>
+              <a:rPr lang="en-US" sz="1600" dirty="0"/>
+              <a:t>, </a:t>
+            </a:r>
+            <a:r>
+              <a:rPr lang="sr-Latn-BA" sz="1600" dirty="0" smtClean="0"/>
+              <a:t>ba</a:t>
+            </a:r>
+            <a:r>
+              <a:rPr lang="sr-Latn-BA" sz="1600" baseline="-25000" dirty="0" smtClean="0"/>
+              <a:t>n,</a:t>
+            </a:r>
+            <a:r>
+              <a:rPr lang="en-US" sz="1600" baseline="-25000" dirty="0"/>
+              <a:t>1</a:t>
+            </a:r>
+            <a:r>
+              <a:rPr lang="en-US" sz="1600" dirty="0"/>
+              <a:t>,</a:t>
+            </a:r>
+            <a:r>
+              <a:rPr lang="sr-Latn-BA" sz="1600" dirty="0"/>
+              <a:t>...,</a:t>
+            </a:r>
+            <a:r>
+              <a:rPr lang="en-US" sz="1600" dirty="0"/>
+              <a:t> </a:t>
+            </a:r>
+            <a:r>
+              <a:rPr lang="sr-Latn-BA" sz="1600" dirty="0" smtClean="0"/>
+              <a:t>ba</a:t>
+            </a:r>
+            <a:r>
+              <a:rPr lang="sr-Latn-BA" sz="1600" baseline="-25000" dirty="0" smtClean="0"/>
+              <a:t>n</a:t>
+            </a:r>
+            <a:r>
+              <a:rPr lang="en-US" sz="1600" baseline="-25000" dirty="0" smtClean="0"/>
+              <a:t>,10</a:t>
+            </a:r>
+            <a:r>
+              <a:rPr lang="en-US" sz="1600" dirty="0"/>
+              <a:t>,…,</a:t>
+            </a:r>
+            <a:r>
+              <a:rPr lang="sr-Latn-BA" sz="1600" dirty="0" smtClean="0"/>
+              <a:t>be</a:t>
+            </a:r>
+            <a:r>
+              <a:rPr lang="sr-Latn-BA" sz="1600" baseline="-25000" dirty="0" smtClean="0"/>
+              <a:t>n,1</a:t>
+            </a:r>
+            <a:r>
+              <a:rPr lang="en-US" sz="1600" dirty="0"/>
+              <a:t>,…,</a:t>
+            </a:r>
+            <a:r>
+              <a:rPr lang="sr-Latn-BA" sz="1600" dirty="0" smtClean="0"/>
+              <a:t>be</a:t>
+            </a:r>
+            <a:r>
+              <a:rPr lang="sr-Latn-BA" sz="1600" baseline="-25000" dirty="0" smtClean="0"/>
+              <a:t>n</a:t>
+            </a:r>
+            <a:r>
+              <a:rPr lang="en-US" sz="1600" baseline="-25000" dirty="0" smtClean="0"/>
+              <a:t>,10 </a:t>
+            </a:r>
+            <a:r>
+              <a:rPr lang="en-US" sz="1600" dirty="0" smtClean="0"/>
+              <a:t>&gt;</a:t>
+            </a:r>
+            <a:endParaRPr lang="en-US" sz="1600" dirty="0"/>
           </a:p>
         </p:txBody>
       </p:sp>
@@ -11423,7 +12376,7 @@
           <p:cNvPr id="57" name="Rounded Rectangle 47">
             <a:extLst>
               <a:ext uri="{FF2B5EF4-FFF2-40B4-BE49-F238E27FC236}">
-                <a16:creationId xmlns:a16="http://schemas.microsoft.com/office/drawing/2014/main" id="{094D318D-7740-40B1-8FDC-752A452D00FC}"/>
+                <a16:creationId xmlns:a16="http://schemas.microsoft.com/office/drawing/2014/main" xmlns="" id="{094D318D-7740-40B1-8FDC-752A452D00FC}"/>
               </a:ext>
             </a:extLst>
           </p:cNvPr>
@@ -11443,7 +12396,7 @@
           </a:solidFill>
           <a:ln>
             <a:solidFill>
-              <a:srgbClr val="FF0000"/>
+              <a:schemeClr val="accent1"/>
             </a:solidFill>
           </a:ln>
         </p:spPr>
@@ -11480,7 +12433,7 @@
           <p:cNvPr id="58" name="Rectangle 57">
             <a:extLst>
               <a:ext uri="{FF2B5EF4-FFF2-40B4-BE49-F238E27FC236}">
-                <a16:creationId xmlns:a16="http://schemas.microsoft.com/office/drawing/2014/main" id="{E5A2346C-B437-4A8F-8C2E-BBED9297E0C1}"/>
+                <a16:creationId xmlns:a16="http://schemas.microsoft.com/office/drawing/2014/main" xmlns="" id="{E5A2346C-B437-4A8F-8C2E-BBED9297E0C1}"/>
               </a:ext>
             </a:extLst>
           </p:cNvPr>
@@ -11489,7 +12442,7 @@
         </p:nvSpPr>
         <p:spPr>
           <a:xfrm>
-            <a:off x="7050790" y="19738633"/>
+            <a:off x="6947397" y="19763953"/>
             <a:ext cx="8393551" cy="3539430"/>
           </a:xfrm>
           <a:prstGeom prst="rect">
@@ -11542,10 +12495,53 @@
                 </a:solidFill>
                 <a:latin typeface="Calibri" panose="020F0502020204030204" pitchFamily="34" charset="0"/>
               </a:rPr>
-              <a:t> in {A, B1-B5}</a:t>
-            </a:r>
-          </a:p>
-          <a:p>
+              <a:t> in {A, </a:t>
+            </a:r>
+            <a:r>
+              <a:rPr lang="en-US" sz="1600" dirty="0" smtClean="0">
+                <a:solidFill>
+                  <a:srgbClr val="000000"/>
+                </a:solidFill>
+                <a:latin typeface="Calibri" panose="020F0502020204030204" pitchFamily="34" charset="0"/>
+              </a:rPr>
+              <a:t>B</a:t>
+            </a:r>
+            <a:r>
+              <a:rPr lang="sr-Latn-BA" sz="1600" dirty="0" smtClean="0">
+                <a:solidFill>
+                  <a:srgbClr val="000000"/>
+                </a:solidFill>
+                <a:latin typeface="Calibri" panose="020F0502020204030204" pitchFamily="34" charset="0"/>
+              </a:rPr>
+              <a:t>A</a:t>
+            </a:r>
+            <a:r>
+              <a:rPr lang="en-US" sz="1600" dirty="0" smtClean="0">
+                <a:solidFill>
+                  <a:srgbClr val="000000"/>
+                </a:solidFill>
+                <a:latin typeface="Calibri" panose="020F0502020204030204" pitchFamily="34" charset="0"/>
+              </a:rPr>
+              <a:t>-B</a:t>
+            </a:r>
+            <a:r>
+              <a:rPr lang="sr-Latn-BA" sz="1600" dirty="0" smtClean="0">
+                <a:solidFill>
+                  <a:srgbClr val="000000"/>
+                </a:solidFill>
+                <a:latin typeface="Calibri" panose="020F0502020204030204" pitchFamily="34" charset="0"/>
+              </a:rPr>
+              <a:t>E</a:t>
+            </a:r>
+            <a:r>
+              <a:rPr lang="en-US" sz="1600" dirty="0" smtClean="0">
+                <a:solidFill>
+                  <a:srgbClr val="000000"/>
+                </a:solidFill>
+                <a:latin typeface="Calibri" panose="020F0502020204030204" pitchFamily="34" charset="0"/>
+              </a:rPr>
+              <a:t>}</a:t>
+            </a:r>
             <a:r>
               <a:rPr lang="en-US" sz="1600" dirty="0">
                 <a:solidFill>
@@ -11553,16 +12549,42 @@
                 </a:solidFill>
                 <a:latin typeface="Calibri" panose="020F0502020204030204" pitchFamily="34" charset="0"/>
               </a:rPr>
-              <a:t>For a protein sequence, S = {a1, a2, a3, a4,…,</a:t>
-            </a:r>
-            <a:r>
-              <a:rPr lang="en-US" sz="1600" dirty="0" err="1">
+              <a:t>:</a:t>
+            </a:r>
+            <a:endParaRPr lang="en-US" sz="1600" dirty="0">
+              <a:solidFill>
+                <a:srgbClr val="000000"/>
+              </a:solidFill>
+              <a:latin typeface="Calibri" panose="020F0502020204030204" pitchFamily="34" charset="0"/>
+            </a:endParaRPr>
+          </a:p>
+          <a:p>
+            <a:r>
+              <a:rPr lang="en-US" sz="1600" dirty="0">
                 <a:solidFill>
                   <a:srgbClr val="000000"/>
                 </a:solidFill>
                 <a:latin typeface="Calibri" panose="020F0502020204030204" pitchFamily="34" charset="0"/>
               </a:rPr>
-              <a:t>aN</a:t>
+              <a:t> </a:t>
+            </a:r>
+            <a:r>
+              <a:rPr lang="en-US" sz="1600" dirty="0" smtClean="0">
+                <a:solidFill>
+                  <a:srgbClr val="000000"/>
+                </a:solidFill>
+                <a:latin typeface="Calibri" panose="020F0502020204030204" pitchFamily="34" charset="0"/>
+              </a:rPr>
+              <a:t>F</a:t>
+            </a:r>
+            <a:r>
+              <a:rPr lang="en-US" sz="1600" dirty="0" smtClean="0">
+                <a:solidFill>
+                  <a:srgbClr val="000000"/>
+                </a:solidFill>
+                <a:latin typeface="Calibri" panose="020F0502020204030204" pitchFamily="34" charset="0"/>
+              </a:rPr>
+              <a:t>or </a:t>
             </a:r>
             <a:r>
               <a:rPr lang="en-US" sz="1600" dirty="0">
@@ -11571,10 +12593,134 @@
                 </a:solidFill>
                 <a:latin typeface="Calibri" panose="020F0502020204030204" pitchFamily="34" charset="0"/>
               </a:rPr>
-              <a:t>), where a1, a2, … are the successive residues, calculate the binary sequence, f(S) through an indicator function, f, as, F(s)={f(a1),f(a2),…,}</a:t>
-            </a:r>
-          </a:p>
-          <a:p>
+              <a:t>a protein sequence, </a:t>
+            </a:r>
+            <a:r>
+              <a:rPr lang="en-US" sz="1600" i="1" dirty="0">
+                <a:solidFill>
+                  <a:srgbClr val="000000"/>
+                </a:solidFill>
+                <a:latin typeface="Calibri" panose="020F0502020204030204" pitchFamily="34" charset="0"/>
+              </a:rPr>
+              <a:t>S = </a:t>
+            </a:r>
+            <a:r>
+              <a:rPr lang="en-US" sz="1600" i="1" dirty="0" smtClean="0">
+                <a:solidFill>
+                  <a:srgbClr val="000000"/>
+                </a:solidFill>
+                <a:latin typeface="Calibri" panose="020F0502020204030204" pitchFamily="34" charset="0"/>
+              </a:rPr>
+              <a:t>{</a:t>
+            </a:r>
+            <a:r>
+              <a:rPr lang="sr-Latn-BA" sz="1600" i="1" dirty="0">
+                <a:solidFill>
+                  <a:srgbClr val="000000"/>
+                </a:solidFill>
+                <a:latin typeface="Calibri" panose="020F0502020204030204" pitchFamily="34" charset="0"/>
+              </a:rPr>
+              <a:t>p</a:t>
+            </a:r>
+            <a:r>
+              <a:rPr lang="en-US" sz="1600" i="1" baseline="-25000" dirty="0" smtClean="0">
+                <a:solidFill>
+                  <a:srgbClr val="000000"/>
+                </a:solidFill>
+                <a:latin typeface="Calibri" panose="020F0502020204030204" pitchFamily="34" charset="0"/>
+              </a:rPr>
+              <a:t>1</a:t>
+            </a:r>
+            <a:r>
+              <a:rPr lang="en-US" sz="1600" i="1" dirty="0">
+                <a:solidFill>
+                  <a:srgbClr val="000000"/>
+                </a:solidFill>
+                <a:latin typeface="Calibri" panose="020F0502020204030204" pitchFamily="34" charset="0"/>
+              </a:rPr>
+              <a:t>, </a:t>
+            </a:r>
+            <a:r>
+              <a:rPr lang="sr-Latn-BA" sz="1600" i="1" dirty="0" smtClean="0">
+                <a:solidFill>
+                  <a:srgbClr val="000000"/>
+                </a:solidFill>
+                <a:latin typeface="Calibri" panose="020F0502020204030204" pitchFamily="34" charset="0"/>
+              </a:rPr>
+              <a:t>p</a:t>
+            </a:r>
+            <a:r>
+              <a:rPr lang="en-US" sz="1600" i="1" baseline="-25000" dirty="0" smtClean="0">
+                <a:solidFill>
+                  <a:srgbClr val="000000"/>
+                </a:solidFill>
+                <a:latin typeface="Calibri" panose="020F0502020204030204" pitchFamily="34" charset="0"/>
+              </a:rPr>
+              <a:t>2</a:t>
+            </a:r>
+            <a:r>
+              <a:rPr lang="en-US" sz="1600" i="1" dirty="0">
+                <a:solidFill>
+                  <a:srgbClr val="000000"/>
+                </a:solidFill>
+                <a:latin typeface="Calibri" panose="020F0502020204030204" pitchFamily="34" charset="0"/>
+              </a:rPr>
+              <a:t>, </a:t>
+            </a:r>
+            <a:r>
+              <a:rPr lang="sr-Latn-BA" sz="1600" i="1" dirty="0" smtClean="0">
+                <a:solidFill>
+                  <a:srgbClr val="000000"/>
+                </a:solidFill>
+                <a:latin typeface="Calibri" panose="020F0502020204030204" pitchFamily="34" charset="0"/>
+              </a:rPr>
+              <a:t>p</a:t>
+            </a:r>
+            <a:r>
+              <a:rPr lang="en-US" sz="1600" i="1" baseline="-25000" dirty="0" smtClean="0">
+                <a:solidFill>
+                  <a:srgbClr val="000000"/>
+                </a:solidFill>
+                <a:latin typeface="Calibri" panose="020F0502020204030204" pitchFamily="34" charset="0"/>
+              </a:rPr>
+              <a:t>3</a:t>
+            </a:r>
+            <a:r>
+              <a:rPr lang="en-US" sz="1600" i="1" dirty="0" smtClean="0">
+                <a:solidFill>
+                  <a:srgbClr val="000000"/>
+                </a:solidFill>
+                <a:latin typeface="Calibri" panose="020F0502020204030204" pitchFamily="34" charset="0"/>
+              </a:rPr>
+              <a:t>,…,</a:t>
+            </a:r>
+            <a:r>
+              <a:rPr lang="sr-Latn-BA" sz="1600" i="1" dirty="0" err="1">
+                <a:solidFill>
+                  <a:srgbClr val="000000"/>
+                </a:solidFill>
+                <a:latin typeface="Calibri" panose="020F0502020204030204" pitchFamily="34" charset="0"/>
+              </a:rPr>
+              <a:t>p</a:t>
+            </a:r>
+            <a:r>
+              <a:rPr lang="en-US" sz="1600" i="1" baseline="-25000" dirty="0" smtClean="0">
+                <a:solidFill>
+                  <a:srgbClr val="000000"/>
+                </a:solidFill>
+                <a:latin typeface="Calibri" panose="020F0502020204030204" pitchFamily="34" charset="0"/>
+              </a:rPr>
+              <a:t>N</a:t>
+            </a:r>
+            <a:r>
+              <a:rPr lang="en-US" sz="1600" i="1" dirty="0">
+                <a:solidFill>
+                  <a:srgbClr val="000000"/>
+                </a:solidFill>
+                <a:latin typeface="Calibri" panose="020F0502020204030204" pitchFamily="34" charset="0"/>
+              </a:rPr>
+              <a:t>)</a:t>
+            </a:r>
             <a:r>
               <a:rPr lang="en-US" sz="1600" dirty="0">
                 <a:solidFill>
@@ -11582,16 +12728,97 @@
                 </a:solidFill>
                 <a:latin typeface="Calibri" panose="020F0502020204030204" pitchFamily="34" charset="0"/>
               </a:rPr>
-              <a:t>where, f(</a:t>
-            </a:r>
-            <a:r>
-              <a:rPr lang="en-US" sz="1600" dirty="0" err="1">
+              <a:t>, where </a:t>
+            </a:r>
+            <a:r>
+              <a:rPr lang="sr-Latn-BA" sz="1600" i="1" dirty="0">
                 <a:solidFill>
                   <a:srgbClr val="000000"/>
                 </a:solidFill>
                 <a:latin typeface="Calibri" panose="020F0502020204030204" pitchFamily="34" charset="0"/>
               </a:rPr>
-              <a:t>aj</a:t>
+              <a:t>p</a:t>
+            </a:r>
+            <a:r>
+              <a:rPr lang="en-US" sz="1600" i="1" baseline="-25000" dirty="0">
+                <a:solidFill>
+                  <a:srgbClr val="000000"/>
+                </a:solidFill>
+                <a:latin typeface="Calibri" panose="020F0502020204030204" pitchFamily="34" charset="0"/>
+              </a:rPr>
+              <a:t>1</a:t>
+            </a:r>
+            <a:r>
+              <a:rPr lang="en-US" sz="1600" i="1" dirty="0">
+                <a:solidFill>
+                  <a:srgbClr val="000000"/>
+                </a:solidFill>
+                <a:latin typeface="Calibri" panose="020F0502020204030204" pitchFamily="34" charset="0"/>
+              </a:rPr>
+              <a:t>, </a:t>
+            </a:r>
+            <a:r>
+              <a:rPr lang="sr-Latn-BA" sz="1600" i="1" dirty="0">
+                <a:solidFill>
+                  <a:srgbClr val="000000"/>
+                </a:solidFill>
+                <a:latin typeface="Calibri" panose="020F0502020204030204" pitchFamily="34" charset="0"/>
+              </a:rPr>
+              <a:t>p</a:t>
+            </a:r>
+            <a:r>
+              <a:rPr lang="en-US" sz="1600" i="1" baseline="-25000" dirty="0" smtClean="0">
+                <a:solidFill>
+                  <a:srgbClr val="000000"/>
+                </a:solidFill>
+                <a:latin typeface="Calibri" panose="020F0502020204030204" pitchFamily="34" charset="0"/>
+              </a:rPr>
+              <a:t>2</a:t>
+            </a:r>
+            <a:r>
+              <a:rPr lang="sr-Latn-BA" sz="1600" dirty="0" smtClean="0">
+                <a:solidFill>
+                  <a:srgbClr val="000000"/>
+                </a:solidFill>
+                <a:latin typeface="Calibri" panose="020F0502020204030204" pitchFamily="34" charset="0"/>
+              </a:rPr>
+              <a:t>,</a:t>
+            </a:r>
+            <a:r>
+              <a:rPr lang="en-US" sz="1600" i="1" dirty="0">
+                <a:solidFill>
+                  <a:srgbClr val="000000"/>
+                </a:solidFill>
+                <a:latin typeface="Calibri" panose="020F0502020204030204" pitchFamily="34" charset="0"/>
+              </a:rPr>
+              <a:t> …,</a:t>
+            </a:r>
+            <a:r>
+              <a:rPr lang="sr-Latn-BA" sz="1600" i="1" dirty="0">
+                <a:solidFill>
+                  <a:srgbClr val="000000"/>
+                </a:solidFill>
+                <a:latin typeface="Calibri" panose="020F0502020204030204" pitchFamily="34" charset="0"/>
+              </a:rPr>
+              <a:t>p</a:t>
+            </a:r>
+            <a:r>
+              <a:rPr lang="en-US" sz="1600" i="1" baseline="-25000" dirty="0">
+                <a:solidFill>
+                  <a:srgbClr val="000000"/>
+                </a:solidFill>
+                <a:latin typeface="Calibri" panose="020F0502020204030204" pitchFamily="34" charset="0"/>
+              </a:rPr>
+              <a:t>N</a:t>
+            </a:r>
+            <a:r>
+              <a:rPr lang="en-US" sz="1600" dirty="0" smtClean="0">
+                <a:solidFill>
+                  <a:srgbClr val="000000"/>
+                </a:solidFill>
+                <a:latin typeface="Calibri" panose="020F0502020204030204" pitchFamily="34" charset="0"/>
+              </a:rPr>
+              <a:t> </a:t>
             </a:r>
             <a:r>
               <a:rPr lang="en-US" sz="1600" dirty="0">
@@ -11600,16 +12827,16 @@
                 </a:solidFill>
                 <a:latin typeface="Calibri" panose="020F0502020204030204" pitchFamily="34" charset="0"/>
               </a:rPr>
-              <a:t>) = 1 if </a:t>
-            </a:r>
-            <a:r>
-              <a:rPr lang="en-US" sz="1600" dirty="0" err="1">
+              <a:t>are the successive residues, </a:t>
+            </a:r>
+            <a:r>
+              <a:rPr lang="en-US" sz="1600" dirty="0" smtClean="0">
                 <a:solidFill>
                   <a:srgbClr val="000000"/>
                 </a:solidFill>
                 <a:latin typeface="Calibri" panose="020F0502020204030204" pitchFamily="34" charset="0"/>
               </a:rPr>
-              <a:t>aj</a:t>
+              <a:t>      calculate </a:t>
             </a:r>
             <a:r>
               <a:rPr lang="en-US" sz="1600" dirty="0">
@@ -11618,7 +12845,25 @@
                 </a:solidFill>
                 <a:latin typeface="Calibri" panose="020F0502020204030204" pitchFamily="34" charset="0"/>
               </a:rPr>
-              <a:t> has the property </a:t>
+              <a:t>the binary sequence, </a:t>
+            </a:r>
+            <a:r>
+              <a:rPr lang="sr-Latn-BA" sz="1600" i="1" dirty="0">
+                <a:solidFill>
+                  <a:srgbClr val="000000"/>
+                </a:solidFill>
+                <a:latin typeface="Calibri" panose="020F0502020204030204" pitchFamily="34" charset="0"/>
+              </a:rPr>
+              <a:t>F</a:t>
+            </a:r>
+            <a:r>
+              <a:rPr lang="en-US" sz="1600" i="1" dirty="0" smtClean="0">
+                <a:solidFill>
+                  <a:srgbClr val="000000"/>
+                </a:solidFill>
+                <a:latin typeface="Calibri" panose="020F0502020204030204" pitchFamily="34" charset="0"/>
+              </a:rPr>
+              <a:t>(S</a:t>
             </a:r>
             <a:r>
               <a:rPr lang="en-US" sz="1600" i="1" dirty="0">
@@ -11627,6 +12872,320 @@
                 </a:solidFill>
                 <a:latin typeface="Calibri" panose="020F0502020204030204" pitchFamily="34" charset="0"/>
               </a:rPr>
+              <a:t>)</a:t>
+            </a:r>
+            <a:r>
+              <a:rPr lang="en-US" sz="1600" dirty="0">
+                <a:solidFill>
+                  <a:srgbClr val="000000"/>
+                </a:solidFill>
+                <a:latin typeface="Calibri" panose="020F0502020204030204" pitchFamily="34" charset="0"/>
+              </a:rPr>
+              <a:t> through an indicator </a:t>
+            </a:r>
+            <a:r>
+              <a:rPr lang="en-US" sz="1600" dirty="0" smtClean="0">
+                <a:solidFill>
+                  <a:srgbClr val="000000"/>
+                </a:solidFill>
+                <a:latin typeface="Calibri" panose="020F0502020204030204" pitchFamily="34" charset="0"/>
+              </a:rPr>
+              <a:t>function </a:t>
+            </a:r>
+            <a:r>
+              <a:rPr lang="en-US" sz="1600" i="1" dirty="0">
+                <a:solidFill>
+                  <a:srgbClr val="000000"/>
+                </a:solidFill>
+                <a:latin typeface="Calibri" panose="020F0502020204030204" pitchFamily="34" charset="0"/>
+              </a:rPr>
+              <a:t>f</a:t>
+            </a:r>
+            <a:r>
+              <a:rPr lang="en-US" sz="1600" dirty="0">
+                <a:solidFill>
+                  <a:srgbClr val="000000"/>
+                </a:solidFill>
+                <a:latin typeface="Calibri" panose="020F0502020204030204" pitchFamily="34" charset="0"/>
+              </a:rPr>
+              <a:t>, </a:t>
+            </a:r>
+            <a:r>
+              <a:rPr lang="en-US" sz="1600" dirty="0" smtClean="0">
+                <a:solidFill>
+                  <a:srgbClr val="000000"/>
+                </a:solidFill>
+                <a:latin typeface="Calibri" panose="020F0502020204030204" pitchFamily="34" charset="0"/>
+              </a:rPr>
+              <a:t>as </a:t>
+            </a:r>
+            <a:r>
+              <a:rPr lang="sr-Latn-BA" sz="1600" dirty="0" smtClean="0">
+                <a:solidFill>
+                  <a:srgbClr val="000000"/>
+                </a:solidFill>
+                <a:latin typeface="Calibri" panose="020F0502020204030204" pitchFamily="34" charset="0"/>
+              </a:rPr>
+              <a:t>F</a:t>
+            </a:r>
+            <a:r>
+              <a:rPr lang="en-US" sz="1600" dirty="0" smtClean="0">
+                <a:solidFill>
+                  <a:srgbClr val="000000"/>
+                </a:solidFill>
+                <a:latin typeface="Calibri" panose="020F0502020204030204" pitchFamily="34" charset="0"/>
+              </a:rPr>
+              <a:t>(</a:t>
+            </a:r>
+            <a:r>
+              <a:rPr lang="sr-Latn-BA" sz="1600" dirty="0" smtClean="0">
+                <a:solidFill>
+                  <a:srgbClr val="000000"/>
+                </a:solidFill>
+                <a:latin typeface="Calibri" panose="020F0502020204030204" pitchFamily="34" charset="0"/>
+              </a:rPr>
+              <a:t>S</a:t>
+            </a:r>
+            <a:r>
+              <a:rPr lang="en-US" sz="1600" dirty="0" smtClean="0">
+                <a:solidFill>
+                  <a:srgbClr val="000000"/>
+                </a:solidFill>
+                <a:latin typeface="Calibri" panose="020F0502020204030204" pitchFamily="34" charset="0"/>
+              </a:rPr>
+              <a:t>)={</a:t>
+            </a:r>
+            <a:r>
+              <a:rPr lang="en-US" sz="1600" i="1" dirty="0" smtClean="0">
+                <a:solidFill>
+                  <a:srgbClr val="000000"/>
+                </a:solidFill>
+                <a:latin typeface="Calibri" panose="020F0502020204030204" pitchFamily="34" charset="0"/>
+              </a:rPr>
+              <a:t>f(</a:t>
+            </a:r>
+            <a:r>
+              <a:rPr lang="sr-Latn-BA" sz="1600" i="1" dirty="0">
+                <a:solidFill>
+                  <a:srgbClr val="000000"/>
+                </a:solidFill>
+                <a:latin typeface="Calibri" panose="020F0502020204030204" pitchFamily="34" charset="0"/>
+              </a:rPr>
+              <a:t>p</a:t>
+            </a:r>
+            <a:r>
+              <a:rPr lang="en-US" sz="1600" i="1" baseline="-25000" dirty="0">
+                <a:solidFill>
+                  <a:srgbClr val="000000"/>
+                </a:solidFill>
+                <a:latin typeface="Calibri" panose="020F0502020204030204" pitchFamily="34" charset="0"/>
+              </a:rPr>
+              <a:t>1</a:t>
+            </a:r>
+            <a:r>
+              <a:rPr lang="en-US" sz="1600" i="1" dirty="0" smtClean="0">
+                <a:solidFill>
+                  <a:srgbClr val="000000"/>
+                </a:solidFill>
+                <a:latin typeface="Calibri" panose="020F0502020204030204" pitchFamily="34" charset="0"/>
+              </a:rPr>
+              <a:t>),f(</a:t>
+            </a:r>
+            <a:r>
+              <a:rPr lang="sr-Latn-BA" sz="1600" i="1" dirty="0">
+                <a:solidFill>
+                  <a:srgbClr val="000000"/>
+                </a:solidFill>
+                <a:latin typeface="Calibri" panose="020F0502020204030204" pitchFamily="34" charset="0"/>
+              </a:rPr>
+              <a:t>p</a:t>
+            </a:r>
+            <a:r>
+              <a:rPr lang="en-US" sz="1600" i="1" baseline="-25000" dirty="0">
+                <a:solidFill>
+                  <a:srgbClr val="000000"/>
+                </a:solidFill>
+                <a:latin typeface="Calibri" panose="020F0502020204030204" pitchFamily="34" charset="0"/>
+              </a:rPr>
+              <a:t>2</a:t>
+            </a:r>
+            <a:r>
+              <a:rPr lang="en-US" sz="1600" i="1" dirty="0" smtClean="0">
+                <a:solidFill>
+                  <a:srgbClr val="000000"/>
+                </a:solidFill>
+                <a:latin typeface="Calibri" panose="020F0502020204030204" pitchFamily="34" charset="0"/>
+              </a:rPr>
+              <a:t>)</a:t>
+            </a:r>
+            <a:r>
+              <a:rPr lang="en-US" sz="1600" dirty="0" smtClean="0">
+                <a:solidFill>
+                  <a:srgbClr val="000000"/>
+                </a:solidFill>
+                <a:latin typeface="Calibri" panose="020F0502020204030204" pitchFamily="34" charset="0"/>
+              </a:rPr>
+              <a:t>,…,</a:t>
+            </a:r>
+            <a:r>
+              <a:rPr lang="sr-Latn-BA" sz="1600" i="1" dirty="0" smtClean="0">
+                <a:solidFill>
+                  <a:srgbClr val="000000"/>
+                </a:solidFill>
+                <a:latin typeface="Calibri" panose="020F0502020204030204" pitchFamily="34" charset="0"/>
+              </a:rPr>
+              <a:t> </a:t>
+            </a:r>
+            <a:r>
+              <a:rPr lang="sr-Latn-BA" sz="1600" i="1" dirty="0" smtClean="0">
+                <a:solidFill>
+                  <a:srgbClr val="000000"/>
+                </a:solidFill>
+                <a:latin typeface="Calibri" panose="020F0502020204030204" pitchFamily="34" charset="0"/>
+              </a:rPr>
+              <a:t>f(p</a:t>
+            </a:r>
+            <a:r>
+              <a:rPr lang="en-US" sz="1600" i="1" baseline="-25000" dirty="0" smtClean="0">
+                <a:solidFill>
+                  <a:srgbClr val="000000"/>
+                </a:solidFill>
+                <a:latin typeface="Calibri" panose="020F0502020204030204" pitchFamily="34" charset="0"/>
+              </a:rPr>
+              <a:t>N</a:t>
+            </a:r>
+            <a:r>
+              <a:rPr lang="sr-Latn-BA" sz="1600" dirty="0" smtClean="0">
+                <a:solidFill>
+                  <a:srgbClr val="000000"/>
+                </a:solidFill>
+                <a:latin typeface="Calibri" panose="020F0502020204030204" pitchFamily="34" charset="0"/>
+              </a:rPr>
+              <a:t>)</a:t>
+            </a:r>
+            <a:r>
+              <a:rPr lang="en-US" sz="1600" dirty="0" smtClean="0">
+                <a:solidFill>
+                  <a:srgbClr val="000000"/>
+                </a:solidFill>
+                <a:latin typeface="Calibri" panose="020F0502020204030204" pitchFamily="34" charset="0"/>
+              </a:rPr>
+              <a:t>}</a:t>
+            </a:r>
+            <a:endParaRPr lang="en-US" sz="1600" dirty="0">
+              <a:solidFill>
+                <a:srgbClr val="000000"/>
+              </a:solidFill>
+              <a:latin typeface="Calibri" panose="020F0502020204030204" pitchFamily="34" charset="0"/>
+            </a:endParaRPr>
+          </a:p>
+          <a:p>
+            <a:r>
+              <a:rPr lang="en-US" sz="1600" dirty="0">
+                <a:solidFill>
+                  <a:srgbClr val="000000"/>
+                </a:solidFill>
+                <a:latin typeface="Calibri" panose="020F0502020204030204" pitchFamily="34" charset="0"/>
+              </a:rPr>
+              <a:t>where, </a:t>
+            </a:r>
+            <a:r>
+              <a:rPr lang="en-US" sz="1600" i="1" dirty="0">
+                <a:solidFill>
+                  <a:srgbClr val="000000"/>
+                </a:solidFill>
+                <a:latin typeface="Calibri" panose="020F0502020204030204" pitchFamily="34" charset="0"/>
+              </a:rPr>
+              <a:t>f(</a:t>
+            </a:r>
+            <a:r>
+              <a:rPr lang="sr-Latn-BA" sz="1600" i="1" dirty="0" smtClean="0">
+                <a:solidFill>
+                  <a:srgbClr val="000000"/>
+                </a:solidFill>
+                <a:latin typeface="Calibri" panose="020F0502020204030204" pitchFamily="34" charset="0"/>
+              </a:rPr>
+              <a:t>p</a:t>
+            </a:r>
+            <a:r>
+              <a:rPr lang="sr-Latn-BA" sz="1600" i="1" baseline="-25000" dirty="0" smtClean="0">
+                <a:solidFill>
+                  <a:srgbClr val="000000"/>
+                </a:solidFill>
+                <a:latin typeface="Calibri" panose="020F0502020204030204" pitchFamily="34" charset="0"/>
+              </a:rPr>
+              <a:t>j</a:t>
+            </a:r>
+            <a:r>
+              <a:rPr lang="en-US" sz="1600" i="1" dirty="0" smtClean="0">
+                <a:solidFill>
+                  <a:srgbClr val="000000"/>
+                </a:solidFill>
+                <a:latin typeface="Calibri" panose="020F0502020204030204" pitchFamily="34" charset="0"/>
+              </a:rPr>
+              <a:t>)</a:t>
+            </a:r>
+            <a:r>
+              <a:rPr lang="en-US" sz="1600" dirty="0" smtClean="0">
+                <a:solidFill>
+                  <a:srgbClr val="000000"/>
+                </a:solidFill>
+                <a:latin typeface="Calibri" panose="020F0502020204030204" pitchFamily="34" charset="0"/>
+              </a:rPr>
+              <a:t> </a:t>
+            </a:r>
+            <a:r>
+              <a:rPr lang="en-US" sz="1600" dirty="0">
+                <a:solidFill>
+                  <a:srgbClr val="000000"/>
+                </a:solidFill>
+                <a:latin typeface="Calibri" panose="020F0502020204030204" pitchFamily="34" charset="0"/>
+              </a:rPr>
+              <a:t>= 1 if </a:t>
+            </a:r>
+            <a:r>
+              <a:rPr lang="sr-Latn-BA" sz="1600" i="1" dirty="0" smtClean="0">
+                <a:solidFill>
+                  <a:srgbClr val="000000"/>
+                </a:solidFill>
+                <a:latin typeface="Calibri" panose="020F0502020204030204" pitchFamily="34" charset="0"/>
+              </a:rPr>
+              <a:t>p</a:t>
+            </a:r>
+            <a:r>
+              <a:rPr lang="sr-Latn-BA" sz="1600" i="1" baseline="-25000" dirty="0" smtClean="0">
+                <a:solidFill>
+                  <a:srgbClr val="000000"/>
+                </a:solidFill>
+                <a:latin typeface="Calibri" panose="020F0502020204030204" pitchFamily="34" charset="0"/>
+              </a:rPr>
+              <a:t>j</a:t>
+            </a:r>
+            <a:r>
+              <a:rPr lang="en-US" sz="1600" dirty="0" smtClean="0">
+                <a:solidFill>
+                  <a:srgbClr val="000000"/>
+                </a:solidFill>
+                <a:latin typeface="Calibri" panose="020F0502020204030204" pitchFamily="34" charset="0"/>
+              </a:rPr>
+              <a:t> </a:t>
+            </a:r>
+            <a:r>
+              <a:rPr lang="en-US" sz="1600" dirty="0">
+                <a:solidFill>
+                  <a:srgbClr val="000000"/>
+                </a:solidFill>
+                <a:latin typeface="Calibri" panose="020F0502020204030204" pitchFamily="34" charset="0"/>
+              </a:rPr>
+              <a:t>has the property </a:t>
+            </a:r>
+            <a:r>
+              <a:rPr lang="en-US" sz="1600" i="1" dirty="0">
+                <a:solidFill>
+                  <a:srgbClr val="000000"/>
+                </a:solidFill>
+                <a:latin typeface="Calibri" panose="020F0502020204030204" pitchFamily="34" charset="0"/>
+              </a:rPr>
               <a:t>prop</a:t>
             </a:r>
             <a:r>
@@ -11647,7 +13206,7 @@
                 </a:solidFill>
                 <a:latin typeface="Calibri" panose="020F0502020204030204" pitchFamily="34" charset="0"/>
               </a:rPr>
-              <a:t>Calculate two inter-arrival distances (IADs) array for successive residues i.e. determine the distance between two successive residues: (array1) having the property </a:t>
+              <a:t>Calculate two inter-arrival distances (IADs) array for successive residues i.e. determine the distance between two successive residues: (</a:t>
             </a:r>
             <a:r>
               <a:rPr lang="en-US" sz="1600" i="1" dirty="0">
@@ -11656,6 +13215,228 @@
                 </a:solidFill>
                 <a:latin typeface="Calibri" panose="020F0502020204030204" pitchFamily="34" charset="0"/>
               </a:rPr>
+              <a:t>array1</a:t>
+            </a:r>
+            <a:r>
+              <a:rPr lang="en-US" sz="1600" dirty="0">
+                <a:solidFill>
+                  <a:srgbClr val="000000"/>
+                </a:solidFill>
+                <a:latin typeface="Calibri" panose="020F0502020204030204" pitchFamily="34" charset="0"/>
+              </a:rPr>
+              <a:t>) </a:t>
+            </a:r>
+            <a:r>
+              <a:rPr lang="en-US" sz="1600" dirty="0" smtClean="0">
+                <a:solidFill>
+                  <a:srgbClr val="000000"/>
+                </a:solidFill>
+                <a:latin typeface="Calibri" panose="020F0502020204030204" pitchFamily="34" charset="0"/>
+              </a:rPr>
+              <a:t>distances between ones, and </a:t>
+            </a:r>
+            <a:r>
+              <a:rPr lang="en-US" sz="1600" dirty="0">
+                <a:solidFill>
+                  <a:srgbClr val="000000"/>
+                </a:solidFill>
+                <a:latin typeface="Calibri" panose="020F0502020204030204" pitchFamily="34" charset="0"/>
+              </a:rPr>
+              <a:t>(</a:t>
+            </a:r>
+            <a:r>
+              <a:rPr lang="en-US" sz="1600" i="1" dirty="0">
+                <a:solidFill>
+                  <a:srgbClr val="000000"/>
+                </a:solidFill>
+                <a:latin typeface="Calibri" panose="020F0502020204030204" pitchFamily="34" charset="0"/>
+              </a:rPr>
+              <a:t>array2</a:t>
+            </a:r>
+            <a:r>
+              <a:rPr lang="en-US" sz="1600" dirty="0">
+                <a:solidFill>
+                  <a:srgbClr val="000000"/>
+                </a:solidFill>
+                <a:latin typeface="Calibri" panose="020F0502020204030204" pitchFamily="34" charset="0"/>
+              </a:rPr>
+              <a:t>) </a:t>
+            </a:r>
+            <a:r>
+              <a:rPr lang="en-US" sz="1600" dirty="0">
+                <a:solidFill>
+                  <a:srgbClr val="000000"/>
+                </a:solidFill>
+                <a:latin typeface="Calibri" panose="020F0502020204030204" pitchFamily="34" charset="0"/>
+              </a:rPr>
+              <a:t>distances between </a:t>
+            </a:r>
+            <a:r>
+              <a:rPr lang="en-US" sz="1600" dirty="0" smtClean="0">
+                <a:solidFill>
+                  <a:srgbClr val="000000"/>
+                </a:solidFill>
+                <a:latin typeface="Calibri" panose="020F0502020204030204" pitchFamily="34" charset="0"/>
+              </a:rPr>
+              <a:t>zeros. </a:t>
+            </a:r>
+          </a:p>
+          <a:p>
+            <a:r>
+              <a:rPr lang="en-US" sz="1600" dirty="0" smtClean="0">
+                <a:solidFill>
+                  <a:srgbClr val="000000"/>
+                </a:solidFill>
+                <a:latin typeface="Calibri" panose="020F0502020204030204" pitchFamily="34" charset="0"/>
+              </a:rPr>
+              <a:t>For </a:t>
+            </a:r>
+            <a:r>
+              <a:rPr lang="en-US" sz="1600" dirty="0">
+                <a:solidFill>
+                  <a:srgbClr val="000000"/>
+                </a:solidFill>
+                <a:latin typeface="Calibri" panose="020F0502020204030204" pitchFamily="34" charset="0"/>
+              </a:rPr>
+              <a:t>each IAD </a:t>
+            </a:r>
+            <a:r>
+              <a:rPr lang="en-US" sz="1600" dirty="0" smtClean="0">
+                <a:solidFill>
+                  <a:srgbClr val="000000"/>
+                </a:solidFill>
+                <a:latin typeface="Calibri" panose="020F0502020204030204" pitchFamily="34" charset="0"/>
+              </a:rPr>
+              <a:t>array:</a:t>
+            </a:r>
+            <a:endParaRPr lang="en-US" sz="1600" dirty="0">
+              <a:solidFill>
+                <a:srgbClr val="000000"/>
+              </a:solidFill>
+              <a:latin typeface="Calibri" panose="020F0502020204030204" pitchFamily="34" charset="0"/>
+            </a:endParaRPr>
+          </a:p>
+          <a:p>
+            <a:r>
+              <a:rPr lang="en-US" sz="1600" dirty="0">
+                <a:solidFill>
+                  <a:srgbClr val="000000"/>
+                </a:solidFill>
+                <a:latin typeface="Calibri" panose="020F0502020204030204" pitchFamily="34" charset="0"/>
+              </a:rPr>
+              <a:t>    Build the frequency histogram based on values of </a:t>
+            </a:r>
+            <a:r>
+              <a:rPr lang="en-US" sz="1600" dirty="0" smtClean="0">
+                <a:solidFill>
+                  <a:srgbClr val="000000"/>
+                </a:solidFill>
+                <a:latin typeface="Calibri" panose="020F0502020204030204" pitchFamily="34" charset="0"/>
+              </a:rPr>
+              <a:t>the IAD;</a:t>
+            </a:r>
+            <a:endParaRPr lang="en-US" sz="1600" dirty="0">
+              <a:solidFill>
+                <a:srgbClr val="000000"/>
+              </a:solidFill>
+              <a:latin typeface="Calibri" panose="020F0502020204030204" pitchFamily="34" charset="0"/>
+            </a:endParaRPr>
+          </a:p>
+          <a:p>
+            <a:r>
+              <a:rPr lang="en-US" sz="1600" dirty="0">
+                <a:solidFill>
+                  <a:srgbClr val="000000"/>
+                </a:solidFill>
+                <a:latin typeface="Calibri" panose="020F0502020204030204" pitchFamily="34" charset="0"/>
+              </a:rPr>
+              <a:t>    Construct the histogram with five intervals chosen in </a:t>
+            </a:r>
+            <a:r>
+              <a:rPr lang="en-US" sz="1600" dirty="0" smtClean="0">
+                <a:solidFill>
+                  <a:srgbClr val="000000"/>
+                </a:solidFill>
+                <a:latin typeface="Calibri" panose="020F0502020204030204" pitchFamily="34" charset="0"/>
+              </a:rPr>
+              <a:t>advanced;</a:t>
+            </a:r>
+            <a:endParaRPr lang="en-US" sz="1600" dirty="0">
+              <a:solidFill>
+                <a:srgbClr val="000000"/>
+              </a:solidFill>
+              <a:latin typeface="Calibri" panose="020F0502020204030204" pitchFamily="34" charset="0"/>
+            </a:endParaRPr>
+          </a:p>
+          <a:p>
+            <a:r>
+              <a:rPr lang="en-US" sz="1600" dirty="0">
+                <a:solidFill>
+                  <a:srgbClr val="000000"/>
+                </a:solidFill>
+                <a:latin typeface="Calibri" panose="020F0502020204030204" pitchFamily="34" charset="0"/>
+              </a:rPr>
+              <a:t>    Convert the frequency histogram to a probability distribution using standard statistical </a:t>
+            </a:r>
+            <a:r>
+              <a:rPr lang="en-US" sz="1600" dirty="0" smtClean="0">
+                <a:solidFill>
+                  <a:srgbClr val="000000"/>
+                </a:solidFill>
+                <a:latin typeface="Calibri" panose="020F0502020204030204" pitchFamily="34" charset="0"/>
+              </a:rPr>
+              <a:t>procedures;</a:t>
+            </a:r>
+            <a:endParaRPr lang="en-US" sz="1600" dirty="0">
+              <a:solidFill>
+                <a:srgbClr val="000000"/>
+              </a:solidFill>
+              <a:latin typeface="Calibri" panose="020F0502020204030204" pitchFamily="34" charset="0"/>
+            </a:endParaRPr>
+          </a:p>
+          <a:p>
+            <a:r>
+              <a:rPr lang="en-US" sz="1600" dirty="0">
+                <a:solidFill>
+                  <a:srgbClr val="000000"/>
+                </a:solidFill>
+                <a:latin typeface="Calibri" panose="020F0502020204030204" pitchFamily="34" charset="0"/>
+              </a:rPr>
+              <a:t>    Derive 5 probability values from the frequency </a:t>
+            </a:r>
+            <a:r>
+              <a:rPr lang="en-US" sz="1600" dirty="0" smtClean="0">
+                <a:solidFill>
+                  <a:srgbClr val="000000"/>
+                </a:solidFill>
+                <a:latin typeface="Calibri" panose="020F0502020204030204" pitchFamily="34" charset="0"/>
+              </a:rPr>
+              <a:t>histogram; </a:t>
+            </a:r>
+            <a:endParaRPr lang="en-US" sz="1600" dirty="0">
+              <a:solidFill>
+                <a:srgbClr val="000000"/>
+              </a:solidFill>
+              <a:latin typeface="Calibri" panose="020F0502020204030204" pitchFamily="34" charset="0"/>
+            </a:endParaRPr>
+          </a:p>
+          <a:p>
+            <a:r>
+              <a:rPr lang="en-US" sz="1600" dirty="0">
+                <a:solidFill>
+                  <a:srgbClr val="000000"/>
+                </a:solidFill>
+                <a:latin typeface="Calibri" panose="020F0502020204030204" pitchFamily="34" charset="0"/>
+              </a:rPr>
+              <a:t>Constitute the final array of 10 features based on the property </a:t>
+            </a:r>
+            <a:r>
+              <a:rPr lang="en-US" sz="1600" i="1" dirty="0">
+                <a:solidFill>
+                  <a:srgbClr val="000000"/>
+                </a:solidFill>
+                <a:latin typeface="Calibri" panose="020F0502020204030204" pitchFamily="34" charset="0"/>
+              </a:rPr>
               <a:t>prop</a:t>
             </a:r>
             <a:r>
@@ -11665,100 +13446,16 @@
                 </a:solidFill>
                 <a:latin typeface="Calibri" panose="020F0502020204030204" pitchFamily="34" charset="0"/>
               </a:rPr>
-              <a:t> and (array2) not having the property </a:t>
-            </a:r>
-            <a:r>
-              <a:rPr lang="en-US" sz="1600" i="1" dirty="0">
+              <a:t> (total 60 features</a:t>
+            </a:r>
+            <a:r>
+              <a:rPr lang="en-US" sz="1600" dirty="0" smtClean="0">
                 <a:solidFill>
                   <a:srgbClr val="000000"/>
                 </a:solidFill>
                 <a:latin typeface="Calibri" panose="020F0502020204030204" pitchFamily="34" charset="0"/>
               </a:rPr>
-              <a:t>prop</a:t>
-            </a:r>
-          </a:p>
-          <a:p>
-            <a:r>
-              <a:rPr lang="en-US" sz="1600" dirty="0">
-                <a:solidFill>
-                  <a:srgbClr val="000000"/>
-                </a:solidFill>
-                <a:latin typeface="Calibri" panose="020F0502020204030204" pitchFamily="34" charset="0"/>
-              </a:rPr>
-              <a:t>For each IAD array</a:t>
-            </a:r>
-          </a:p>
-          <a:p>
-            <a:r>
-              <a:rPr lang="en-US" sz="1600" dirty="0">
-                <a:solidFill>
-                  <a:srgbClr val="000000"/>
-                </a:solidFill>
-                <a:latin typeface="Calibri" panose="020F0502020204030204" pitchFamily="34" charset="0"/>
-              </a:rPr>
-              <a:t>    Build the frequency histogram based on values of IAD</a:t>
-            </a:r>
-          </a:p>
-          <a:p>
-            <a:r>
-              <a:rPr lang="en-US" sz="1600" dirty="0">
-                <a:solidFill>
-                  <a:srgbClr val="000000"/>
-                </a:solidFill>
-                <a:latin typeface="Calibri" panose="020F0502020204030204" pitchFamily="34" charset="0"/>
-              </a:rPr>
-              <a:t>    Construct the histogram with five intervals chosen in advanced</a:t>
-            </a:r>
-          </a:p>
-          <a:p>
-            <a:r>
-              <a:rPr lang="en-US" sz="1600" dirty="0">
-                <a:solidFill>
-                  <a:srgbClr val="000000"/>
-                </a:solidFill>
-                <a:latin typeface="Calibri" panose="020F0502020204030204" pitchFamily="34" charset="0"/>
-              </a:rPr>
-              <a:t>    Convert the frequency histogram to a probability distribution using standard statistical procedures.</a:t>
-            </a:r>
-          </a:p>
-          <a:p>
-            <a:r>
-              <a:rPr lang="en-US" sz="1600" dirty="0">
-                <a:solidFill>
-                  <a:srgbClr val="000000"/>
-                </a:solidFill>
-                <a:latin typeface="Calibri" panose="020F0502020204030204" pitchFamily="34" charset="0"/>
-              </a:rPr>
-              <a:t>    Derive 5 probability values from the frequency histogram </a:t>
-            </a:r>
-          </a:p>
-          <a:p>
-            <a:r>
-              <a:rPr lang="en-US" sz="1600" dirty="0">
-                <a:solidFill>
-                  <a:srgbClr val="000000"/>
-                </a:solidFill>
-                <a:latin typeface="Calibri" panose="020F0502020204030204" pitchFamily="34" charset="0"/>
-              </a:rPr>
-              <a:t>Constitute the final array of 10 features based on the property </a:t>
-            </a:r>
-            <a:r>
-              <a:rPr lang="en-US" sz="1600" i="1" dirty="0">
-                <a:solidFill>
-                  <a:srgbClr val="000000"/>
-                </a:solidFill>
-                <a:latin typeface="Calibri" panose="020F0502020204030204" pitchFamily="34" charset="0"/>
-              </a:rPr>
-              <a:t>prop</a:t>
-            </a:r>
-            <a:r>
-              <a:rPr lang="en-US" sz="1600" dirty="0">
-                <a:solidFill>
-                  <a:srgbClr val="000000"/>
-                </a:solidFill>
-                <a:latin typeface="Calibri" panose="020F0502020204030204" pitchFamily="34" charset="0"/>
-              </a:rPr>
-              <a:t> (total 60 features)</a:t>
+              <a:t>).</a:t>
             </a:r>
             <a:endParaRPr lang="en-US" sz="1600" dirty="0"/>
           </a:p>
@@ -11769,7 +13466,7 @@
           <p:cNvPr id="21" name="Diagram 20">
             <a:extLst>
               <a:ext uri="{FF2B5EF4-FFF2-40B4-BE49-F238E27FC236}">
-                <a16:creationId xmlns:a16="http://schemas.microsoft.com/office/drawing/2014/main" id="{E3B1F8A6-065A-446D-865B-A7233CC9A7C0}"/>
+                <a16:creationId xmlns:a16="http://schemas.microsoft.com/office/drawing/2014/main" xmlns="" id="{E3B1F8A6-065A-446D-865B-A7233CC9A7C0}"/>
               </a:ext>
             </a:extLst>
           </p:cNvPr>
@@ -11777,7 +13474,7 @@
           <p:nvPr>
             <p:extLst>
               <p:ext uri="{D42A27DB-BD31-4B8C-83A1-F6EECF244321}">
-                <p14:modId xmlns:p14="http://schemas.microsoft.com/office/powerpoint/2010/main" val="2900180364"/>
+                <p14:modId xmlns:p14="http://schemas.microsoft.com/office/powerpoint/2010/main" val="1766813437"/>
               </p:ext>
             </p:extLst>
           </p:nvPr>
@@ -11797,7 +13494,7 @@
           <p:cNvPr id="59" name="Rectangle 58">
             <a:extLst>
               <a:ext uri="{FF2B5EF4-FFF2-40B4-BE49-F238E27FC236}">
-                <a16:creationId xmlns:a16="http://schemas.microsoft.com/office/drawing/2014/main" id="{632B674B-5C97-4C65-B93A-0721E9DC16EE}"/>
+                <a16:creationId xmlns:a16="http://schemas.microsoft.com/office/drawing/2014/main" xmlns="" id="{632B674B-5C97-4C65-B93A-0721E9DC16EE}"/>
               </a:ext>
             </a:extLst>
           </p:cNvPr>
@@ -11806,7 +13503,7 @@
         </p:nvSpPr>
         <p:spPr>
           <a:xfrm>
-            <a:off x="3354764" y="22766785"/>
+            <a:off x="3346997" y="22572265"/>
             <a:ext cx="3456385" cy="707886"/>
           </a:xfrm>
           <a:prstGeom prst="rect">
@@ -11852,7 +13549,7 @@
           <p:cNvPr id="60" name="Rectangle 59">
             <a:extLst>
               <a:ext uri="{FF2B5EF4-FFF2-40B4-BE49-F238E27FC236}">
-                <a16:creationId xmlns:a16="http://schemas.microsoft.com/office/drawing/2014/main" id="{1447920C-522C-48BD-BD46-479D0D73E142}"/>
+                <a16:creationId xmlns:a16="http://schemas.microsoft.com/office/drawing/2014/main" xmlns="" id="{1447920C-522C-48BD-BD46-479D0D73E142}"/>
               </a:ext>
             </a:extLst>
           </p:cNvPr>
@@ -11861,8 +13558,8 @@
         </p:nvSpPr>
         <p:spPr>
           <a:xfrm>
-            <a:off x="641236" y="22588206"/>
-            <a:ext cx="2473887" cy="707886"/>
+            <a:off x="682701" y="22356241"/>
+            <a:ext cx="2473887" cy="400110"/>
           </a:xfrm>
           <a:prstGeom prst="rect">
             <a:avLst/>
@@ -11897,11 +13594,1413 @@
                 </a:solidFill>
                 <a:latin typeface="Calibri" panose="020F0502020204030204" pitchFamily="34" charset="0"/>
               </a:rPr>
-              <a:t>Calculate weights of PPI</a:t>
-            </a:r>
+              <a:t>Calculate </a:t>
+            </a:r>
+            <a:r>
+              <a:rPr lang="sr-Latn-BA" sz="2000" dirty="0" smtClean="0">
+                <a:solidFill>
+                  <a:schemeClr val="bg1"/>
+                </a:solidFill>
+                <a:latin typeface="Calibri" panose="020F0502020204030204" pitchFamily="34" charset="0"/>
+              </a:rPr>
+              <a:t>PPI </a:t>
+            </a:r>
+            <a:r>
+              <a:rPr lang="en-US" sz="2000" dirty="0" smtClean="0">
+                <a:solidFill>
+                  <a:schemeClr val="bg1"/>
+                </a:solidFill>
+                <a:latin typeface="Calibri" panose="020F0502020204030204" pitchFamily="34" charset="0"/>
+              </a:rPr>
+              <a:t>weights</a:t>
+            </a:r>
+            <a:endParaRPr lang="en-US" sz="2000" dirty="0">
+              <a:solidFill>
+                <a:schemeClr val="bg1"/>
+              </a:solidFill>
+              <a:latin typeface="Calibri" panose="020F0502020204030204" pitchFamily="34" charset="0"/>
+            </a:endParaRPr>
           </a:p>
         </p:txBody>
       </p:sp>
+      <p:graphicFrame>
+        <p:nvGraphicFramePr>
+          <p:cNvPr id="3" name="Table 2"/>
+          <p:cNvGraphicFramePr>
+            <a:graphicFrameLocks noGrp="1"/>
+          </p:cNvGraphicFramePr>
+          <p:nvPr>
+            <p:extLst>
+              <p:ext uri="{D42A27DB-BD31-4B8C-83A1-F6EECF244321}">
+                <p14:modId xmlns:p14="http://schemas.microsoft.com/office/powerpoint/2010/main" val="4172961993"/>
+              </p:ext>
+            </p:extLst>
+          </p:nvPr>
+        </p:nvGraphicFramePr>
+        <p:xfrm>
+          <a:off x="3707029" y="25596601"/>
+          <a:ext cx="20378272" cy="5088208"/>
+        </p:xfrm>
+        <a:graphic>
+          <a:graphicData uri="http://schemas.openxmlformats.org/drawingml/2006/table">
+            <a:tbl>
+              <a:tblPr firstRow="1" bandRow="1">
+                <a:tableStyleId>{5C22544A-7EE6-4342-B048-85BDC9FD1C3A}</a:tableStyleId>
+              </a:tblPr>
+              <a:tblGrid>
+                <a:gridCol w="2664296"/>
+                <a:gridCol w="1800200"/>
+                <a:gridCol w="2158443"/>
+                <a:gridCol w="1528371"/>
+                <a:gridCol w="2037827"/>
+                <a:gridCol w="2037827"/>
+                <a:gridCol w="2037827"/>
+                <a:gridCol w="2037827"/>
+                <a:gridCol w="2037827"/>
+                <a:gridCol w="2037827"/>
+              </a:tblGrid>
+              <a:tr h="1019980">
+                <a:tc gridSpan="2">
+                  <a:txBody>
+                    <a:bodyPr/>
+                    <a:lstStyle/>
+                    <a:p>
+                      <a:pPr algn="ctr"/>
+                      <a:r>
+                        <a:rPr lang="en-US" sz="3000" dirty="0" smtClean="0"/>
+                        <a:t>Method</a:t>
+                      </a:r>
+                      <a:endParaRPr lang="en-US" sz="3000" dirty="0"/>
+                    </a:p>
+                  </a:txBody>
+                  <a:tcPr anchor="ctr">
+                    <a:lnR w="38100" cap="flat" cmpd="sng" algn="ctr">
+                      <a:solidFill>
+                        <a:schemeClr val="accent1"/>
+                      </a:solidFill>
+                      <a:prstDash val="solid"/>
+                      <a:round/>
+                      <a:headEnd type="none" w="med" len="med"/>
+                      <a:tailEnd type="none" w="med" len="med"/>
+                    </a:lnR>
+                  </a:tcPr>
+                </a:tc>
+                <a:tc hMerge="1">
+                  <a:txBody>
+                    <a:bodyPr/>
+                    <a:lstStyle/>
+                    <a:p>
+                      <a:endParaRPr lang="en-US"/>
+                    </a:p>
+                  </a:txBody>
+                  <a:tcPr/>
+                </a:tc>
+                <a:tc gridSpan="2">
+                  <a:txBody>
+                    <a:bodyPr/>
+                    <a:lstStyle/>
+                    <a:p>
+                      <a:pPr algn="ctr"/>
+                      <a:r>
+                        <a:rPr lang="en-US" sz="3000" dirty="0" smtClean="0"/>
+                        <a:t>Node2vec+</a:t>
+                      </a:r>
+                      <a:endParaRPr lang="en-US" sz="3000" dirty="0"/>
+                    </a:p>
+                  </a:txBody>
+                  <a:tcPr anchor="ctr">
+                    <a:lnL w="38100" cap="flat" cmpd="sng" algn="ctr">
+                      <a:solidFill>
+                        <a:schemeClr val="accent1"/>
+                      </a:solidFill>
+                      <a:prstDash val="solid"/>
+                      <a:round/>
+                      <a:headEnd type="none" w="med" len="med"/>
+                      <a:tailEnd type="none" w="med" len="med"/>
+                    </a:lnL>
+                    <a:lnR w="38100" cap="flat" cmpd="sng" algn="ctr">
+                      <a:solidFill>
+                        <a:schemeClr val="accent1"/>
+                      </a:solidFill>
+                      <a:prstDash val="solid"/>
+                      <a:round/>
+                      <a:headEnd type="none" w="med" len="med"/>
+                      <a:tailEnd type="none" w="med" len="med"/>
+                    </a:lnR>
+                  </a:tcPr>
+                </a:tc>
+                <a:tc hMerge="1">
+                  <a:txBody>
+                    <a:bodyPr/>
+                    <a:lstStyle/>
+                    <a:p>
+                      <a:endParaRPr lang="en-US"/>
+                    </a:p>
+                  </a:txBody>
+                  <a:tcPr/>
+                </a:tc>
+                <a:tc gridSpan="2">
+                  <a:txBody>
+                    <a:bodyPr/>
+                    <a:lstStyle/>
+                    <a:p>
+                      <a:pPr marL="0" marR="0" indent="0" algn="ctr" defTabSz="4079886" rtl="0" eaLnBrk="1" fontAlgn="auto" latinLnBrk="0" hangingPunct="1">
+                        <a:lnSpc>
+                          <a:spcPct val="100000"/>
+                        </a:lnSpc>
+                        <a:spcBef>
+                          <a:spcPts val="0"/>
+                        </a:spcBef>
+                        <a:spcAft>
+                          <a:spcPts val="0"/>
+                        </a:spcAft>
+                        <a:buClrTx/>
+                        <a:buSzTx/>
+                        <a:buFontTx/>
+                        <a:buNone/>
+                        <a:tabLst/>
+                        <a:defRPr/>
+                      </a:pPr>
+                      <a:r>
+                        <a:rPr lang="en-US" sz="3000" dirty="0" smtClean="0"/>
+                        <a:t>Node2vec+</a:t>
+                      </a:r>
+                    </a:p>
+                    <a:p>
+                      <a:pPr algn="ctr"/>
+                      <a:r>
+                        <a:rPr lang="en-US" sz="3000" dirty="0" smtClean="0"/>
+                        <a:t>With A features</a:t>
+                      </a:r>
+                      <a:endParaRPr lang="en-US" sz="3000" dirty="0"/>
+                    </a:p>
+                  </a:txBody>
+                  <a:tcPr anchor="ctr">
+                    <a:lnL w="38100" cap="flat" cmpd="sng" algn="ctr">
+                      <a:solidFill>
+                        <a:schemeClr val="accent1"/>
+                      </a:solidFill>
+                      <a:prstDash val="solid"/>
+                      <a:round/>
+                      <a:headEnd type="none" w="med" len="med"/>
+                      <a:tailEnd type="none" w="med" len="med"/>
+                    </a:lnL>
+                    <a:lnR w="38100" cap="flat" cmpd="sng" algn="ctr">
+                      <a:solidFill>
+                        <a:schemeClr val="accent1"/>
+                      </a:solidFill>
+                      <a:prstDash val="solid"/>
+                      <a:round/>
+                      <a:headEnd type="none" w="med" len="med"/>
+                      <a:tailEnd type="none" w="med" len="med"/>
+                    </a:lnR>
+                  </a:tcPr>
+                </a:tc>
+                <a:tc hMerge="1">
+                  <a:txBody>
+                    <a:bodyPr/>
+                    <a:lstStyle/>
+                    <a:p>
+                      <a:endParaRPr lang="en-US"/>
+                    </a:p>
+                  </a:txBody>
+                  <a:tcPr/>
+                </a:tc>
+                <a:tc gridSpan="2">
+                  <a:txBody>
+                    <a:bodyPr/>
+                    <a:lstStyle/>
+                    <a:p>
+                      <a:pPr marL="0" marR="0" indent="0" algn="ctr" defTabSz="4079886" rtl="0" eaLnBrk="1" fontAlgn="auto" latinLnBrk="0" hangingPunct="1">
+                        <a:lnSpc>
+                          <a:spcPct val="100000"/>
+                        </a:lnSpc>
+                        <a:spcBef>
+                          <a:spcPts val="0"/>
+                        </a:spcBef>
+                        <a:spcAft>
+                          <a:spcPts val="0"/>
+                        </a:spcAft>
+                        <a:buClrTx/>
+                        <a:buSzTx/>
+                        <a:buFontTx/>
+                        <a:buNone/>
+                        <a:tabLst/>
+                        <a:defRPr/>
+                      </a:pPr>
+                      <a:r>
+                        <a:rPr lang="en-US" sz="3000" dirty="0" smtClean="0"/>
+                        <a:t>Node2vec+</a:t>
+                      </a:r>
+                    </a:p>
+                    <a:p>
+                      <a:pPr algn="ctr"/>
+                      <a:r>
+                        <a:rPr lang="en-US" sz="3000" dirty="0" smtClean="0"/>
+                        <a:t>With B features</a:t>
+                      </a:r>
+                      <a:endParaRPr lang="en-US" sz="3000" dirty="0"/>
+                    </a:p>
+                  </a:txBody>
+                  <a:tcPr anchor="ctr">
+                    <a:lnL w="38100" cap="flat" cmpd="sng" algn="ctr">
+                      <a:solidFill>
+                        <a:schemeClr val="accent1"/>
+                      </a:solidFill>
+                      <a:prstDash val="solid"/>
+                      <a:round/>
+                      <a:headEnd type="none" w="med" len="med"/>
+                      <a:tailEnd type="none" w="med" len="med"/>
+                    </a:lnL>
+                    <a:lnR w="38100" cap="flat" cmpd="sng" algn="ctr">
+                      <a:solidFill>
+                        <a:schemeClr val="accent1"/>
+                      </a:solidFill>
+                      <a:prstDash val="solid"/>
+                      <a:round/>
+                      <a:headEnd type="none" w="med" len="med"/>
+                      <a:tailEnd type="none" w="med" len="med"/>
+                    </a:lnR>
+                  </a:tcPr>
+                </a:tc>
+                <a:tc hMerge="1">
+                  <a:txBody>
+                    <a:bodyPr/>
+                    <a:lstStyle/>
+                    <a:p>
+                      <a:endParaRPr lang="en-US"/>
+                    </a:p>
+                  </a:txBody>
+                  <a:tcPr/>
+                </a:tc>
+                <a:tc gridSpan="2">
+                  <a:txBody>
+                    <a:bodyPr/>
+                    <a:lstStyle/>
+                    <a:p>
+                      <a:pPr marL="0" marR="0" indent="0" algn="ctr" defTabSz="4079886" rtl="0" eaLnBrk="1" fontAlgn="auto" latinLnBrk="0" hangingPunct="1">
+                        <a:lnSpc>
+                          <a:spcPct val="100000"/>
+                        </a:lnSpc>
+                        <a:spcBef>
+                          <a:spcPts val="0"/>
+                        </a:spcBef>
+                        <a:spcAft>
+                          <a:spcPts val="0"/>
+                        </a:spcAft>
+                        <a:buClrTx/>
+                        <a:buSzTx/>
+                        <a:buFontTx/>
+                        <a:buNone/>
+                        <a:tabLst/>
+                        <a:defRPr/>
+                      </a:pPr>
+                      <a:r>
+                        <a:rPr lang="en-US" sz="3000" dirty="0" smtClean="0"/>
+                        <a:t>Node2vec+</a:t>
+                      </a:r>
+                    </a:p>
+                    <a:p>
+                      <a:pPr algn="ctr"/>
+                      <a:r>
+                        <a:rPr lang="en-US" sz="3000" dirty="0" smtClean="0"/>
+                        <a:t>With A and B features</a:t>
+                      </a:r>
+                      <a:endParaRPr lang="en-US" sz="3000" dirty="0"/>
+                    </a:p>
+                  </a:txBody>
+                  <a:tcPr anchor="ctr">
+                    <a:lnL w="38100" cap="flat" cmpd="sng" algn="ctr">
+                      <a:solidFill>
+                        <a:schemeClr val="accent1"/>
+                      </a:solidFill>
+                      <a:prstDash val="solid"/>
+                      <a:round/>
+                      <a:headEnd type="none" w="med" len="med"/>
+                      <a:tailEnd type="none" w="med" len="med"/>
+                    </a:lnL>
+                  </a:tcPr>
+                </a:tc>
+                <a:tc hMerge="1">
+                  <a:txBody>
+                    <a:bodyPr/>
+                    <a:lstStyle/>
+                    <a:p>
+                      <a:endParaRPr lang="en-US"/>
+                    </a:p>
+                  </a:txBody>
+                  <a:tcPr/>
+                </a:tc>
+              </a:tr>
+              <a:tr h="839734">
+                <a:tc gridSpan="2">
+                  <a:txBody>
+                    <a:bodyPr/>
+                    <a:lstStyle/>
+                    <a:p>
+                      <a:pPr algn="ctr"/>
+                      <a:r>
+                        <a:rPr lang="en-US" sz="3000" dirty="0" smtClean="0"/>
+                        <a:t>F1 for</a:t>
+                      </a:r>
+                      <a:r>
+                        <a:rPr lang="en-US" sz="3000" baseline="0" dirty="0" smtClean="0"/>
+                        <a:t> non IDP</a:t>
+                      </a:r>
+                      <a:endParaRPr lang="en-US" sz="3000" dirty="0"/>
+                    </a:p>
+                  </a:txBody>
+                  <a:tcPr anchor="ctr">
+                    <a:lnR w="38100" cap="flat" cmpd="sng" algn="ctr">
+                      <a:solidFill>
+                        <a:schemeClr val="accent1"/>
+                      </a:solidFill>
+                      <a:prstDash val="solid"/>
+                      <a:round/>
+                      <a:headEnd type="none" w="med" len="med"/>
+                      <a:tailEnd type="none" w="med" len="med"/>
+                    </a:lnR>
+                  </a:tcPr>
+                </a:tc>
+                <a:tc hMerge="1">
+                  <a:txBody>
+                    <a:bodyPr/>
+                    <a:lstStyle/>
+                    <a:p>
+                      <a:endParaRPr lang="en-US"/>
+                    </a:p>
+                  </a:txBody>
+                  <a:tcPr/>
+                </a:tc>
+                <a:tc gridSpan="2">
+                  <a:txBody>
+                    <a:bodyPr/>
+                    <a:lstStyle/>
+                    <a:p>
+                      <a:pPr algn="ctr"/>
+                      <a:endParaRPr lang="en-US" sz="3000" dirty="0"/>
+                    </a:p>
+                  </a:txBody>
+                  <a:tcPr anchor="ctr">
+                    <a:lnL w="38100" cap="flat" cmpd="sng" algn="ctr">
+                      <a:solidFill>
+                        <a:schemeClr val="accent1"/>
+                      </a:solidFill>
+                      <a:prstDash val="solid"/>
+                      <a:round/>
+                      <a:headEnd type="none" w="med" len="med"/>
+                      <a:tailEnd type="none" w="med" len="med"/>
+                    </a:lnL>
+                    <a:lnR w="38100" cap="flat" cmpd="sng" algn="ctr">
+                      <a:solidFill>
+                        <a:schemeClr val="accent1"/>
+                      </a:solidFill>
+                      <a:prstDash val="solid"/>
+                      <a:round/>
+                      <a:headEnd type="none" w="med" len="med"/>
+                      <a:tailEnd type="none" w="med" len="med"/>
+                    </a:lnR>
+                  </a:tcPr>
+                </a:tc>
+                <a:tc hMerge="1">
+                  <a:txBody>
+                    <a:bodyPr/>
+                    <a:lstStyle/>
+                    <a:p>
+                      <a:endParaRPr lang="en-US"/>
+                    </a:p>
+                  </a:txBody>
+                  <a:tcPr/>
+                </a:tc>
+                <a:tc gridSpan="2">
+                  <a:txBody>
+                    <a:bodyPr/>
+                    <a:lstStyle/>
+                    <a:p>
+                      <a:pPr algn="ctr"/>
+                      <a:endParaRPr lang="en-US" sz="3000" dirty="0"/>
+                    </a:p>
+                  </a:txBody>
+                  <a:tcPr anchor="ctr">
+                    <a:lnL w="38100" cap="flat" cmpd="sng" algn="ctr">
+                      <a:solidFill>
+                        <a:schemeClr val="accent1"/>
+                      </a:solidFill>
+                      <a:prstDash val="solid"/>
+                      <a:round/>
+                      <a:headEnd type="none" w="med" len="med"/>
+                      <a:tailEnd type="none" w="med" len="med"/>
+                    </a:lnL>
+                    <a:lnR w="38100" cap="flat" cmpd="sng" algn="ctr">
+                      <a:solidFill>
+                        <a:schemeClr val="accent1"/>
+                      </a:solidFill>
+                      <a:prstDash val="solid"/>
+                      <a:round/>
+                      <a:headEnd type="none" w="med" len="med"/>
+                      <a:tailEnd type="none" w="med" len="med"/>
+                    </a:lnR>
+                  </a:tcPr>
+                </a:tc>
+                <a:tc hMerge="1">
+                  <a:txBody>
+                    <a:bodyPr/>
+                    <a:lstStyle/>
+                    <a:p>
+                      <a:endParaRPr lang="en-US"/>
+                    </a:p>
+                  </a:txBody>
+                  <a:tcPr/>
+                </a:tc>
+                <a:tc gridSpan="2">
+                  <a:txBody>
+                    <a:bodyPr/>
+                    <a:lstStyle/>
+                    <a:p>
+                      <a:pPr algn="ctr"/>
+                      <a:endParaRPr lang="en-US" sz="3000" dirty="0"/>
+                    </a:p>
+                  </a:txBody>
+                  <a:tcPr anchor="ctr">
+                    <a:lnL w="38100" cap="flat" cmpd="sng" algn="ctr">
+                      <a:solidFill>
+                        <a:schemeClr val="accent1"/>
+                      </a:solidFill>
+                      <a:prstDash val="solid"/>
+                      <a:round/>
+                      <a:headEnd type="none" w="med" len="med"/>
+                      <a:tailEnd type="none" w="med" len="med"/>
+                    </a:lnL>
+                    <a:lnR w="38100" cap="flat" cmpd="sng" algn="ctr">
+                      <a:solidFill>
+                        <a:schemeClr val="accent1"/>
+                      </a:solidFill>
+                      <a:prstDash val="solid"/>
+                      <a:round/>
+                      <a:headEnd type="none" w="med" len="med"/>
+                      <a:tailEnd type="none" w="med" len="med"/>
+                    </a:lnR>
+                  </a:tcPr>
+                </a:tc>
+                <a:tc hMerge="1">
+                  <a:txBody>
+                    <a:bodyPr/>
+                    <a:lstStyle/>
+                    <a:p>
+                      <a:endParaRPr lang="en-US"/>
+                    </a:p>
+                  </a:txBody>
+                  <a:tcPr/>
+                </a:tc>
+                <a:tc gridSpan="2">
+                  <a:txBody>
+                    <a:bodyPr/>
+                    <a:lstStyle/>
+                    <a:p>
+                      <a:pPr algn="ctr"/>
+                      <a:endParaRPr lang="en-US" sz="3000"/>
+                    </a:p>
+                  </a:txBody>
+                  <a:tcPr anchor="ctr">
+                    <a:lnL w="38100" cap="flat" cmpd="sng" algn="ctr">
+                      <a:solidFill>
+                        <a:schemeClr val="accent1"/>
+                      </a:solidFill>
+                      <a:prstDash val="solid"/>
+                      <a:round/>
+                      <a:headEnd type="none" w="med" len="med"/>
+                      <a:tailEnd type="none" w="med" len="med"/>
+                    </a:lnL>
+                  </a:tcPr>
+                </a:tc>
+                <a:tc hMerge="1">
+                  <a:txBody>
+                    <a:bodyPr/>
+                    <a:lstStyle/>
+                    <a:p>
+                      <a:endParaRPr lang="en-US"/>
+                    </a:p>
+                  </a:txBody>
+                  <a:tcPr/>
+                </a:tc>
+              </a:tr>
+              <a:tr h="839734">
+                <a:tc gridSpan="2">
+                  <a:txBody>
+                    <a:bodyPr/>
+                    <a:lstStyle/>
+                    <a:p>
+                      <a:pPr marL="0" marR="0" indent="0" algn="ctr" defTabSz="4079886" rtl="0" eaLnBrk="1" fontAlgn="auto" latinLnBrk="0" hangingPunct="1">
+                        <a:lnSpc>
+                          <a:spcPct val="100000"/>
+                        </a:lnSpc>
+                        <a:spcBef>
+                          <a:spcPts val="0"/>
+                        </a:spcBef>
+                        <a:spcAft>
+                          <a:spcPts val="0"/>
+                        </a:spcAft>
+                        <a:buClrTx/>
+                        <a:buSzTx/>
+                        <a:buFontTx/>
+                        <a:buNone/>
+                        <a:tabLst/>
+                        <a:defRPr/>
+                      </a:pPr>
+                      <a:r>
+                        <a:rPr lang="en-US" sz="3000" dirty="0" smtClean="0"/>
+                        <a:t>F1</a:t>
+                      </a:r>
+                      <a:r>
+                        <a:rPr lang="en-US" sz="3000" baseline="0" dirty="0" smtClean="0"/>
+                        <a:t> for IDP</a:t>
+                      </a:r>
+                      <a:endParaRPr lang="en-US" sz="3000" dirty="0" smtClean="0"/>
+                    </a:p>
+                  </a:txBody>
+                  <a:tcPr anchor="ctr">
+                    <a:lnR w="38100" cap="flat" cmpd="sng" algn="ctr">
+                      <a:solidFill>
+                        <a:schemeClr val="accent1"/>
+                      </a:solidFill>
+                      <a:prstDash val="solid"/>
+                      <a:round/>
+                      <a:headEnd type="none" w="med" len="med"/>
+                      <a:tailEnd type="none" w="med" len="med"/>
+                    </a:lnR>
+                  </a:tcPr>
+                </a:tc>
+                <a:tc hMerge="1">
+                  <a:txBody>
+                    <a:bodyPr/>
+                    <a:lstStyle/>
+                    <a:p>
+                      <a:endParaRPr lang="en-US"/>
+                    </a:p>
+                  </a:txBody>
+                  <a:tcPr/>
+                </a:tc>
+                <a:tc gridSpan="2">
+                  <a:txBody>
+                    <a:bodyPr/>
+                    <a:lstStyle/>
+                    <a:p>
+                      <a:pPr algn="ctr"/>
+                      <a:endParaRPr lang="en-US" sz="3000" dirty="0"/>
+                    </a:p>
+                  </a:txBody>
+                  <a:tcPr anchor="ctr">
+                    <a:lnL w="38100" cap="flat" cmpd="sng" algn="ctr">
+                      <a:solidFill>
+                        <a:schemeClr val="accent1"/>
+                      </a:solidFill>
+                      <a:prstDash val="solid"/>
+                      <a:round/>
+                      <a:headEnd type="none" w="med" len="med"/>
+                      <a:tailEnd type="none" w="med" len="med"/>
+                    </a:lnL>
+                    <a:lnR w="38100" cap="flat" cmpd="sng" algn="ctr">
+                      <a:solidFill>
+                        <a:schemeClr val="accent1"/>
+                      </a:solidFill>
+                      <a:prstDash val="solid"/>
+                      <a:round/>
+                      <a:headEnd type="none" w="med" len="med"/>
+                      <a:tailEnd type="none" w="med" len="med"/>
+                    </a:lnR>
+                  </a:tcPr>
+                </a:tc>
+                <a:tc hMerge="1">
+                  <a:txBody>
+                    <a:bodyPr/>
+                    <a:lstStyle/>
+                    <a:p>
+                      <a:endParaRPr lang="en-US"/>
+                    </a:p>
+                  </a:txBody>
+                  <a:tcPr/>
+                </a:tc>
+                <a:tc gridSpan="2">
+                  <a:txBody>
+                    <a:bodyPr/>
+                    <a:lstStyle/>
+                    <a:p>
+                      <a:pPr algn="ctr"/>
+                      <a:endParaRPr lang="en-US" sz="3000"/>
+                    </a:p>
+                  </a:txBody>
+                  <a:tcPr anchor="ctr">
+                    <a:lnL w="38100" cap="flat" cmpd="sng" algn="ctr">
+                      <a:solidFill>
+                        <a:schemeClr val="accent1"/>
+                      </a:solidFill>
+                      <a:prstDash val="solid"/>
+                      <a:round/>
+                      <a:headEnd type="none" w="med" len="med"/>
+                      <a:tailEnd type="none" w="med" len="med"/>
+                    </a:lnL>
+                    <a:lnR w="38100" cap="flat" cmpd="sng" algn="ctr">
+                      <a:solidFill>
+                        <a:schemeClr val="accent1"/>
+                      </a:solidFill>
+                      <a:prstDash val="solid"/>
+                      <a:round/>
+                      <a:headEnd type="none" w="med" len="med"/>
+                      <a:tailEnd type="none" w="med" len="med"/>
+                    </a:lnR>
+                  </a:tcPr>
+                </a:tc>
+                <a:tc hMerge="1">
+                  <a:txBody>
+                    <a:bodyPr/>
+                    <a:lstStyle/>
+                    <a:p>
+                      <a:endParaRPr lang="en-US"/>
+                    </a:p>
+                  </a:txBody>
+                  <a:tcPr/>
+                </a:tc>
+                <a:tc gridSpan="2">
+                  <a:txBody>
+                    <a:bodyPr/>
+                    <a:lstStyle/>
+                    <a:p>
+                      <a:pPr algn="ctr"/>
+                      <a:endParaRPr lang="en-US" sz="3000" dirty="0"/>
+                    </a:p>
+                  </a:txBody>
+                  <a:tcPr anchor="ctr">
+                    <a:lnL w="38100" cap="flat" cmpd="sng" algn="ctr">
+                      <a:solidFill>
+                        <a:schemeClr val="accent1"/>
+                      </a:solidFill>
+                      <a:prstDash val="solid"/>
+                      <a:round/>
+                      <a:headEnd type="none" w="med" len="med"/>
+                      <a:tailEnd type="none" w="med" len="med"/>
+                    </a:lnL>
+                    <a:lnR w="38100" cap="flat" cmpd="sng" algn="ctr">
+                      <a:solidFill>
+                        <a:schemeClr val="accent1"/>
+                      </a:solidFill>
+                      <a:prstDash val="solid"/>
+                      <a:round/>
+                      <a:headEnd type="none" w="med" len="med"/>
+                      <a:tailEnd type="none" w="med" len="med"/>
+                    </a:lnR>
+                  </a:tcPr>
+                </a:tc>
+                <a:tc hMerge="1">
+                  <a:txBody>
+                    <a:bodyPr/>
+                    <a:lstStyle/>
+                    <a:p>
+                      <a:endParaRPr lang="en-US"/>
+                    </a:p>
+                  </a:txBody>
+                  <a:tcPr/>
+                </a:tc>
+                <a:tc gridSpan="2">
+                  <a:txBody>
+                    <a:bodyPr/>
+                    <a:lstStyle/>
+                    <a:p>
+                      <a:pPr algn="ctr"/>
+                      <a:endParaRPr lang="en-US" sz="3000" dirty="0"/>
+                    </a:p>
+                  </a:txBody>
+                  <a:tcPr anchor="ctr">
+                    <a:lnL w="38100" cap="flat" cmpd="sng" algn="ctr">
+                      <a:solidFill>
+                        <a:schemeClr val="accent1"/>
+                      </a:solidFill>
+                      <a:prstDash val="solid"/>
+                      <a:round/>
+                      <a:headEnd type="none" w="med" len="med"/>
+                      <a:tailEnd type="none" w="med" len="med"/>
+                    </a:lnL>
+                  </a:tcPr>
+                </a:tc>
+                <a:tc hMerge="1">
+                  <a:txBody>
+                    <a:bodyPr/>
+                    <a:lstStyle/>
+                    <a:p>
+                      <a:endParaRPr lang="en-US"/>
+                    </a:p>
+                  </a:txBody>
+                  <a:tcPr/>
+                </a:tc>
+              </a:tr>
+              <a:tr h="839734">
+                <a:tc rowSpan="3">
+                  <a:txBody>
+                    <a:bodyPr/>
+                    <a:lstStyle/>
+                    <a:p>
+                      <a:pPr algn="ctr"/>
+                      <a:r>
+                        <a:rPr lang="en-US" sz="3000" dirty="0" smtClean="0"/>
+                        <a:t>Confusion</a:t>
+                      </a:r>
+                      <a:r>
+                        <a:rPr lang="en-US" sz="3000" baseline="0" dirty="0" smtClean="0"/>
+                        <a:t> </a:t>
+                      </a:r>
+                    </a:p>
+                    <a:p>
+                      <a:pPr algn="ctr"/>
+                      <a:r>
+                        <a:rPr lang="en-US" sz="3000" baseline="0" dirty="0" smtClean="0"/>
+                        <a:t>matrix</a:t>
+                      </a:r>
+                      <a:endParaRPr lang="en-US" sz="3000" dirty="0"/>
+                    </a:p>
+                  </a:txBody>
+                  <a:tcPr anchor="ctr"/>
+                </a:tc>
+                <a:tc>
+                  <a:txBody>
+                    <a:bodyPr/>
+                    <a:lstStyle/>
+                    <a:p>
+                      <a:pPr algn="ctr"/>
+                      <a:endParaRPr lang="en-US" sz="3000" dirty="0"/>
+                    </a:p>
+                  </a:txBody>
+                  <a:tcPr anchor="ctr">
+                    <a:lnR w="38100" cap="flat" cmpd="sng" algn="ctr">
+                      <a:solidFill>
+                        <a:schemeClr val="accent1"/>
+                      </a:solidFill>
+                      <a:prstDash val="solid"/>
+                      <a:round/>
+                      <a:headEnd type="none" w="med" len="med"/>
+                      <a:tailEnd type="none" w="med" len="med"/>
+                    </a:lnR>
+                  </a:tcPr>
+                </a:tc>
+                <a:tc>
+                  <a:txBody>
+                    <a:bodyPr/>
+                    <a:lstStyle/>
+                    <a:p>
+                      <a:pPr algn="ctr"/>
+                      <a:r>
+                        <a:rPr lang="en-US" sz="3000" baseline="0" dirty="0" smtClean="0"/>
+                        <a:t>non IDP</a:t>
+                      </a:r>
+                      <a:endParaRPr lang="en-US" sz="3000" dirty="0"/>
+                    </a:p>
+                  </a:txBody>
+                  <a:tcPr anchor="ctr">
+                    <a:lnL w="38100" cap="flat" cmpd="sng" algn="ctr">
+                      <a:solidFill>
+                        <a:schemeClr val="accent1"/>
+                      </a:solidFill>
+                      <a:prstDash val="solid"/>
+                      <a:round/>
+                      <a:headEnd type="none" w="med" len="med"/>
+                      <a:tailEnd type="none" w="med" len="med"/>
+                    </a:lnL>
+                  </a:tcPr>
+                </a:tc>
+                <a:tc>
+                  <a:txBody>
+                    <a:bodyPr/>
+                    <a:lstStyle/>
+                    <a:p>
+                      <a:pPr algn="ctr"/>
+                      <a:r>
+                        <a:rPr lang="en-US" sz="3000" dirty="0" smtClean="0"/>
+                        <a:t>IDP</a:t>
+                      </a:r>
+                      <a:endParaRPr lang="en-US" sz="3000" dirty="0"/>
+                    </a:p>
+                  </a:txBody>
+                  <a:tcPr anchor="ctr">
+                    <a:lnR w="38100" cap="flat" cmpd="sng" algn="ctr">
+                      <a:solidFill>
+                        <a:schemeClr val="accent1"/>
+                      </a:solidFill>
+                      <a:prstDash val="solid"/>
+                      <a:round/>
+                      <a:headEnd type="none" w="med" len="med"/>
+                      <a:tailEnd type="none" w="med" len="med"/>
+                    </a:lnR>
+                  </a:tcPr>
+                </a:tc>
+                <a:tc>
+                  <a:txBody>
+                    <a:bodyPr/>
+                    <a:lstStyle/>
+                    <a:p>
+                      <a:pPr algn="ctr"/>
+                      <a:r>
+                        <a:rPr lang="en-US" sz="3000" baseline="0" dirty="0" smtClean="0"/>
+                        <a:t>non IDP</a:t>
+                      </a:r>
+                      <a:endParaRPr lang="en-US" sz="3000" dirty="0"/>
+                    </a:p>
+                  </a:txBody>
+                  <a:tcPr anchor="ctr">
+                    <a:lnL w="38100" cap="flat" cmpd="sng" algn="ctr">
+                      <a:solidFill>
+                        <a:schemeClr val="accent1"/>
+                      </a:solidFill>
+                      <a:prstDash val="solid"/>
+                      <a:round/>
+                      <a:headEnd type="none" w="med" len="med"/>
+                      <a:tailEnd type="none" w="med" len="med"/>
+                    </a:lnL>
+                  </a:tcPr>
+                </a:tc>
+                <a:tc>
+                  <a:txBody>
+                    <a:bodyPr/>
+                    <a:lstStyle/>
+                    <a:p>
+                      <a:pPr algn="ctr"/>
+                      <a:r>
+                        <a:rPr lang="en-US" sz="3000" dirty="0" smtClean="0"/>
+                        <a:t>IDP</a:t>
+                      </a:r>
+                      <a:endParaRPr lang="en-US" sz="3000" dirty="0"/>
+                    </a:p>
+                  </a:txBody>
+                  <a:tcPr anchor="ctr">
+                    <a:lnR w="38100" cap="flat" cmpd="sng" algn="ctr">
+                      <a:solidFill>
+                        <a:schemeClr val="accent1"/>
+                      </a:solidFill>
+                      <a:prstDash val="solid"/>
+                      <a:round/>
+                      <a:headEnd type="none" w="med" len="med"/>
+                      <a:tailEnd type="none" w="med" len="med"/>
+                    </a:lnR>
+                  </a:tcPr>
+                </a:tc>
+                <a:tc>
+                  <a:txBody>
+                    <a:bodyPr/>
+                    <a:lstStyle/>
+                    <a:p>
+                      <a:pPr algn="ctr"/>
+                      <a:r>
+                        <a:rPr lang="en-US" sz="3000" baseline="0" dirty="0" smtClean="0"/>
+                        <a:t>non IDP</a:t>
+                      </a:r>
+                      <a:endParaRPr lang="en-US" sz="3000" dirty="0"/>
+                    </a:p>
+                  </a:txBody>
+                  <a:tcPr anchor="ctr">
+                    <a:lnL w="38100" cap="flat" cmpd="sng" algn="ctr">
+                      <a:solidFill>
+                        <a:schemeClr val="accent1"/>
+                      </a:solidFill>
+                      <a:prstDash val="solid"/>
+                      <a:round/>
+                      <a:headEnd type="none" w="med" len="med"/>
+                      <a:tailEnd type="none" w="med" len="med"/>
+                    </a:lnL>
+                  </a:tcPr>
+                </a:tc>
+                <a:tc>
+                  <a:txBody>
+                    <a:bodyPr/>
+                    <a:lstStyle/>
+                    <a:p>
+                      <a:pPr algn="ctr"/>
+                      <a:r>
+                        <a:rPr lang="en-US" sz="3000" dirty="0" smtClean="0"/>
+                        <a:t>IDP</a:t>
+                      </a:r>
+                      <a:endParaRPr lang="en-US" sz="3000" dirty="0"/>
+                    </a:p>
+                  </a:txBody>
+                  <a:tcPr anchor="ctr">
+                    <a:lnR w="38100" cap="flat" cmpd="sng" algn="ctr">
+                      <a:solidFill>
+                        <a:schemeClr val="accent1"/>
+                      </a:solidFill>
+                      <a:prstDash val="solid"/>
+                      <a:round/>
+                      <a:headEnd type="none" w="med" len="med"/>
+                      <a:tailEnd type="none" w="med" len="med"/>
+                    </a:lnR>
+                  </a:tcPr>
+                </a:tc>
+                <a:tc>
+                  <a:txBody>
+                    <a:bodyPr/>
+                    <a:lstStyle/>
+                    <a:p>
+                      <a:pPr algn="ctr"/>
+                      <a:r>
+                        <a:rPr lang="en-US" sz="3000" baseline="0" dirty="0" smtClean="0"/>
+                        <a:t>non IDP</a:t>
+                      </a:r>
+                      <a:endParaRPr lang="en-US" sz="3000" dirty="0"/>
+                    </a:p>
+                  </a:txBody>
+                  <a:tcPr anchor="ctr">
+                    <a:lnL w="38100" cap="flat" cmpd="sng" algn="ctr">
+                      <a:solidFill>
+                        <a:schemeClr val="accent1"/>
+                      </a:solidFill>
+                      <a:prstDash val="solid"/>
+                      <a:round/>
+                      <a:headEnd type="none" w="med" len="med"/>
+                      <a:tailEnd type="none" w="med" len="med"/>
+                    </a:lnL>
+                  </a:tcPr>
+                </a:tc>
+                <a:tc>
+                  <a:txBody>
+                    <a:bodyPr/>
+                    <a:lstStyle/>
+                    <a:p>
+                      <a:pPr algn="ctr"/>
+                      <a:r>
+                        <a:rPr lang="en-US" sz="3000" dirty="0" smtClean="0"/>
+                        <a:t>IDP</a:t>
+                      </a:r>
+                      <a:endParaRPr lang="en-US" sz="3000" dirty="0"/>
+                    </a:p>
+                  </a:txBody>
+                  <a:tcPr anchor="ctr"/>
+                </a:tc>
+              </a:tr>
+              <a:tr h="709292">
+                <a:tc vMerge="1">
+                  <a:txBody>
+                    <a:bodyPr/>
+                    <a:lstStyle/>
+                    <a:p>
+                      <a:pPr algn="ctr"/>
+                      <a:endParaRPr lang="en-US" sz="3000" dirty="0"/>
+                    </a:p>
+                  </a:txBody>
+                  <a:tcPr anchor="ctr"/>
+                </a:tc>
+                <a:tc>
+                  <a:txBody>
+                    <a:bodyPr/>
+                    <a:lstStyle/>
+                    <a:p>
+                      <a:pPr marL="0" marR="0" indent="0" algn="l" defTabSz="4079886" rtl="0" eaLnBrk="1" fontAlgn="auto" latinLnBrk="0" hangingPunct="1">
+                        <a:lnSpc>
+                          <a:spcPct val="100000"/>
+                        </a:lnSpc>
+                        <a:spcBef>
+                          <a:spcPts val="0"/>
+                        </a:spcBef>
+                        <a:spcAft>
+                          <a:spcPts val="0"/>
+                        </a:spcAft>
+                        <a:buClrTx/>
+                        <a:buSzTx/>
+                        <a:buFontTx/>
+                        <a:buNone/>
+                        <a:tabLst/>
+                        <a:defRPr/>
+                      </a:pPr>
+                      <a:r>
+                        <a:rPr lang="en-US" sz="3000" kern="1200" baseline="0" dirty="0" smtClean="0">
+                          <a:solidFill>
+                            <a:schemeClr val="dk1"/>
+                          </a:solidFill>
+                          <a:latin typeface="+mn-lt"/>
+                          <a:ea typeface="+mn-ea"/>
+                          <a:cs typeface="+mn-cs"/>
+                        </a:rPr>
+                        <a:t>non IDP</a:t>
+                      </a:r>
+                    </a:p>
+                  </a:txBody>
+                  <a:tcPr anchor="ctr">
+                    <a:lnR w="38100" cap="flat" cmpd="sng" algn="ctr">
+                      <a:solidFill>
+                        <a:schemeClr val="accent1"/>
+                      </a:solidFill>
+                      <a:prstDash val="solid"/>
+                      <a:round/>
+                      <a:headEnd type="none" w="med" len="med"/>
+                      <a:tailEnd type="none" w="med" len="med"/>
+                    </a:lnR>
+                  </a:tcPr>
+                </a:tc>
+                <a:tc>
+                  <a:txBody>
+                    <a:bodyPr/>
+                    <a:lstStyle/>
+                    <a:p>
+                      <a:pPr algn="ctr"/>
+                      <a:endParaRPr lang="en-US" sz="3000" dirty="0"/>
+                    </a:p>
+                  </a:txBody>
+                  <a:tcPr anchor="ctr">
+                    <a:lnL w="38100" cap="flat" cmpd="sng" algn="ctr">
+                      <a:solidFill>
+                        <a:schemeClr val="accent1"/>
+                      </a:solidFill>
+                      <a:prstDash val="solid"/>
+                      <a:round/>
+                      <a:headEnd type="none" w="med" len="med"/>
+                      <a:tailEnd type="none" w="med" len="med"/>
+                    </a:lnL>
+                  </a:tcPr>
+                </a:tc>
+                <a:tc>
+                  <a:txBody>
+                    <a:bodyPr/>
+                    <a:lstStyle/>
+                    <a:p>
+                      <a:pPr algn="ctr"/>
+                      <a:endParaRPr lang="en-US" sz="3000" dirty="0"/>
+                    </a:p>
+                  </a:txBody>
+                  <a:tcPr anchor="ctr">
+                    <a:lnR w="38100" cap="flat" cmpd="sng" algn="ctr">
+                      <a:solidFill>
+                        <a:schemeClr val="accent1"/>
+                      </a:solidFill>
+                      <a:prstDash val="solid"/>
+                      <a:round/>
+                      <a:headEnd type="none" w="med" len="med"/>
+                      <a:tailEnd type="none" w="med" len="med"/>
+                    </a:lnR>
+                  </a:tcPr>
+                </a:tc>
+                <a:tc>
+                  <a:txBody>
+                    <a:bodyPr/>
+                    <a:lstStyle/>
+                    <a:p>
+                      <a:pPr algn="ctr"/>
+                      <a:endParaRPr lang="en-US" sz="3000" dirty="0"/>
+                    </a:p>
+                  </a:txBody>
+                  <a:tcPr anchor="ctr">
+                    <a:lnL w="38100" cap="flat" cmpd="sng" algn="ctr">
+                      <a:solidFill>
+                        <a:schemeClr val="accent1"/>
+                      </a:solidFill>
+                      <a:prstDash val="solid"/>
+                      <a:round/>
+                      <a:headEnd type="none" w="med" len="med"/>
+                      <a:tailEnd type="none" w="med" len="med"/>
+                    </a:lnL>
+                  </a:tcPr>
+                </a:tc>
+                <a:tc>
+                  <a:txBody>
+                    <a:bodyPr/>
+                    <a:lstStyle/>
+                    <a:p>
+                      <a:pPr algn="ctr"/>
+                      <a:endParaRPr lang="en-US" sz="3000" dirty="0"/>
+                    </a:p>
+                  </a:txBody>
+                  <a:tcPr anchor="ctr">
+                    <a:lnR w="38100" cap="flat" cmpd="sng" algn="ctr">
+                      <a:solidFill>
+                        <a:schemeClr val="accent1"/>
+                      </a:solidFill>
+                      <a:prstDash val="solid"/>
+                      <a:round/>
+                      <a:headEnd type="none" w="med" len="med"/>
+                      <a:tailEnd type="none" w="med" len="med"/>
+                    </a:lnR>
+                  </a:tcPr>
+                </a:tc>
+                <a:tc>
+                  <a:txBody>
+                    <a:bodyPr/>
+                    <a:lstStyle/>
+                    <a:p>
+                      <a:pPr algn="ctr"/>
+                      <a:endParaRPr lang="en-US" sz="3000" dirty="0"/>
+                    </a:p>
+                  </a:txBody>
+                  <a:tcPr anchor="ctr">
+                    <a:lnL w="38100" cap="flat" cmpd="sng" algn="ctr">
+                      <a:solidFill>
+                        <a:schemeClr val="accent1"/>
+                      </a:solidFill>
+                      <a:prstDash val="solid"/>
+                      <a:round/>
+                      <a:headEnd type="none" w="med" len="med"/>
+                      <a:tailEnd type="none" w="med" len="med"/>
+                    </a:lnL>
+                  </a:tcPr>
+                </a:tc>
+                <a:tc>
+                  <a:txBody>
+                    <a:bodyPr/>
+                    <a:lstStyle/>
+                    <a:p>
+                      <a:pPr algn="ctr"/>
+                      <a:endParaRPr lang="en-US" sz="3000" dirty="0"/>
+                    </a:p>
+                  </a:txBody>
+                  <a:tcPr anchor="ctr">
+                    <a:lnR w="38100" cap="flat" cmpd="sng" algn="ctr">
+                      <a:solidFill>
+                        <a:schemeClr val="accent1"/>
+                      </a:solidFill>
+                      <a:prstDash val="solid"/>
+                      <a:round/>
+                      <a:headEnd type="none" w="med" len="med"/>
+                      <a:tailEnd type="none" w="med" len="med"/>
+                    </a:lnR>
+                  </a:tcPr>
+                </a:tc>
+                <a:tc>
+                  <a:txBody>
+                    <a:bodyPr/>
+                    <a:lstStyle/>
+                    <a:p>
+                      <a:pPr algn="ctr"/>
+                      <a:endParaRPr lang="en-US" sz="3000" dirty="0"/>
+                    </a:p>
+                  </a:txBody>
+                  <a:tcPr anchor="ctr">
+                    <a:lnL w="38100" cap="flat" cmpd="sng" algn="ctr">
+                      <a:solidFill>
+                        <a:schemeClr val="accent1"/>
+                      </a:solidFill>
+                      <a:prstDash val="solid"/>
+                      <a:round/>
+                      <a:headEnd type="none" w="med" len="med"/>
+                      <a:tailEnd type="none" w="med" len="med"/>
+                    </a:lnL>
+                  </a:tcPr>
+                </a:tc>
+                <a:tc>
+                  <a:txBody>
+                    <a:bodyPr/>
+                    <a:lstStyle/>
+                    <a:p>
+                      <a:pPr algn="ctr"/>
+                      <a:endParaRPr lang="en-US" sz="3000" dirty="0"/>
+                    </a:p>
+                  </a:txBody>
+                  <a:tcPr anchor="ctr"/>
+                </a:tc>
+              </a:tr>
+              <a:tr h="839734">
+                <a:tc vMerge="1">
+                  <a:txBody>
+                    <a:bodyPr/>
+                    <a:lstStyle/>
+                    <a:p>
+                      <a:endParaRPr lang="en-US" sz="3000" dirty="0"/>
+                    </a:p>
+                  </a:txBody>
+                  <a:tcPr/>
+                </a:tc>
+                <a:tc>
+                  <a:txBody>
+                    <a:bodyPr/>
+                    <a:lstStyle/>
+                    <a:p>
+                      <a:r>
+                        <a:rPr lang="en-US" sz="3000" kern="1200" baseline="0" dirty="0" smtClean="0">
+                          <a:solidFill>
+                            <a:schemeClr val="dk1"/>
+                          </a:solidFill>
+                          <a:latin typeface="+mn-lt"/>
+                          <a:ea typeface="+mn-ea"/>
+                          <a:cs typeface="+mn-cs"/>
+                        </a:rPr>
+                        <a:t>IDP</a:t>
+                      </a:r>
+                      <a:endParaRPr lang="en-US" sz="3000" kern="1200" baseline="0" dirty="0">
+                        <a:solidFill>
+                          <a:schemeClr val="dk1"/>
+                        </a:solidFill>
+                        <a:latin typeface="+mn-lt"/>
+                        <a:ea typeface="+mn-ea"/>
+                        <a:cs typeface="+mn-cs"/>
+                      </a:endParaRPr>
+                    </a:p>
+                  </a:txBody>
+                  <a:tcPr anchor="ctr">
+                    <a:lnR w="38100" cap="flat" cmpd="sng" algn="ctr">
+                      <a:solidFill>
+                        <a:schemeClr val="accent1"/>
+                      </a:solidFill>
+                      <a:prstDash val="solid"/>
+                      <a:round/>
+                      <a:headEnd type="none" w="med" len="med"/>
+                      <a:tailEnd type="none" w="med" len="med"/>
+                    </a:lnR>
+                  </a:tcPr>
+                </a:tc>
+                <a:tc>
+                  <a:txBody>
+                    <a:bodyPr/>
+                    <a:lstStyle/>
+                    <a:p>
+                      <a:pPr algn="ctr"/>
+                      <a:endParaRPr lang="en-US" sz="3000" dirty="0"/>
+                    </a:p>
+                  </a:txBody>
+                  <a:tcPr anchor="ctr">
+                    <a:lnL w="38100" cap="flat" cmpd="sng" algn="ctr">
+                      <a:solidFill>
+                        <a:schemeClr val="accent1"/>
+                      </a:solidFill>
+                      <a:prstDash val="solid"/>
+                      <a:round/>
+                      <a:headEnd type="none" w="med" len="med"/>
+                      <a:tailEnd type="none" w="med" len="med"/>
+                    </a:lnL>
+                  </a:tcPr>
+                </a:tc>
+                <a:tc>
+                  <a:txBody>
+                    <a:bodyPr/>
+                    <a:lstStyle/>
+                    <a:p>
+                      <a:pPr algn="ctr"/>
+                      <a:endParaRPr lang="en-US" sz="3000" dirty="0"/>
+                    </a:p>
+                  </a:txBody>
+                  <a:tcPr anchor="ctr">
+                    <a:lnR w="38100" cap="flat" cmpd="sng" algn="ctr">
+                      <a:solidFill>
+                        <a:schemeClr val="accent1"/>
+                      </a:solidFill>
+                      <a:prstDash val="solid"/>
+                      <a:round/>
+                      <a:headEnd type="none" w="med" len="med"/>
+                      <a:tailEnd type="none" w="med" len="med"/>
+                    </a:lnR>
+                  </a:tcPr>
+                </a:tc>
+                <a:tc>
+                  <a:txBody>
+                    <a:bodyPr/>
+                    <a:lstStyle/>
+                    <a:p>
+                      <a:pPr algn="ctr"/>
+                      <a:endParaRPr lang="en-US" sz="3000" dirty="0"/>
+                    </a:p>
+                  </a:txBody>
+                  <a:tcPr anchor="ctr">
+                    <a:lnL w="38100" cap="flat" cmpd="sng" algn="ctr">
+                      <a:solidFill>
+                        <a:schemeClr val="accent1"/>
+                      </a:solidFill>
+                      <a:prstDash val="solid"/>
+                      <a:round/>
+                      <a:headEnd type="none" w="med" len="med"/>
+                      <a:tailEnd type="none" w="med" len="med"/>
+                    </a:lnL>
+                  </a:tcPr>
+                </a:tc>
+                <a:tc>
+                  <a:txBody>
+                    <a:bodyPr/>
+                    <a:lstStyle/>
+                    <a:p>
+                      <a:pPr algn="ctr"/>
+                      <a:endParaRPr lang="en-US" sz="3000" dirty="0"/>
+                    </a:p>
+                  </a:txBody>
+                  <a:tcPr anchor="ctr">
+                    <a:lnR w="38100" cap="flat" cmpd="sng" algn="ctr">
+                      <a:solidFill>
+                        <a:schemeClr val="accent1"/>
+                      </a:solidFill>
+                      <a:prstDash val="solid"/>
+                      <a:round/>
+                      <a:headEnd type="none" w="med" len="med"/>
+                      <a:tailEnd type="none" w="med" len="med"/>
+                    </a:lnR>
+                  </a:tcPr>
+                </a:tc>
+                <a:tc>
+                  <a:txBody>
+                    <a:bodyPr/>
+                    <a:lstStyle/>
+                    <a:p>
+                      <a:pPr algn="ctr"/>
+                      <a:endParaRPr lang="en-US" sz="3000" dirty="0"/>
+                    </a:p>
+                  </a:txBody>
+                  <a:tcPr anchor="ctr">
+                    <a:lnL w="38100" cap="flat" cmpd="sng" algn="ctr">
+                      <a:solidFill>
+                        <a:schemeClr val="accent1"/>
+                      </a:solidFill>
+                      <a:prstDash val="solid"/>
+                      <a:round/>
+                      <a:headEnd type="none" w="med" len="med"/>
+                      <a:tailEnd type="none" w="med" len="med"/>
+                    </a:lnL>
+                  </a:tcPr>
+                </a:tc>
+                <a:tc>
+                  <a:txBody>
+                    <a:bodyPr/>
+                    <a:lstStyle/>
+                    <a:p>
+                      <a:pPr algn="ctr"/>
+                      <a:endParaRPr lang="en-US" sz="3000" dirty="0"/>
+                    </a:p>
+                  </a:txBody>
+                  <a:tcPr anchor="ctr">
+                    <a:lnR w="38100" cap="flat" cmpd="sng" algn="ctr">
+                      <a:solidFill>
+                        <a:schemeClr val="accent1"/>
+                      </a:solidFill>
+                      <a:prstDash val="solid"/>
+                      <a:round/>
+                      <a:headEnd type="none" w="med" len="med"/>
+                      <a:tailEnd type="none" w="med" len="med"/>
+                    </a:lnR>
+                  </a:tcPr>
+                </a:tc>
+                <a:tc>
+                  <a:txBody>
+                    <a:bodyPr/>
+                    <a:lstStyle/>
+                    <a:p>
+                      <a:pPr algn="ctr"/>
+                      <a:endParaRPr lang="en-US" sz="3000" dirty="0"/>
+                    </a:p>
+                  </a:txBody>
+                  <a:tcPr anchor="ctr">
+                    <a:lnL w="38100" cap="flat" cmpd="sng" algn="ctr">
+                      <a:solidFill>
+                        <a:schemeClr val="accent1"/>
+                      </a:solidFill>
+                      <a:prstDash val="solid"/>
+                      <a:round/>
+                      <a:headEnd type="none" w="med" len="med"/>
+                      <a:tailEnd type="none" w="med" len="med"/>
+                    </a:lnL>
+                  </a:tcPr>
+                </a:tc>
+                <a:tc>
+                  <a:txBody>
+                    <a:bodyPr/>
+                    <a:lstStyle/>
+                    <a:p>
+                      <a:pPr algn="ctr"/>
+                      <a:endParaRPr lang="en-US" sz="3000" dirty="0"/>
+                    </a:p>
+                  </a:txBody>
+                  <a:tcPr anchor="ctr"/>
+                </a:tc>
+              </a:tr>
+            </a:tbl>
+          </a:graphicData>
+        </a:graphic>
+      </p:graphicFrame>
     </p:spTree>
   </p:cSld>
   <p:clrMapOvr>

--- a/poster Solun maj 2024/Solun poster 001.pptx
+++ b/poster Solun maj 2024/Solun poster 001.pptx
@@ -1943,21 +1943,21 @@
     </dgm:pt>
   </dgm:ptLst>
   <dgm:cxnLst>
+    <dgm:cxn modelId="{77B19E57-37CF-4D7F-8567-1CB6667515CB}" type="presOf" srcId="{A491963B-FA65-4F9A-A948-8D6552EF7FBD}" destId="{8F882EF6-49EC-4B53-B100-EAD4E720298A}" srcOrd="1" destOrd="0" presId="urn:microsoft.com/office/officeart/2005/8/layout/process1"/>
     <dgm:cxn modelId="{039EE9CB-942E-4BB3-B9DC-936A8F50F939}" srcId="{084DAEBC-087F-4D15-B752-4785C0673660}" destId="{F6006F7E-AC86-45B0-8635-2B1FB4B48637}" srcOrd="3" destOrd="0" parTransId="{9BB6F8E7-7675-44CB-9DA3-545DA6F36E9D}" sibTransId="{DE65469D-6D73-4E22-BA1D-C8408998D1F0}"/>
-    <dgm:cxn modelId="{8F79D79C-09D6-487D-8FD1-87A5FD0DF99A}" type="presOf" srcId="{084DAEBC-087F-4D15-B752-4785C0673660}" destId="{4DF115B0-D97C-4D45-995F-751D171483ED}" srcOrd="0" destOrd="0" presId="urn:microsoft.com/office/officeart/2005/8/layout/process1"/>
+    <dgm:cxn modelId="{F0E2C854-E738-4B9A-99E1-2771B60C9447}" srcId="{084DAEBC-087F-4D15-B752-4785C0673660}" destId="{FFE45BF6-B8B7-4DF6-B255-42C35051D756}" srcOrd="2" destOrd="0" parTransId="{550CEC22-6DA6-4C97-9825-0EA4212E08F2}" sibTransId="{A491963B-FA65-4F9A-A948-8D6552EF7FBD}"/>
     <dgm:cxn modelId="{BB129FEE-B7DF-409C-94FD-C3180D7E6BCB}" type="presOf" srcId="{FFE45BF6-B8B7-4DF6-B255-42C35051D756}" destId="{0B7A5903-CDD3-4CC0-94BF-E92BA3DA96DD}" srcOrd="0" destOrd="0" presId="urn:microsoft.com/office/officeart/2005/8/layout/process1"/>
-    <dgm:cxn modelId="{467FE643-5A2A-4725-9326-4A4BE2A4EDD6}" type="presOf" srcId="{F6006F7E-AC86-45B0-8635-2B1FB4B48637}" destId="{2DFA93C7-BE63-4691-A297-B8C9BB46D38B}" srcOrd="0" destOrd="0" presId="urn:microsoft.com/office/officeart/2005/8/layout/process1"/>
-    <dgm:cxn modelId="{77B19E57-37CF-4D7F-8567-1CB6667515CB}" type="presOf" srcId="{A491963B-FA65-4F9A-A948-8D6552EF7FBD}" destId="{8F882EF6-49EC-4B53-B100-EAD4E720298A}" srcOrd="1" destOrd="0" presId="urn:microsoft.com/office/officeart/2005/8/layout/process1"/>
-    <dgm:cxn modelId="{CF05EDF1-8EB6-4600-B8CE-CA21F2358774}" type="presOf" srcId="{A491963B-FA65-4F9A-A948-8D6552EF7FBD}" destId="{9132B67F-A38C-4915-8317-7B8D2EEE0C67}" srcOrd="0" destOrd="0" presId="urn:microsoft.com/office/officeart/2005/8/layout/process1"/>
-    <dgm:cxn modelId="{8A0A7A8C-9957-45EB-A42F-57DBD8274257}" srcId="{084DAEBC-087F-4D15-B752-4785C0673660}" destId="{8D948468-426C-430E-8463-EA0A9047AA97}" srcOrd="0" destOrd="0" parTransId="{089F8F6F-ED72-497F-B944-BDE96C4547C5}" sibTransId="{55FCA17C-1EF6-4064-B59A-DED79FC40987}"/>
     <dgm:cxn modelId="{1F63834A-14E8-4045-ADBC-17DC5CB5F954}" type="presOf" srcId="{55FCA17C-1EF6-4064-B59A-DED79FC40987}" destId="{49AB3AA5-5C37-401B-BD24-8CDBE6CDE631}" srcOrd="0" destOrd="0" presId="urn:microsoft.com/office/officeart/2005/8/layout/process1"/>
     <dgm:cxn modelId="{BEBA565C-4BB6-4FAC-8220-2037A2C4BB59}" type="presOf" srcId="{AAF2528D-193F-4D93-A91F-6874F8247A7E}" destId="{9D036536-CA58-460B-9592-E804F4957C65}" srcOrd="0" destOrd="0" presId="urn:microsoft.com/office/officeart/2005/8/layout/process1"/>
+    <dgm:cxn modelId="{8F79D79C-09D6-487D-8FD1-87A5FD0DF99A}" type="presOf" srcId="{084DAEBC-087F-4D15-B752-4785C0673660}" destId="{4DF115B0-D97C-4D45-995F-751D171483ED}" srcOrd="0" destOrd="0" presId="urn:microsoft.com/office/officeart/2005/8/layout/process1"/>
+    <dgm:cxn modelId="{C3E2F7B3-4158-494E-83A1-75C1933FC0BF}" type="presOf" srcId="{AAF2528D-193F-4D93-A91F-6874F8247A7E}" destId="{5484F5B9-AF2E-4D41-B34C-14F23DAB6613}" srcOrd="1" destOrd="0" presId="urn:microsoft.com/office/officeart/2005/8/layout/process1"/>
     <dgm:cxn modelId="{29E6CB5C-90D4-4537-A08F-602AB69E1185}" type="presOf" srcId="{8D948468-426C-430E-8463-EA0A9047AA97}" destId="{9039D0E1-9BDE-4D45-A61C-BA5F9D629281}" srcOrd="0" destOrd="0" presId="urn:microsoft.com/office/officeart/2005/8/layout/process1"/>
-    <dgm:cxn modelId="{F0E2C854-E738-4B9A-99E1-2771B60C9447}" srcId="{084DAEBC-087F-4D15-B752-4785C0673660}" destId="{FFE45BF6-B8B7-4DF6-B255-42C35051D756}" srcOrd="2" destOrd="0" parTransId="{550CEC22-6DA6-4C97-9825-0EA4212E08F2}" sibTransId="{A491963B-FA65-4F9A-A948-8D6552EF7FBD}"/>
-    <dgm:cxn modelId="{D87ED65A-1EE6-4167-9E92-EF0162A41ED0}" type="presOf" srcId="{55FCA17C-1EF6-4064-B59A-DED79FC40987}" destId="{B24ED164-7D46-4FE6-99D4-115D05EB5090}" srcOrd="1" destOrd="0" presId="urn:microsoft.com/office/officeart/2005/8/layout/process1"/>
     <dgm:cxn modelId="{CE4C3E71-01BF-48FF-8849-74C1F916C255}" type="presOf" srcId="{4DBB097A-AAC8-4558-83CD-5D293BA0E73F}" destId="{266EB45E-0BF0-4F15-90A8-48CDB3BB1843}" srcOrd="0" destOrd="0" presId="urn:microsoft.com/office/officeart/2005/8/layout/process1"/>
     <dgm:cxn modelId="{2D6E6A99-0884-421B-9583-F66FB72B4CE8}" srcId="{084DAEBC-087F-4D15-B752-4785C0673660}" destId="{4DBB097A-AAC8-4558-83CD-5D293BA0E73F}" srcOrd="1" destOrd="0" parTransId="{F66D8E7D-91C7-486F-96A1-E8901AD94FBA}" sibTransId="{AAF2528D-193F-4D93-A91F-6874F8247A7E}"/>
-    <dgm:cxn modelId="{C3E2F7B3-4158-494E-83A1-75C1933FC0BF}" type="presOf" srcId="{AAF2528D-193F-4D93-A91F-6874F8247A7E}" destId="{5484F5B9-AF2E-4D41-B34C-14F23DAB6613}" srcOrd="1" destOrd="0" presId="urn:microsoft.com/office/officeart/2005/8/layout/process1"/>
+    <dgm:cxn modelId="{CF05EDF1-8EB6-4600-B8CE-CA21F2358774}" type="presOf" srcId="{A491963B-FA65-4F9A-A948-8D6552EF7FBD}" destId="{9132B67F-A38C-4915-8317-7B8D2EEE0C67}" srcOrd="0" destOrd="0" presId="urn:microsoft.com/office/officeart/2005/8/layout/process1"/>
+    <dgm:cxn modelId="{467FE643-5A2A-4725-9326-4A4BE2A4EDD6}" type="presOf" srcId="{F6006F7E-AC86-45B0-8635-2B1FB4B48637}" destId="{2DFA93C7-BE63-4691-A297-B8C9BB46D38B}" srcOrd="0" destOrd="0" presId="urn:microsoft.com/office/officeart/2005/8/layout/process1"/>
+    <dgm:cxn modelId="{D87ED65A-1EE6-4167-9E92-EF0162A41ED0}" type="presOf" srcId="{55FCA17C-1EF6-4064-B59A-DED79FC40987}" destId="{B24ED164-7D46-4FE6-99D4-115D05EB5090}" srcOrd="1" destOrd="0" presId="urn:microsoft.com/office/officeart/2005/8/layout/process1"/>
+    <dgm:cxn modelId="{8A0A7A8C-9957-45EB-A42F-57DBD8274257}" srcId="{084DAEBC-087F-4D15-B752-4785C0673660}" destId="{8D948468-426C-430E-8463-EA0A9047AA97}" srcOrd="0" destOrd="0" parTransId="{089F8F6F-ED72-497F-B944-BDE96C4547C5}" sibTransId="{55FCA17C-1EF6-4064-B59A-DED79FC40987}"/>
     <dgm:cxn modelId="{2EE71F70-44B8-4167-AE8E-D808B4B8507E}" type="presParOf" srcId="{4DF115B0-D97C-4D45-995F-751D171483ED}" destId="{9039D0E1-9BDE-4D45-A61C-BA5F9D629281}" srcOrd="0" destOrd="0" presId="urn:microsoft.com/office/officeart/2005/8/layout/process1"/>
     <dgm:cxn modelId="{C6CBE64A-4FE6-4DA8-BB33-48D1672F1161}" type="presParOf" srcId="{4DF115B0-D97C-4D45-995F-751D171483ED}" destId="{49AB3AA5-5C37-401B-BD24-8CDBE6CDE631}" srcOrd="1" destOrd="0" presId="urn:microsoft.com/office/officeart/2005/8/layout/process1"/>
     <dgm:cxn modelId="{5B0FFD9C-195F-45EB-BCE5-2493D4E9AA6C}" type="presParOf" srcId="{49AB3AA5-5C37-401B-BD24-8CDBE6CDE631}" destId="{B24ED164-7D46-4FE6-99D4-115D05EB5090}" srcOrd="0" destOrd="0" presId="urn:microsoft.com/office/officeart/2005/8/layout/process1"/>
@@ -8681,7 +8681,7 @@
           <p:cNvPr id="28" name="Rounded Rectangle 3">
             <a:extLst>
               <a:ext uri="{FF2B5EF4-FFF2-40B4-BE49-F238E27FC236}">
-                <a16:creationId xmlns:a16="http://schemas.microsoft.com/office/drawing/2014/main" xmlns="" id="{E42E21C6-7A64-4E84-A503-EF9679DF851D}"/>
+                <a16:creationId xmlns="" xmlns:a16="http://schemas.microsoft.com/office/drawing/2014/main" id="{E42E21C6-7A64-4E84-A503-EF9679DF851D}"/>
               </a:ext>
             </a:extLst>
           </p:cNvPr>
@@ -8754,7 +8754,7 @@
           <p:cNvPr id="27" name="Rounded Rectangle 3">
             <a:extLst>
               <a:ext uri="{FF2B5EF4-FFF2-40B4-BE49-F238E27FC236}">
-                <a16:creationId xmlns:a16="http://schemas.microsoft.com/office/drawing/2014/main" xmlns="" id="{1C16C5A3-8C37-4B07-AA5E-BABF5084826F}"/>
+                <a16:creationId xmlns="" xmlns:a16="http://schemas.microsoft.com/office/drawing/2014/main" id="{1C16C5A3-8C37-4B07-AA5E-BABF5084826F}"/>
               </a:ext>
             </a:extLst>
           </p:cNvPr>
@@ -8832,7 +8832,7 @@
         </p:nvSpPr>
         <p:spPr>
           <a:xfrm>
-            <a:off x="28909" y="1761953"/>
+            <a:off x="0" y="1329905"/>
             <a:ext cx="30600650" cy="3899567"/>
           </a:xfrm>
           <a:prstGeom prst="rect">
@@ -9978,7 +9978,7 @@
         </p:nvSpPr>
         <p:spPr>
           <a:xfrm>
-            <a:off x="1402781" y="6154441"/>
+            <a:off x="1402781" y="5506369"/>
             <a:ext cx="12745416" cy="7998722"/>
           </a:xfrm>
           <a:prstGeom prst="roundRect">
@@ -10045,7 +10045,7 @@
         </p:nvSpPr>
         <p:spPr>
           <a:xfrm>
-            <a:off x="4067077" y="6514481"/>
+            <a:off x="4067077" y="5866409"/>
             <a:ext cx="7344816" cy="1224136"/>
           </a:xfrm>
           <a:prstGeom prst="roundRect">
@@ -10219,7 +10219,7 @@
         </p:nvSpPr>
         <p:spPr>
           <a:xfrm>
-            <a:off x="1114749" y="30997201"/>
+            <a:off x="970733" y="31717281"/>
             <a:ext cx="13465496" cy="7920880"/>
           </a:xfrm>
           <a:prstGeom prst="roundRect">
@@ -10270,7 +10270,7 @@
         </p:nvSpPr>
         <p:spPr>
           <a:xfrm>
-            <a:off x="2194869" y="31645273"/>
+            <a:off x="2122861" y="32077321"/>
             <a:ext cx="11089232" cy="1080120"/>
           </a:xfrm>
           <a:prstGeom prst="roundRect">
@@ -10321,7 +10321,7 @@
         </p:nvSpPr>
         <p:spPr>
           <a:xfrm>
-            <a:off x="11771933" y="14297075"/>
+            <a:off x="11627917" y="13931305"/>
             <a:ext cx="7344816" cy="1224136"/>
           </a:xfrm>
           <a:prstGeom prst="roundRect">
@@ -10372,7 +10372,7 @@
         </p:nvSpPr>
         <p:spPr>
           <a:xfrm>
-            <a:off x="1978845" y="7954641"/>
+            <a:off x="1906837" y="7378577"/>
             <a:ext cx="11665296" cy="6001643"/>
           </a:xfrm>
           <a:prstGeom prst="rect">
@@ -10460,7 +10460,7 @@
         </p:nvSpPr>
         <p:spPr>
           <a:xfrm>
-            <a:off x="15372333" y="6226449"/>
+            <a:off x="15084301" y="5578377"/>
             <a:ext cx="12745416" cy="7926714"/>
           </a:xfrm>
           <a:prstGeom prst="roundRect">
@@ -10527,7 +10527,7 @@
         </p:nvSpPr>
         <p:spPr>
           <a:xfrm>
-            <a:off x="16956509" y="6298457"/>
+            <a:off x="16740485" y="5722393"/>
             <a:ext cx="9937104" cy="1224136"/>
           </a:xfrm>
           <a:prstGeom prst="roundRect">
@@ -10590,7 +10590,7 @@
         </p:nvSpPr>
         <p:spPr>
           <a:xfrm>
-            <a:off x="15948397" y="7522593"/>
+            <a:off x="15876389" y="7018537"/>
             <a:ext cx="11377264" cy="6494085"/>
           </a:xfrm>
           <a:prstGeom prst="rect">
@@ -10906,7 +10906,7 @@
           <p:cNvPr id="30" name="Rounded Rectangle 47">
             <a:extLst>
               <a:ext uri="{FF2B5EF4-FFF2-40B4-BE49-F238E27FC236}">
-                <a16:creationId xmlns:a16="http://schemas.microsoft.com/office/drawing/2014/main" xmlns="" id="{33946411-5D0B-4586-92C0-9422A01632C7}"/>
+                <a16:creationId xmlns="" xmlns:a16="http://schemas.microsoft.com/office/drawing/2014/main" id="{33946411-5D0B-4586-92C0-9422A01632C7}"/>
               </a:ext>
             </a:extLst>
           </p:cNvPr>
@@ -10915,7 +10915,7 @@
         </p:nvSpPr>
         <p:spPr>
           <a:xfrm>
-            <a:off x="3219036" y="15443473"/>
+            <a:off x="3274989" y="15443473"/>
             <a:ext cx="7616793" cy="748945"/>
           </a:xfrm>
           <a:prstGeom prst="roundRect">
@@ -10963,7 +10963,7 @@
           <p:cNvPr id="31" name="Rounded Rectangle 47">
             <a:extLst>
               <a:ext uri="{FF2B5EF4-FFF2-40B4-BE49-F238E27FC236}">
-                <a16:creationId xmlns:a16="http://schemas.microsoft.com/office/drawing/2014/main" xmlns="" id="{5FB06176-787A-4601-99AD-07335A70D009}"/>
+                <a16:creationId xmlns="" xmlns:a16="http://schemas.microsoft.com/office/drawing/2014/main" id="{5FB06176-787A-4601-99AD-07335A70D009}"/>
               </a:ext>
             </a:extLst>
           </p:cNvPr>
@@ -11020,7 +11020,7 @@
           <p:cNvPr id="14" name="Diagram 13">
             <a:extLst>
               <a:ext uri="{FF2B5EF4-FFF2-40B4-BE49-F238E27FC236}">
-                <a16:creationId xmlns:a16="http://schemas.microsoft.com/office/drawing/2014/main" xmlns="" id="{AA320E81-5855-4B1B-A249-74E4C7FE7477}"/>
+                <a16:creationId xmlns="" xmlns:a16="http://schemas.microsoft.com/office/drawing/2014/main" id="{AA320E81-5855-4B1B-A249-74E4C7FE7477}"/>
               </a:ext>
             </a:extLst>
           </p:cNvPr>
@@ -11048,7 +11048,7 @@
           <p:cNvPr id="1026" name="Picture 2" descr="https://assets-global.website-files.com/621e95f9ac30687a56e4297e/64a8d750505cf8e707066669_V2_1676215759712_7b2330a6-df89-49b4-be67-3b44bfb50040.png">
             <a:extLst>
               <a:ext uri="{FF2B5EF4-FFF2-40B4-BE49-F238E27FC236}">
-                <a16:creationId xmlns:a16="http://schemas.microsoft.com/office/drawing/2014/main" xmlns="" id="{EBEBC945-E341-4136-8DC8-448F42B87F70}"/>
+                <a16:creationId xmlns="" xmlns:a16="http://schemas.microsoft.com/office/drawing/2014/main" id="{EBEBC945-E341-4136-8DC8-448F42B87F70}"/>
               </a:ext>
             </a:extLst>
           </p:cNvPr>
@@ -11093,7 +11093,7 @@
           <p:cNvPr id="44" name="Picture 2" descr="https://assets-global.website-files.com/621e95f9ac30687a56e4297e/64a8d750505cf8e707066669_V2_1676215759712_7b2330a6-df89-49b4-be67-3b44bfb50040.png">
             <a:extLst>
               <a:ext uri="{FF2B5EF4-FFF2-40B4-BE49-F238E27FC236}">
-                <a16:creationId xmlns:a16="http://schemas.microsoft.com/office/drawing/2014/main" xmlns="" id="{34F3213A-A300-4253-B3DE-16FD671B4B9E}"/>
+                <a16:creationId xmlns="" xmlns:a16="http://schemas.microsoft.com/office/drawing/2014/main" id="{34F3213A-A300-4253-B3DE-16FD671B4B9E}"/>
               </a:ext>
             </a:extLst>
           </p:cNvPr>
@@ -11138,7 +11138,7 @@
           <p:cNvPr id="18" name="Rectangle 17">
             <a:extLst>
               <a:ext uri="{FF2B5EF4-FFF2-40B4-BE49-F238E27FC236}">
-                <a16:creationId xmlns:a16="http://schemas.microsoft.com/office/drawing/2014/main" xmlns="" id="{15C5418E-2EC7-4CDD-A50D-4A1976FD60F2}"/>
+                <a16:creationId xmlns="" xmlns:a16="http://schemas.microsoft.com/office/drawing/2014/main" id="{15C5418E-2EC7-4CDD-A50D-4A1976FD60F2}"/>
               </a:ext>
             </a:extLst>
           </p:cNvPr>
@@ -11267,16 +11267,7 @@
                 </a:solidFill>
                 <a:latin typeface="Calibri" panose="020F0502020204030204" pitchFamily="34" charset="0"/>
               </a:rPr>
-              <a:t>Q by using the </a:t>
-            </a:r>
-            <a:r>
-              <a:rPr lang="en-US" sz="1600" dirty="0">
-                <a:solidFill>
-                  <a:srgbClr val="000000"/>
-                </a:solidFill>
-                <a:latin typeface="Calibri" panose="020F0502020204030204" pitchFamily="34" charset="0"/>
-              </a:rPr>
-              <a:t>SPELL engine [6</a:t>
+              <a:t>Q by using the SPELL engine [6</a:t>
             </a:r>
             <a:r>
               <a:rPr lang="en-US" sz="1600" dirty="0" smtClean="0">
@@ -11305,7 +11296,7 @@
           <p:cNvPr id="49" name="Rectangle 48">
             <a:extLst>
               <a:ext uri="{FF2B5EF4-FFF2-40B4-BE49-F238E27FC236}">
-                <a16:creationId xmlns:a16="http://schemas.microsoft.com/office/drawing/2014/main" xmlns="" id="{7FA12D37-8BE6-48FA-A3E0-7F6D80828A2A}"/>
+                <a16:creationId xmlns="" xmlns:a16="http://schemas.microsoft.com/office/drawing/2014/main" id="{7FA12D37-8BE6-48FA-A3E0-7F6D80828A2A}"/>
               </a:ext>
             </a:extLst>
           </p:cNvPr>
@@ -11691,7 +11682,7 @@
           <p:cNvPr id="50" name="Rectangle 49">
             <a:extLst>
               <a:ext uri="{FF2B5EF4-FFF2-40B4-BE49-F238E27FC236}">
-                <a16:creationId xmlns:a16="http://schemas.microsoft.com/office/drawing/2014/main" xmlns="" id="{8E1A2B0C-839C-4318-ACA5-56B88B30D089}"/>
+                <a16:creationId xmlns="" xmlns:a16="http://schemas.microsoft.com/office/drawing/2014/main" id="{8E1A2B0C-839C-4318-ACA5-56B88B30D089}"/>
               </a:ext>
             </a:extLst>
           </p:cNvPr>
@@ -11866,7 +11857,7 @@
           <p:cNvPr id="52" name="Rounded Rectangle 47">
             <a:extLst>
               <a:ext uri="{FF2B5EF4-FFF2-40B4-BE49-F238E27FC236}">
-                <a16:creationId xmlns:a16="http://schemas.microsoft.com/office/drawing/2014/main" xmlns="" id="{82BE85DE-FD18-4E3E-BE20-52E122985005}"/>
+                <a16:creationId xmlns="" xmlns:a16="http://schemas.microsoft.com/office/drawing/2014/main" id="{82BE85DE-FD18-4E3E-BE20-52E122985005}"/>
               </a:ext>
             </a:extLst>
           </p:cNvPr>
@@ -11923,7 +11914,7 @@
           <p:cNvPr id="20" name="Arrow: Right 19">
             <a:extLst>
               <a:ext uri="{FF2B5EF4-FFF2-40B4-BE49-F238E27FC236}">
-                <a16:creationId xmlns:a16="http://schemas.microsoft.com/office/drawing/2014/main" xmlns="" id="{F75BF84B-2C0D-4C09-BA31-AFAAC77EAF11}"/>
+                <a16:creationId xmlns="" xmlns:a16="http://schemas.microsoft.com/office/drawing/2014/main" id="{F75BF84B-2C0D-4C09-BA31-AFAAC77EAF11}"/>
               </a:ext>
             </a:extLst>
           </p:cNvPr>
@@ -11969,7 +11960,7 @@
           <p:cNvPr id="55" name="Arrow: Right 54">
             <a:extLst>
               <a:ext uri="{FF2B5EF4-FFF2-40B4-BE49-F238E27FC236}">
-                <a16:creationId xmlns:a16="http://schemas.microsoft.com/office/drawing/2014/main" xmlns="" id="{9FFA1951-3CD1-43F1-812E-2361512B994A}"/>
+                <a16:creationId xmlns="" xmlns:a16="http://schemas.microsoft.com/office/drawing/2014/main" id="{9FFA1951-3CD1-43F1-812E-2361512B994A}"/>
               </a:ext>
             </a:extLst>
           </p:cNvPr>
@@ -12015,7 +12006,7 @@
           <p:cNvPr id="56" name="Rectangle 55">
             <a:extLst>
               <a:ext uri="{FF2B5EF4-FFF2-40B4-BE49-F238E27FC236}">
-                <a16:creationId xmlns:a16="http://schemas.microsoft.com/office/drawing/2014/main" xmlns="" id="{54B82BF6-7CC1-4CC0-A076-02DDFFB69BDA}"/>
+                <a16:creationId xmlns="" xmlns:a16="http://schemas.microsoft.com/office/drawing/2014/main" id="{54B82BF6-7CC1-4CC0-A076-02DDFFB69BDA}"/>
               </a:ext>
             </a:extLst>
           </p:cNvPr>
@@ -12376,7 +12367,7 @@
           <p:cNvPr id="57" name="Rounded Rectangle 47">
             <a:extLst>
               <a:ext uri="{FF2B5EF4-FFF2-40B4-BE49-F238E27FC236}">
-                <a16:creationId xmlns:a16="http://schemas.microsoft.com/office/drawing/2014/main" xmlns="" id="{094D318D-7740-40B1-8FDC-752A452D00FC}"/>
+                <a16:creationId xmlns="" xmlns:a16="http://schemas.microsoft.com/office/drawing/2014/main" id="{094D318D-7740-40B1-8FDC-752A452D00FC}"/>
               </a:ext>
             </a:extLst>
           </p:cNvPr>
@@ -12433,7 +12424,7 @@
           <p:cNvPr id="58" name="Rectangle 57">
             <a:extLst>
               <a:ext uri="{FF2B5EF4-FFF2-40B4-BE49-F238E27FC236}">
-                <a16:creationId xmlns:a16="http://schemas.microsoft.com/office/drawing/2014/main" xmlns="" id="{E5A2346C-B437-4A8F-8C2E-BBED9297E0C1}"/>
+                <a16:creationId xmlns="" xmlns:a16="http://schemas.microsoft.com/office/drawing/2014/main" id="{E5A2346C-B437-4A8F-8C2E-BBED9297E0C1}"/>
               </a:ext>
             </a:extLst>
           </p:cNvPr>
@@ -12551,6 +12542,503 @@
               </a:rPr>
               <a:t>:</a:t>
             </a:r>
+          </a:p>
+          <a:p>
+            <a:r>
+              <a:rPr lang="en-US" sz="1600" dirty="0">
+                <a:solidFill>
+                  <a:srgbClr val="000000"/>
+                </a:solidFill>
+                <a:latin typeface="Calibri" panose="020F0502020204030204" pitchFamily="34" charset="0"/>
+              </a:rPr>
+              <a:t> </a:t>
+            </a:r>
+            <a:r>
+              <a:rPr lang="en-US" sz="1600" dirty="0" smtClean="0">
+                <a:solidFill>
+                  <a:srgbClr val="000000"/>
+                </a:solidFill>
+                <a:latin typeface="Calibri" panose="020F0502020204030204" pitchFamily="34" charset="0"/>
+              </a:rPr>
+              <a:t>For </a:t>
+            </a:r>
+            <a:r>
+              <a:rPr lang="en-US" sz="1600" dirty="0">
+                <a:solidFill>
+                  <a:srgbClr val="000000"/>
+                </a:solidFill>
+                <a:latin typeface="Calibri" panose="020F0502020204030204" pitchFamily="34" charset="0"/>
+              </a:rPr>
+              <a:t>a protein sequence, </a:t>
+            </a:r>
+            <a:r>
+              <a:rPr lang="en-US" sz="1600" i="1" dirty="0">
+                <a:solidFill>
+                  <a:srgbClr val="000000"/>
+                </a:solidFill>
+                <a:latin typeface="Calibri" panose="020F0502020204030204" pitchFamily="34" charset="0"/>
+              </a:rPr>
+              <a:t>S = </a:t>
+            </a:r>
+            <a:r>
+              <a:rPr lang="en-US" sz="1600" i="1" dirty="0" smtClean="0">
+                <a:solidFill>
+                  <a:srgbClr val="000000"/>
+                </a:solidFill>
+                <a:latin typeface="Calibri" panose="020F0502020204030204" pitchFamily="34" charset="0"/>
+              </a:rPr>
+              <a:t>{</a:t>
+            </a:r>
+            <a:r>
+              <a:rPr lang="sr-Latn-BA" sz="1600" i="1" dirty="0">
+                <a:solidFill>
+                  <a:srgbClr val="000000"/>
+                </a:solidFill>
+                <a:latin typeface="Calibri" panose="020F0502020204030204" pitchFamily="34" charset="0"/>
+              </a:rPr>
+              <a:t>p</a:t>
+            </a:r>
+            <a:r>
+              <a:rPr lang="en-US" sz="1600" i="1" baseline="-25000" dirty="0" smtClean="0">
+                <a:solidFill>
+                  <a:srgbClr val="000000"/>
+                </a:solidFill>
+                <a:latin typeface="Calibri" panose="020F0502020204030204" pitchFamily="34" charset="0"/>
+              </a:rPr>
+              <a:t>1</a:t>
+            </a:r>
+            <a:r>
+              <a:rPr lang="en-US" sz="1600" i="1" dirty="0">
+                <a:solidFill>
+                  <a:srgbClr val="000000"/>
+                </a:solidFill>
+                <a:latin typeface="Calibri" panose="020F0502020204030204" pitchFamily="34" charset="0"/>
+              </a:rPr>
+              <a:t>, </a:t>
+            </a:r>
+            <a:r>
+              <a:rPr lang="sr-Latn-BA" sz="1600" i="1" dirty="0" smtClean="0">
+                <a:solidFill>
+                  <a:srgbClr val="000000"/>
+                </a:solidFill>
+                <a:latin typeface="Calibri" panose="020F0502020204030204" pitchFamily="34" charset="0"/>
+              </a:rPr>
+              <a:t>p</a:t>
+            </a:r>
+            <a:r>
+              <a:rPr lang="en-US" sz="1600" i="1" baseline="-25000" dirty="0" smtClean="0">
+                <a:solidFill>
+                  <a:srgbClr val="000000"/>
+                </a:solidFill>
+                <a:latin typeface="Calibri" panose="020F0502020204030204" pitchFamily="34" charset="0"/>
+              </a:rPr>
+              <a:t>2</a:t>
+            </a:r>
+            <a:r>
+              <a:rPr lang="en-US" sz="1600" i="1" dirty="0">
+                <a:solidFill>
+                  <a:srgbClr val="000000"/>
+                </a:solidFill>
+                <a:latin typeface="Calibri" panose="020F0502020204030204" pitchFamily="34" charset="0"/>
+              </a:rPr>
+              <a:t>, </a:t>
+            </a:r>
+            <a:r>
+              <a:rPr lang="sr-Latn-BA" sz="1600" i="1" dirty="0" smtClean="0">
+                <a:solidFill>
+                  <a:srgbClr val="000000"/>
+                </a:solidFill>
+                <a:latin typeface="Calibri" panose="020F0502020204030204" pitchFamily="34" charset="0"/>
+              </a:rPr>
+              <a:t>p</a:t>
+            </a:r>
+            <a:r>
+              <a:rPr lang="en-US" sz="1600" i="1" baseline="-25000" dirty="0" smtClean="0">
+                <a:solidFill>
+                  <a:srgbClr val="000000"/>
+                </a:solidFill>
+                <a:latin typeface="Calibri" panose="020F0502020204030204" pitchFamily="34" charset="0"/>
+              </a:rPr>
+              <a:t>3</a:t>
+            </a:r>
+            <a:r>
+              <a:rPr lang="en-US" sz="1600" i="1" dirty="0" smtClean="0">
+                <a:solidFill>
+                  <a:srgbClr val="000000"/>
+                </a:solidFill>
+                <a:latin typeface="Calibri" panose="020F0502020204030204" pitchFamily="34" charset="0"/>
+              </a:rPr>
+              <a:t>,…,</a:t>
+            </a:r>
+            <a:r>
+              <a:rPr lang="sr-Latn-BA" sz="1600" i="1" dirty="0" err="1">
+                <a:solidFill>
+                  <a:srgbClr val="000000"/>
+                </a:solidFill>
+                <a:latin typeface="Calibri" panose="020F0502020204030204" pitchFamily="34" charset="0"/>
+              </a:rPr>
+              <a:t>p</a:t>
+            </a:r>
+            <a:r>
+              <a:rPr lang="en-US" sz="1600" i="1" baseline="-25000" dirty="0" smtClean="0">
+                <a:solidFill>
+                  <a:srgbClr val="000000"/>
+                </a:solidFill>
+                <a:latin typeface="Calibri" panose="020F0502020204030204" pitchFamily="34" charset="0"/>
+              </a:rPr>
+              <a:t>N</a:t>
+            </a:r>
+            <a:r>
+              <a:rPr lang="en-US" sz="1600" i="1" dirty="0">
+                <a:solidFill>
+                  <a:srgbClr val="000000"/>
+                </a:solidFill>
+                <a:latin typeface="Calibri" panose="020F0502020204030204" pitchFamily="34" charset="0"/>
+              </a:rPr>
+              <a:t>)</a:t>
+            </a:r>
+            <a:r>
+              <a:rPr lang="en-US" sz="1600" dirty="0">
+                <a:solidFill>
+                  <a:srgbClr val="000000"/>
+                </a:solidFill>
+                <a:latin typeface="Calibri" panose="020F0502020204030204" pitchFamily="34" charset="0"/>
+              </a:rPr>
+              <a:t>, where </a:t>
+            </a:r>
+            <a:r>
+              <a:rPr lang="sr-Latn-BA" sz="1600" i="1" dirty="0">
+                <a:solidFill>
+                  <a:srgbClr val="000000"/>
+                </a:solidFill>
+                <a:latin typeface="Calibri" panose="020F0502020204030204" pitchFamily="34" charset="0"/>
+              </a:rPr>
+              <a:t>p</a:t>
+            </a:r>
+            <a:r>
+              <a:rPr lang="en-US" sz="1600" i="1" baseline="-25000" dirty="0">
+                <a:solidFill>
+                  <a:srgbClr val="000000"/>
+                </a:solidFill>
+                <a:latin typeface="Calibri" panose="020F0502020204030204" pitchFamily="34" charset="0"/>
+              </a:rPr>
+              <a:t>1</a:t>
+            </a:r>
+            <a:r>
+              <a:rPr lang="en-US" sz="1600" i="1" dirty="0">
+                <a:solidFill>
+                  <a:srgbClr val="000000"/>
+                </a:solidFill>
+                <a:latin typeface="Calibri" panose="020F0502020204030204" pitchFamily="34" charset="0"/>
+              </a:rPr>
+              <a:t>, </a:t>
+            </a:r>
+            <a:r>
+              <a:rPr lang="sr-Latn-BA" sz="1600" i="1" dirty="0">
+                <a:solidFill>
+                  <a:srgbClr val="000000"/>
+                </a:solidFill>
+                <a:latin typeface="Calibri" panose="020F0502020204030204" pitchFamily="34" charset="0"/>
+              </a:rPr>
+              <a:t>p</a:t>
+            </a:r>
+            <a:r>
+              <a:rPr lang="en-US" sz="1600" i="1" baseline="-25000" dirty="0" smtClean="0">
+                <a:solidFill>
+                  <a:srgbClr val="000000"/>
+                </a:solidFill>
+                <a:latin typeface="Calibri" panose="020F0502020204030204" pitchFamily="34" charset="0"/>
+              </a:rPr>
+              <a:t>2</a:t>
+            </a:r>
+            <a:r>
+              <a:rPr lang="sr-Latn-BA" sz="1600" dirty="0" smtClean="0">
+                <a:solidFill>
+                  <a:srgbClr val="000000"/>
+                </a:solidFill>
+                <a:latin typeface="Calibri" panose="020F0502020204030204" pitchFamily="34" charset="0"/>
+              </a:rPr>
+              <a:t>,</a:t>
+            </a:r>
+            <a:r>
+              <a:rPr lang="en-US" sz="1600" i="1" dirty="0">
+                <a:solidFill>
+                  <a:srgbClr val="000000"/>
+                </a:solidFill>
+                <a:latin typeface="Calibri" panose="020F0502020204030204" pitchFamily="34" charset="0"/>
+              </a:rPr>
+              <a:t> …,</a:t>
+            </a:r>
+            <a:r>
+              <a:rPr lang="sr-Latn-BA" sz="1600" i="1" dirty="0">
+                <a:solidFill>
+                  <a:srgbClr val="000000"/>
+                </a:solidFill>
+                <a:latin typeface="Calibri" panose="020F0502020204030204" pitchFamily="34" charset="0"/>
+              </a:rPr>
+              <a:t>p</a:t>
+            </a:r>
+            <a:r>
+              <a:rPr lang="en-US" sz="1600" i="1" baseline="-25000" dirty="0">
+                <a:solidFill>
+                  <a:srgbClr val="000000"/>
+                </a:solidFill>
+                <a:latin typeface="Calibri" panose="020F0502020204030204" pitchFamily="34" charset="0"/>
+              </a:rPr>
+              <a:t>N</a:t>
+            </a:r>
+            <a:r>
+              <a:rPr lang="en-US" sz="1600" dirty="0" smtClean="0">
+                <a:solidFill>
+                  <a:srgbClr val="000000"/>
+                </a:solidFill>
+                <a:latin typeface="Calibri" panose="020F0502020204030204" pitchFamily="34" charset="0"/>
+              </a:rPr>
+              <a:t> </a:t>
+            </a:r>
+            <a:r>
+              <a:rPr lang="en-US" sz="1600" dirty="0">
+                <a:solidFill>
+                  <a:srgbClr val="000000"/>
+                </a:solidFill>
+                <a:latin typeface="Calibri" panose="020F0502020204030204" pitchFamily="34" charset="0"/>
+              </a:rPr>
+              <a:t>are the successive residues, </a:t>
+            </a:r>
+            <a:r>
+              <a:rPr lang="en-US" sz="1600" dirty="0" smtClean="0">
+                <a:solidFill>
+                  <a:srgbClr val="000000"/>
+                </a:solidFill>
+                <a:latin typeface="Calibri" panose="020F0502020204030204" pitchFamily="34" charset="0"/>
+              </a:rPr>
+              <a:t>      calculate </a:t>
+            </a:r>
+            <a:r>
+              <a:rPr lang="en-US" sz="1600" dirty="0">
+                <a:solidFill>
+                  <a:srgbClr val="000000"/>
+                </a:solidFill>
+                <a:latin typeface="Calibri" panose="020F0502020204030204" pitchFamily="34" charset="0"/>
+              </a:rPr>
+              <a:t>the binary sequence, </a:t>
+            </a:r>
+            <a:r>
+              <a:rPr lang="sr-Latn-BA" sz="1600" i="1" dirty="0">
+                <a:solidFill>
+                  <a:srgbClr val="000000"/>
+                </a:solidFill>
+                <a:latin typeface="Calibri" panose="020F0502020204030204" pitchFamily="34" charset="0"/>
+              </a:rPr>
+              <a:t>F</a:t>
+            </a:r>
+            <a:r>
+              <a:rPr lang="en-US" sz="1600" i="1" dirty="0" smtClean="0">
+                <a:solidFill>
+                  <a:srgbClr val="000000"/>
+                </a:solidFill>
+                <a:latin typeface="Calibri" panose="020F0502020204030204" pitchFamily="34" charset="0"/>
+              </a:rPr>
+              <a:t>(S</a:t>
+            </a:r>
+            <a:r>
+              <a:rPr lang="en-US" sz="1600" i="1" dirty="0">
+                <a:solidFill>
+                  <a:srgbClr val="000000"/>
+                </a:solidFill>
+                <a:latin typeface="Calibri" panose="020F0502020204030204" pitchFamily="34" charset="0"/>
+              </a:rPr>
+              <a:t>)</a:t>
+            </a:r>
+            <a:r>
+              <a:rPr lang="en-US" sz="1600" dirty="0">
+                <a:solidFill>
+                  <a:srgbClr val="000000"/>
+                </a:solidFill>
+                <a:latin typeface="Calibri" panose="020F0502020204030204" pitchFamily="34" charset="0"/>
+              </a:rPr>
+              <a:t> through an indicator </a:t>
+            </a:r>
+            <a:r>
+              <a:rPr lang="en-US" sz="1600" dirty="0" smtClean="0">
+                <a:solidFill>
+                  <a:srgbClr val="000000"/>
+                </a:solidFill>
+                <a:latin typeface="Calibri" panose="020F0502020204030204" pitchFamily="34" charset="0"/>
+              </a:rPr>
+              <a:t>function </a:t>
+            </a:r>
+            <a:r>
+              <a:rPr lang="en-US" sz="1600" i="1" dirty="0">
+                <a:solidFill>
+                  <a:srgbClr val="000000"/>
+                </a:solidFill>
+                <a:latin typeface="Calibri" panose="020F0502020204030204" pitchFamily="34" charset="0"/>
+              </a:rPr>
+              <a:t>f</a:t>
+            </a:r>
+            <a:r>
+              <a:rPr lang="en-US" sz="1600" dirty="0">
+                <a:solidFill>
+                  <a:srgbClr val="000000"/>
+                </a:solidFill>
+                <a:latin typeface="Calibri" panose="020F0502020204030204" pitchFamily="34" charset="0"/>
+              </a:rPr>
+              <a:t>, </a:t>
+            </a:r>
+            <a:r>
+              <a:rPr lang="en-US" sz="1600" dirty="0" smtClean="0">
+                <a:solidFill>
+                  <a:srgbClr val="000000"/>
+                </a:solidFill>
+                <a:latin typeface="Calibri" panose="020F0502020204030204" pitchFamily="34" charset="0"/>
+              </a:rPr>
+              <a:t>as </a:t>
+            </a:r>
+            <a:r>
+              <a:rPr lang="sr-Latn-BA" sz="1600" dirty="0" smtClean="0">
+                <a:solidFill>
+                  <a:srgbClr val="000000"/>
+                </a:solidFill>
+                <a:latin typeface="Calibri" panose="020F0502020204030204" pitchFamily="34" charset="0"/>
+              </a:rPr>
+              <a:t>F</a:t>
+            </a:r>
+            <a:r>
+              <a:rPr lang="en-US" sz="1600" dirty="0" smtClean="0">
+                <a:solidFill>
+                  <a:srgbClr val="000000"/>
+                </a:solidFill>
+                <a:latin typeface="Calibri" panose="020F0502020204030204" pitchFamily="34" charset="0"/>
+              </a:rPr>
+              <a:t>(</a:t>
+            </a:r>
+            <a:r>
+              <a:rPr lang="sr-Latn-BA" sz="1600" dirty="0" smtClean="0">
+                <a:solidFill>
+                  <a:srgbClr val="000000"/>
+                </a:solidFill>
+                <a:latin typeface="Calibri" panose="020F0502020204030204" pitchFamily="34" charset="0"/>
+              </a:rPr>
+              <a:t>S</a:t>
+            </a:r>
+            <a:r>
+              <a:rPr lang="en-US" sz="1600" dirty="0" smtClean="0">
+                <a:solidFill>
+                  <a:srgbClr val="000000"/>
+                </a:solidFill>
+                <a:latin typeface="Calibri" panose="020F0502020204030204" pitchFamily="34" charset="0"/>
+              </a:rPr>
+              <a:t>)={</a:t>
+            </a:r>
+            <a:r>
+              <a:rPr lang="en-US" sz="1600" i="1" dirty="0" smtClean="0">
+                <a:solidFill>
+                  <a:srgbClr val="000000"/>
+                </a:solidFill>
+                <a:latin typeface="Calibri" panose="020F0502020204030204" pitchFamily="34" charset="0"/>
+              </a:rPr>
+              <a:t>f(</a:t>
+            </a:r>
+            <a:r>
+              <a:rPr lang="sr-Latn-BA" sz="1600" i="1" dirty="0">
+                <a:solidFill>
+                  <a:srgbClr val="000000"/>
+                </a:solidFill>
+                <a:latin typeface="Calibri" panose="020F0502020204030204" pitchFamily="34" charset="0"/>
+              </a:rPr>
+              <a:t>p</a:t>
+            </a:r>
+            <a:r>
+              <a:rPr lang="en-US" sz="1600" i="1" baseline="-25000" dirty="0">
+                <a:solidFill>
+                  <a:srgbClr val="000000"/>
+                </a:solidFill>
+                <a:latin typeface="Calibri" panose="020F0502020204030204" pitchFamily="34" charset="0"/>
+              </a:rPr>
+              <a:t>1</a:t>
+            </a:r>
+            <a:r>
+              <a:rPr lang="en-US" sz="1600" i="1" dirty="0" smtClean="0">
+                <a:solidFill>
+                  <a:srgbClr val="000000"/>
+                </a:solidFill>
+                <a:latin typeface="Calibri" panose="020F0502020204030204" pitchFamily="34" charset="0"/>
+              </a:rPr>
+              <a:t>),f(</a:t>
+            </a:r>
+            <a:r>
+              <a:rPr lang="sr-Latn-BA" sz="1600" i="1" dirty="0">
+                <a:solidFill>
+                  <a:srgbClr val="000000"/>
+                </a:solidFill>
+                <a:latin typeface="Calibri" panose="020F0502020204030204" pitchFamily="34" charset="0"/>
+              </a:rPr>
+              <a:t>p</a:t>
+            </a:r>
+            <a:r>
+              <a:rPr lang="en-US" sz="1600" i="1" baseline="-25000" dirty="0">
+                <a:solidFill>
+                  <a:srgbClr val="000000"/>
+                </a:solidFill>
+                <a:latin typeface="Calibri" panose="020F0502020204030204" pitchFamily="34" charset="0"/>
+              </a:rPr>
+              <a:t>2</a:t>
+            </a:r>
+            <a:r>
+              <a:rPr lang="en-US" sz="1600" i="1" dirty="0" smtClean="0">
+                <a:solidFill>
+                  <a:srgbClr val="000000"/>
+                </a:solidFill>
+                <a:latin typeface="Calibri" panose="020F0502020204030204" pitchFamily="34" charset="0"/>
+              </a:rPr>
+              <a:t>)</a:t>
+            </a:r>
+            <a:r>
+              <a:rPr lang="en-US" sz="1600" dirty="0" smtClean="0">
+                <a:solidFill>
+                  <a:srgbClr val="000000"/>
+                </a:solidFill>
+                <a:latin typeface="Calibri" panose="020F0502020204030204" pitchFamily="34" charset="0"/>
+              </a:rPr>
+              <a:t>,…,</a:t>
+            </a:r>
+            <a:r>
+              <a:rPr lang="sr-Latn-BA" sz="1600" i="1" dirty="0" smtClean="0">
+                <a:solidFill>
+                  <a:srgbClr val="000000"/>
+                </a:solidFill>
+                <a:latin typeface="Calibri" panose="020F0502020204030204" pitchFamily="34" charset="0"/>
+              </a:rPr>
+              <a:t> f(p</a:t>
+            </a:r>
+            <a:r>
+              <a:rPr lang="en-US" sz="1600" i="1" baseline="-25000" dirty="0" smtClean="0">
+                <a:solidFill>
+                  <a:srgbClr val="000000"/>
+                </a:solidFill>
+                <a:latin typeface="Calibri" panose="020F0502020204030204" pitchFamily="34" charset="0"/>
+              </a:rPr>
+              <a:t>N</a:t>
+            </a:r>
+            <a:r>
+              <a:rPr lang="sr-Latn-BA" sz="1600" dirty="0" smtClean="0">
+                <a:solidFill>
+                  <a:srgbClr val="000000"/>
+                </a:solidFill>
+                <a:latin typeface="Calibri" panose="020F0502020204030204" pitchFamily="34" charset="0"/>
+              </a:rPr>
+              <a:t>)</a:t>
+            </a:r>
+            <a:r>
+              <a:rPr lang="en-US" sz="1600" dirty="0" smtClean="0">
+                <a:solidFill>
+                  <a:srgbClr val="000000"/>
+                </a:solidFill>
+                <a:latin typeface="Calibri" panose="020F0502020204030204" pitchFamily="34" charset="0"/>
+              </a:rPr>
+              <a:t>}</a:t>
+            </a:r>
             <a:endParaRPr lang="en-US" sz="1600" dirty="0">
               <a:solidFill>
                 <a:srgbClr val="000000"/>
@@ -12566,16 +13054,144 @@
                 </a:solidFill>
                 <a:latin typeface="Calibri" panose="020F0502020204030204" pitchFamily="34" charset="0"/>
               </a:rPr>
+              <a:t>where, </a:t>
+            </a:r>
+            <a:r>
+              <a:rPr lang="en-US" sz="1600" i="1" dirty="0">
+                <a:solidFill>
+                  <a:srgbClr val="000000"/>
+                </a:solidFill>
+                <a:latin typeface="Calibri" panose="020F0502020204030204" pitchFamily="34" charset="0"/>
+              </a:rPr>
+              <a:t>f(</a:t>
+            </a:r>
+            <a:r>
+              <a:rPr lang="sr-Latn-BA" sz="1600" i="1" dirty="0" smtClean="0">
+                <a:solidFill>
+                  <a:srgbClr val="000000"/>
+                </a:solidFill>
+                <a:latin typeface="Calibri" panose="020F0502020204030204" pitchFamily="34" charset="0"/>
+              </a:rPr>
+              <a:t>p</a:t>
+            </a:r>
+            <a:r>
+              <a:rPr lang="sr-Latn-BA" sz="1600" i="1" baseline="-25000" dirty="0" smtClean="0">
+                <a:solidFill>
+                  <a:srgbClr val="000000"/>
+                </a:solidFill>
+                <a:latin typeface="Calibri" panose="020F0502020204030204" pitchFamily="34" charset="0"/>
+              </a:rPr>
+              <a:t>j</a:t>
+            </a:r>
+            <a:r>
+              <a:rPr lang="en-US" sz="1600" i="1" dirty="0" smtClean="0">
+                <a:solidFill>
+                  <a:srgbClr val="000000"/>
+                </a:solidFill>
+                <a:latin typeface="Calibri" panose="020F0502020204030204" pitchFamily="34" charset="0"/>
+              </a:rPr>
+              <a:t>)</a:t>
+            </a:r>
+            <a:r>
+              <a:rPr lang="en-US" sz="1600" dirty="0" smtClean="0">
+                <a:solidFill>
+                  <a:srgbClr val="000000"/>
+                </a:solidFill>
+                <a:latin typeface="Calibri" panose="020F0502020204030204" pitchFamily="34" charset="0"/>
+              </a:rPr>
               <a:t> </a:t>
             </a:r>
             <a:r>
+              <a:rPr lang="en-US" sz="1600" dirty="0">
+                <a:solidFill>
+                  <a:srgbClr val="000000"/>
+                </a:solidFill>
+                <a:latin typeface="Calibri" panose="020F0502020204030204" pitchFamily="34" charset="0"/>
+              </a:rPr>
+              <a:t>= 1 if </a:t>
+            </a:r>
+            <a:r>
+              <a:rPr lang="sr-Latn-BA" sz="1600" i="1" dirty="0" smtClean="0">
+                <a:solidFill>
+                  <a:srgbClr val="000000"/>
+                </a:solidFill>
+                <a:latin typeface="Calibri" panose="020F0502020204030204" pitchFamily="34" charset="0"/>
+              </a:rPr>
+              <a:t>p</a:t>
+            </a:r>
+            <a:r>
+              <a:rPr lang="sr-Latn-BA" sz="1600" i="1" baseline="-25000" dirty="0" smtClean="0">
+                <a:solidFill>
+                  <a:srgbClr val="000000"/>
+                </a:solidFill>
+                <a:latin typeface="Calibri" panose="020F0502020204030204" pitchFamily="34" charset="0"/>
+              </a:rPr>
+              <a:t>j</a:t>
+            </a:r>
+            <a:r>
               <a:rPr lang="en-US" sz="1600" dirty="0" smtClean="0">
                 <a:solidFill>
                   <a:srgbClr val="000000"/>
                 </a:solidFill>
                 <a:latin typeface="Calibri" panose="020F0502020204030204" pitchFamily="34" charset="0"/>
               </a:rPr>
-              <a:t>F</a:t>
+              <a:t> </a:t>
+            </a:r>
+            <a:r>
+              <a:rPr lang="en-US" sz="1600" dirty="0">
+                <a:solidFill>
+                  <a:srgbClr val="000000"/>
+                </a:solidFill>
+                <a:latin typeface="Calibri" panose="020F0502020204030204" pitchFamily="34" charset="0"/>
+              </a:rPr>
+              <a:t>has the property </a:t>
+            </a:r>
+            <a:r>
+              <a:rPr lang="en-US" sz="1600" i="1" dirty="0">
+                <a:solidFill>
+                  <a:srgbClr val="000000"/>
+                </a:solidFill>
+                <a:latin typeface="Calibri" panose="020F0502020204030204" pitchFamily="34" charset="0"/>
+              </a:rPr>
+              <a:t>prop</a:t>
+            </a:r>
+            <a:r>
+              <a:rPr lang="en-US" sz="1600" dirty="0">
+                <a:solidFill>
+                  <a:srgbClr val="000000"/>
+                </a:solidFill>
+                <a:latin typeface="Calibri" panose="020F0502020204030204" pitchFamily="34" charset="0"/>
+              </a:rPr>
+              <a:t>.</a:t>
+            </a:r>
+          </a:p>
+          <a:p>
+            <a:r>
+              <a:rPr lang="en-US" sz="1600" dirty="0">
+                <a:solidFill>
+                  <a:srgbClr val="000000"/>
+                </a:solidFill>
+                <a:latin typeface="Calibri" panose="020F0502020204030204" pitchFamily="34" charset="0"/>
+              </a:rPr>
+              <a:t>Calculate two inter-arrival distances (IADs) array for successive residues i.e. determine the distance between two successive residues: (</a:t>
+            </a:r>
+            <a:r>
+              <a:rPr lang="en-US" sz="1600" i="1" dirty="0">
+                <a:solidFill>
+                  <a:srgbClr val="000000"/>
+                </a:solidFill>
+                <a:latin typeface="Calibri" panose="020F0502020204030204" pitchFamily="34" charset="0"/>
+              </a:rPr>
+              <a:t>array1</a:t>
+            </a:r>
+            <a:r>
+              <a:rPr lang="en-US" sz="1600" dirty="0">
+                <a:solidFill>
+                  <a:srgbClr val="000000"/>
+                </a:solidFill>
+                <a:latin typeface="Calibri" panose="020F0502020204030204" pitchFamily="34" charset="0"/>
+              </a:rPr>
+              <a:t>) </a:t>
             </a:r>
             <a:r>
               <a:rPr lang="en-US" sz="1600" dirty="0" smtClean="0">
@@ -12584,7 +13200,7 @@
                 </a:solidFill>
                 <a:latin typeface="Calibri" panose="020F0502020204030204" pitchFamily="34" charset="0"/>
               </a:rPr>
-              <a:t>or </a:t>
+              <a:t>distances between ones, and </a:t>
             </a:r>
             <a:r>
               <a:rPr lang="en-US" sz="1600" dirty="0">
@@ -12593,7 +13209,7 @@
                 </a:solidFill>
                 <a:latin typeface="Calibri" panose="020F0502020204030204" pitchFamily="34" charset="0"/>
               </a:rPr>
-              <a:t>a protein sequence, </a:t>
+              <a:t>(</a:t>
             </a:r>
             <a:r>
               <a:rPr lang="en-US" sz="1600" i="1" dirty="0">
@@ -12602,674 +13218,16 @@
                 </a:solidFill>
                 <a:latin typeface="Calibri" panose="020F0502020204030204" pitchFamily="34" charset="0"/>
               </a:rPr>
-              <a:t>S = </a:t>
-            </a:r>
-            <a:r>
-              <a:rPr lang="en-US" sz="1600" i="1" dirty="0" smtClean="0">
+              <a:t>array2</a:t>
+            </a:r>
+            <a:r>
+              <a:rPr lang="en-US" sz="1600" dirty="0">
                 <a:solidFill>
                   <a:srgbClr val="000000"/>
                 </a:solidFill>
                 <a:latin typeface="Calibri" panose="020F0502020204030204" pitchFamily="34" charset="0"/>
               </a:rPr>
-              <a:t>{</a:t>
-            </a:r>
-            <a:r>
-              <a:rPr lang="sr-Latn-BA" sz="1600" i="1" dirty="0">
-                <a:solidFill>
-                  <a:srgbClr val="000000"/>
-                </a:solidFill>
-                <a:latin typeface="Calibri" panose="020F0502020204030204" pitchFamily="34" charset="0"/>
-              </a:rPr>
-              <a:t>p</a:t>
-            </a:r>
-            <a:r>
-              <a:rPr lang="en-US" sz="1600" i="1" baseline="-25000" dirty="0" smtClean="0">
-                <a:solidFill>
-                  <a:srgbClr val="000000"/>
-                </a:solidFill>
-                <a:latin typeface="Calibri" panose="020F0502020204030204" pitchFamily="34" charset="0"/>
-              </a:rPr>
-              <a:t>1</a:t>
-            </a:r>
-            <a:r>
-              <a:rPr lang="en-US" sz="1600" i="1" dirty="0">
-                <a:solidFill>
-                  <a:srgbClr val="000000"/>
-                </a:solidFill>
-                <a:latin typeface="Calibri" panose="020F0502020204030204" pitchFamily="34" charset="0"/>
-              </a:rPr>
-              <a:t>, </a:t>
-            </a:r>
-            <a:r>
-              <a:rPr lang="sr-Latn-BA" sz="1600" i="1" dirty="0" smtClean="0">
-                <a:solidFill>
-                  <a:srgbClr val="000000"/>
-                </a:solidFill>
-                <a:latin typeface="Calibri" panose="020F0502020204030204" pitchFamily="34" charset="0"/>
-              </a:rPr>
-              <a:t>p</a:t>
-            </a:r>
-            <a:r>
-              <a:rPr lang="en-US" sz="1600" i="1" baseline="-25000" dirty="0" smtClean="0">
-                <a:solidFill>
-                  <a:srgbClr val="000000"/>
-                </a:solidFill>
-                <a:latin typeface="Calibri" panose="020F0502020204030204" pitchFamily="34" charset="0"/>
-              </a:rPr>
-              <a:t>2</a:t>
-            </a:r>
-            <a:r>
-              <a:rPr lang="en-US" sz="1600" i="1" dirty="0">
-                <a:solidFill>
-                  <a:srgbClr val="000000"/>
-                </a:solidFill>
-                <a:latin typeface="Calibri" panose="020F0502020204030204" pitchFamily="34" charset="0"/>
-              </a:rPr>
-              <a:t>, </a:t>
-            </a:r>
-            <a:r>
-              <a:rPr lang="sr-Latn-BA" sz="1600" i="1" dirty="0" smtClean="0">
-                <a:solidFill>
-                  <a:srgbClr val="000000"/>
-                </a:solidFill>
-                <a:latin typeface="Calibri" panose="020F0502020204030204" pitchFamily="34" charset="0"/>
-              </a:rPr>
-              <a:t>p</a:t>
-            </a:r>
-            <a:r>
-              <a:rPr lang="en-US" sz="1600" i="1" baseline="-25000" dirty="0" smtClean="0">
-                <a:solidFill>
-                  <a:srgbClr val="000000"/>
-                </a:solidFill>
-                <a:latin typeface="Calibri" panose="020F0502020204030204" pitchFamily="34" charset="0"/>
-              </a:rPr>
-              <a:t>3</a:t>
-            </a:r>
-            <a:r>
-              <a:rPr lang="en-US" sz="1600" i="1" dirty="0" smtClean="0">
-                <a:solidFill>
-                  <a:srgbClr val="000000"/>
-                </a:solidFill>
-                <a:latin typeface="Calibri" panose="020F0502020204030204" pitchFamily="34" charset="0"/>
-              </a:rPr>
-              <a:t>,…,</a:t>
-            </a:r>
-            <a:r>
-              <a:rPr lang="sr-Latn-BA" sz="1600" i="1" dirty="0" err="1">
-                <a:solidFill>
-                  <a:srgbClr val="000000"/>
-                </a:solidFill>
-                <a:latin typeface="Calibri" panose="020F0502020204030204" pitchFamily="34" charset="0"/>
-              </a:rPr>
-              <a:t>p</a:t>
-            </a:r>
-            <a:r>
-              <a:rPr lang="en-US" sz="1600" i="1" baseline="-25000" dirty="0" smtClean="0">
-                <a:solidFill>
-                  <a:srgbClr val="000000"/>
-                </a:solidFill>
-                <a:latin typeface="Calibri" panose="020F0502020204030204" pitchFamily="34" charset="0"/>
-              </a:rPr>
-              <a:t>N</a:t>
-            </a:r>
-            <a:r>
-              <a:rPr lang="en-US" sz="1600" i="1" dirty="0">
-                <a:solidFill>
-                  <a:srgbClr val="000000"/>
-                </a:solidFill>
-                <a:latin typeface="Calibri" panose="020F0502020204030204" pitchFamily="34" charset="0"/>
-              </a:rPr>
-              <a:t>)</a:t>
-            </a:r>
-            <a:r>
-              <a:rPr lang="en-US" sz="1600" dirty="0">
-                <a:solidFill>
-                  <a:srgbClr val="000000"/>
-                </a:solidFill>
-                <a:latin typeface="Calibri" panose="020F0502020204030204" pitchFamily="34" charset="0"/>
-              </a:rPr>
-              <a:t>, where </a:t>
-            </a:r>
-            <a:r>
-              <a:rPr lang="sr-Latn-BA" sz="1600" i="1" dirty="0">
-                <a:solidFill>
-                  <a:srgbClr val="000000"/>
-                </a:solidFill>
-                <a:latin typeface="Calibri" panose="020F0502020204030204" pitchFamily="34" charset="0"/>
-              </a:rPr>
-              <a:t>p</a:t>
-            </a:r>
-            <a:r>
-              <a:rPr lang="en-US" sz="1600" i="1" baseline="-25000" dirty="0">
-                <a:solidFill>
-                  <a:srgbClr val="000000"/>
-                </a:solidFill>
-                <a:latin typeface="Calibri" panose="020F0502020204030204" pitchFamily="34" charset="0"/>
-              </a:rPr>
-              <a:t>1</a:t>
-            </a:r>
-            <a:r>
-              <a:rPr lang="en-US" sz="1600" i="1" dirty="0">
-                <a:solidFill>
-                  <a:srgbClr val="000000"/>
-                </a:solidFill>
-                <a:latin typeface="Calibri" panose="020F0502020204030204" pitchFamily="34" charset="0"/>
-              </a:rPr>
-              <a:t>, </a:t>
-            </a:r>
-            <a:r>
-              <a:rPr lang="sr-Latn-BA" sz="1600" i="1" dirty="0">
-                <a:solidFill>
-                  <a:srgbClr val="000000"/>
-                </a:solidFill>
-                <a:latin typeface="Calibri" panose="020F0502020204030204" pitchFamily="34" charset="0"/>
-              </a:rPr>
-              <a:t>p</a:t>
-            </a:r>
-            <a:r>
-              <a:rPr lang="en-US" sz="1600" i="1" baseline="-25000" dirty="0" smtClean="0">
-                <a:solidFill>
-                  <a:srgbClr val="000000"/>
-                </a:solidFill>
-                <a:latin typeface="Calibri" panose="020F0502020204030204" pitchFamily="34" charset="0"/>
-              </a:rPr>
-              <a:t>2</a:t>
-            </a:r>
-            <a:r>
-              <a:rPr lang="sr-Latn-BA" sz="1600" dirty="0" smtClean="0">
-                <a:solidFill>
-                  <a:srgbClr val="000000"/>
-                </a:solidFill>
-                <a:latin typeface="Calibri" panose="020F0502020204030204" pitchFamily="34" charset="0"/>
-              </a:rPr>
-              <a:t>,</a:t>
-            </a:r>
-            <a:r>
-              <a:rPr lang="en-US" sz="1600" i="1" dirty="0">
-                <a:solidFill>
-                  <a:srgbClr val="000000"/>
-                </a:solidFill>
-                <a:latin typeface="Calibri" panose="020F0502020204030204" pitchFamily="34" charset="0"/>
-              </a:rPr>
-              <a:t> …,</a:t>
-            </a:r>
-            <a:r>
-              <a:rPr lang="sr-Latn-BA" sz="1600" i="1" dirty="0">
-                <a:solidFill>
-                  <a:srgbClr val="000000"/>
-                </a:solidFill>
-                <a:latin typeface="Calibri" panose="020F0502020204030204" pitchFamily="34" charset="0"/>
-              </a:rPr>
-              <a:t>p</a:t>
-            </a:r>
-            <a:r>
-              <a:rPr lang="en-US" sz="1600" i="1" baseline="-25000" dirty="0">
-                <a:solidFill>
-                  <a:srgbClr val="000000"/>
-                </a:solidFill>
-                <a:latin typeface="Calibri" panose="020F0502020204030204" pitchFamily="34" charset="0"/>
-              </a:rPr>
-              <a:t>N</a:t>
-            </a:r>
-            <a:r>
-              <a:rPr lang="en-US" sz="1600" dirty="0" smtClean="0">
-                <a:solidFill>
-                  <a:srgbClr val="000000"/>
-                </a:solidFill>
-                <a:latin typeface="Calibri" panose="020F0502020204030204" pitchFamily="34" charset="0"/>
-              </a:rPr>
-              <a:t> </a:t>
-            </a:r>
-            <a:r>
-              <a:rPr lang="en-US" sz="1600" dirty="0">
-                <a:solidFill>
-                  <a:srgbClr val="000000"/>
-                </a:solidFill>
-                <a:latin typeface="Calibri" panose="020F0502020204030204" pitchFamily="34" charset="0"/>
-              </a:rPr>
-              <a:t>are the successive residues, </a:t>
-            </a:r>
-            <a:r>
-              <a:rPr lang="en-US" sz="1600" dirty="0" smtClean="0">
-                <a:solidFill>
-                  <a:srgbClr val="000000"/>
-                </a:solidFill>
-                <a:latin typeface="Calibri" panose="020F0502020204030204" pitchFamily="34" charset="0"/>
-              </a:rPr>
-              <a:t>      calculate </a:t>
-            </a:r>
-            <a:r>
-              <a:rPr lang="en-US" sz="1600" dirty="0">
-                <a:solidFill>
-                  <a:srgbClr val="000000"/>
-                </a:solidFill>
-                <a:latin typeface="Calibri" panose="020F0502020204030204" pitchFamily="34" charset="0"/>
-              </a:rPr>
-              <a:t>the binary sequence, </a:t>
-            </a:r>
-            <a:r>
-              <a:rPr lang="sr-Latn-BA" sz="1600" i="1" dirty="0">
-                <a:solidFill>
-                  <a:srgbClr val="000000"/>
-                </a:solidFill>
-                <a:latin typeface="Calibri" panose="020F0502020204030204" pitchFamily="34" charset="0"/>
-              </a:rPr>
-              <a:t>F</a:t>
-            </a:r>
-            <a:r>
-              <a:rPr lang="en-US" sz="1600" i="1" dirty="0" smtClean="0">
-                <a:solidFill>
-                  <a:srgbClr val="000000"/>
-                </a:solidFill>
-                <a:latin typeface="Calibri" panose="020F0502020204030204" pitchFamily="34" charset="0"/>
-              </a:rPr>
-              <a:t>(S</a:t>
-            </a:r>
-            <a:r>
-              <a:rPr lang="en-US" sz="1600" i="1" dirty="0">
-                <a:solidFill>
-                  <a:srgbClr val="000000"/>
-                </a:solidFill>
-                <a:latin typeface="Calibri" panose="020F0502020204030204" pitchFamily="34" charset="0"/>
-              </a:rPr>
-              <a:t>)</a:t>
-            </a:r>
-            <a:r>
-              <a:rPr lang="en-US" sz="1600" dirty="0">
-                <a:solidFill>
-                  <a:srgbClr val="000000"/>
-                </a:solidFill>
-                <a:latin typeface="Calibri" panose="020F0502020204030204" pitchFamily="34" charset="0"/>
-              </a:rPr>
-              <a:t> through an indicator </a:t>
-            </a:r>
-            <a:r>
-              <a:rPr lang="en-US" sz="1600" dirty="0" smtClean="0">
-                <a:solidFill>
-                  <a:srgbClr val="000000"/>
-                </a:solidFill>
-                <a:latin typeface="Calibri" panose="020F0502020204030204" pitchFamily="34" charset="0"/>
-              </a:rPr>
-              <a:t>function </a:t>
-            </a:r>
-            <a:r>
-              <a:rPr lang="en-US" sz="1600" i="1" dirty="0">
-                <a:solidFill>
-                  <a:srgbClr val="000000"/>
-                </a:solidFill>
-                <a:latin typeface="Calibri" panose="020F0502020204030204" pitchFamily="34" charset="0"/>
-              </a:rPr>
-              <a:t>f</a:t>
-            </a:r>
-            <a:r>
-              <a:rPr lang="en-US" sz="1600" dirty="0">
-                <a:solidFill>
-                  <a:srgbClr val="000000"/>
-                </a:solidFill>
-                <a:latin typeface="Calibri" panose="020F0502020204030204" pitchFamily="34" charset="0"/>
-              </a:rPr>
-              <a:t>, </a:t>
-            </a:r>
-            <a:r>
-              <a:rPr lang="en-US" sz="1600" dirty="0" smtClean="0">
-                <a:solidFill>
-                  <a:srgbClr val="000000"/>
-                </a:solidFill>
-                <a:latin typeface="Calibri" panose="020F0502020204030204" pitchFamily="34" charset="0"/>
-              </a:rPr>
-              <a:t>as </a:t>
-            </a:r>
-            <a:r>
-              <a:rPr lang="sr-Latn-BA" sz="1600" dirty="0" smtClean="0">
-                <a:solidFill>
-                  <a:srgbClr val="000000"/>
-                </a:solidFill>
-                <a:latin typeface="Calibri" panose="020F0502020204030204" pitchFamily="34" charset="0"/>
-              </a:rPr>
-              <a:t>F</a:t>
-            </a:r>
-            <a:r>
-              <a:rPr lang="en-US" sz="1600" dirty="0" smtClean="0">
-                <a:solidFill>
-                  <a:srgbClr val="000000"/>
-                </a:solidFill>
-                <a:latin typeface="Calibri" panose="020F0502020204030204" pitchFamily="34" charset="0"/>
-              </a:rPr>
-              <a:t>(</a:t>
-            </a:r>
-            <a:r>
-              <a:rPr lang="sr-Latn-BA" sz="1600" dirty="0" smtClean="0">
-                <a:solidFill>
-                  <a:srgbClr val="000000"/>
-                </a:solidFill>
-                <a:latin typeface="Calibri" panose="020F0502020204030204" pitchFamily="34" charset="0"/>
-              </a:rPr>
-              <a:t>S</a:t>
-            </a:r>
-            <a:r>
-              <a:rPr lang="en-US" sz="1600" dirty="0" smtClean="0">
-                <a:solidFill>
-                  <a:srgbClr val="000000"/>
-                </a:solidFill>
-                <a:latin typeface="Calibri" panose="020F0502020204030204" pitchFamily="34" charset="0"/>
-              </a:rPr>
-              <a:t>)={</a:t>
-            </a:r>
-            <a:r>
-              <a:rPr lang="en-US" sz="1600" i="1" dirty="0" smtClean="0">
-                <a:solidFill>
-                  <a:srgbClr val="000000"/>
-                </a:solidFill>
-                <a:latin typeface="Calibri" panose="020F0502020204030204" pitchFamily="34" charset="0"/>
-              </a:rPr>
-              <a:t>f(</a:t>
-            </a:r>
-            <a:r>
-              <a:rPr lang="sr-Latn-BA" sz="1600" i="1" dirty="0">
-                <a:solidFill>
-                  <a:srgbClr val="000000"/>
-                </a:solidFill>
-                <a:latin typeface="Calibri" panose="020F0502020204030204" pitchFamily="34" charset="0"/>
-              </a:rPr>
-              <a:t>p</a:t>
-            </a:r>
-            <a:r>
-              <a:rPr lang="en-US" sz="1600" i="1" baseline="-25000" dirty="0">
-                <a:solidFill>
-                  <a:srgbClr val="000000"/>
-                </a:solidFill>
-                <a:latin typeface="Calibri" panose="020F0502020204030204" pitchFamily="34" charset="0"/>
-              </a:rPr>
-              <a:t>1</a:t>
-            </a:r>
-            <a:r>
-              <a:rPr lang="en-US" sz="1600" i="1" dirty="0" smtClean="0">
-                <a:solidFill>
-                  <a:srgbClr val="000000"/>
-                </a:solidFill>
-                <a:latin typeface="Calibri" panose="020F0502020204030204" pitchFamily="34" charset="0"/>
-              </a:rPr>
-              <a:t>),f(</a:t>
-            </a:r>
-            <a:r>
-              <a:rPr lang="sr-Latn-BA" sz="1600" i="1" dirty="0">
-                <a:solidFill>
-                  <a:srgbClr val="000000"/>
-                </a:solidFill>
-                <a:latin typeface="Calibri" panose="020F0502020204030204" pitchFamily="34" charset="0"/>
-              </a:rPr>
-              <a:t>p</a:t>
-            </a:r>
-            <a:r>
-              <a:rPr lang="en-US" sz="1600" i="1" baseline="-25000" dirty="0">
-                <a:solidFill>
-                  <a:srgbClr val="000000"/>
-                </a:solidFill>
-                <a:latin typeface="Calibri" panose="020F0502020204030204" pitchFamily="34" charset="0"/>
-              </a:rPr>
-              <a:t>2</a:t>
-            </a:r>
-            <a:r>
-              <a:rPr lang="en-US" sz="1600" i="1" dirty="0" smtClean="0">
-                <a:solidFill>
-                  <a:srgbClr val="000000"/>
-                </a:solidFill>
-                <a:latin typeface="Calibri" panose="020F0502020204030204" pitchFamily="34" charset="0"/>
-              </a:rPr>
-              <a:t>)</a:t>
-            </a:r>
-            <a:r>
-              <a:rPr lang="en-US" sz="1600" dirty="0" smtClean="0">
-                <a:solidFill>
-                  <a:srgbClr val="000000"/>
-                </a:solidFill>
-                <a:latin typeface="Calibri" panose="020F0502020204030204" pitchFamily="34" charset="0"/>
-              </a:rPr>
-              <a:t>,…,</a:t>
-            </a:r>
-            <a:r>
-              <a:rPr lang="sr-Latn-BA" sz="1600" i="1" dirty="0" smtClean="0">
-                <a:solidFill>
-                  <a:srgbClr val="000000"/>
-                </a:solidFill>
-                <a:latin typeface="Calibri" panose="020F0502020204030204" pitchFamily="34" charset="0"/>
-              </a:rPr>
-              <a:t> </a:t>
-            </a:r>
-            <a:r>
-              <a:rPr lang="sr-Latn-BA" sz="1600" i="1" dirty="0" smtClean="0">
-                <a:solidFill>
-                  <a:srgbClr val="000000"/>
-                </a:solidFill>
-                <a:latin typeface="Calibri" panose="020F0502020204030204" pitchFamily="34" charset="0"/>
-              </a:rPr>
-              <a:t>f(p</a:t>
-            </a:r>
-            <a:r>
-              <a:rPr lang="en-US" sz="1600" i="1" baseline="-25000" dirty="0" smtClean="0">
-                <a:solidFill>
-                  <a:srgbClr val="000000"/>
-                </a:solidFill>
-                <a:latin typeface="Calibri" panose="020F0502020204030204" pitchFamily="34" charset="0"/>
-              </a:rPr>
-              <a:t>N</a:t>
-            </a:r>
-            <a:r>
-              <a:rPr lang="sr-Latn-BA" sz="1600" dirty="0" smtClean="0">
-                <a:solidFill>
-                  <a:srgbClr val="000000"/>
-                </a:solidFill>
-                <a:latin typeface="Calibri" panose="020F0502020204030204" pitchFamily="34" charset="0"/>
-              </a:rPr>
-              <a:t>)</a:t>
-            </a:r>
-            <a:r>
-              <a:rPr lang="en-US" sz="1600" dirty="0" smtClean="0">
-                <a:solidFill>
-                  <a:srgbClr val="000000"/>
-                </a:solidFill>
-                <a:latin typeface="Calibri" panose="020F0502020204030204" pitchFamily="34" charset="0"/>
-              </a:rPr>
-              <a:t>}</a:t>
-            </a:r>
-            <a:endParaRPr lang="en-US" sz="1600" dirty="0">
-              <a:solidFill>
-                <a:srgbClr val="000000"/>
-              </a:solidFill>
-              <a:latin typeface="Calibri" panose="020F0502020204030204" pitchFamily="34" charset="0"/>
-            </a:endParaRPr>
-          </a:p>
-          <a:p>
-            <a:r>
-              <a:rPr lang="en-US" sz="1600" dirty="0">
-                <a:solidFill>
-                  <a:srgbClr val="000000"/>
-                </a:solidFill>
-                <a:latin typeface="Calibri" panose="020F0502020204030204" pitchFamily="34" charset="0"/>
-              </a:rPr>
-              <a:t>where, </a:t>
-            </a:r>
-            <a:r>
-              <a:rPr lang="en-US" sz="1600" i="1" dirty="0">
-                <a:solidFill>
-                  <a:srgbClr val="000000"/>
-                </a:solidFill>
-                <a:latin typeface="Calibri" panose="020F0502020204030204" pitchFamily="34" charset="0"/>
-              </a:rPr>
-              <a:t>f(</a:t>
-            </a:r>
-            <a:r>
-              <a:rPr lang="sr-Latn-BA" sz="1600" i="1" dirty="0" smtClean="0">
-                <a:solidFill>
-                  <a:srgbClr val="000000"/>
-                </a:solidFill>
-                <a:latin typeface="Calibri" panose="020F0502020204030204" pitchFamily="34" charset="0"/>
-              </a:rPr>
-              <a:t>p</a:t>
-            </a:r>
-            <a:r>
-              <a:rPr lang="sr-Latn-BA" sz="1600" i="1" baseline="-25000" dirty="0" smtClean="0">
-                <a:solidFill>
-                  <a:srgbClr val="000000"/>
-                </a:solidFill>
-                <a:latin typeface="Calibri" panose="020F0502020204030204" pitchFamily="34" charset="0"/>
-              </a:rPr>
-              <a:t>j</a:t>
-            </a:r>
-            <a:r>
-              <a:rPr lang="en-US" sz="1600" i="1" dirty="0" smtClean="0">
-                <a:solidFill>
-                  <a:srgbClr val="000000"/>
-                </a:solidFill>
-                <a:latin typeface="Calibri" panose="020F0502020204030204" pitchFamily="34" charset="0"/>
-              </a:rPr>
-              <a:t>)</a:t>
-            </a:r>
-            <a:r>
-              <a:rPr lang="en-US" sz="1600" dirty="0" smtClean="0">
-                <a:solidFill>
-                  <a:srgbClr val="000000"/>
-                </a:solidFill>
-                <a:latin typeface="Calibri" panose="020F0502020204030204" pitchFamily="34" charset="0"/>
-              </a:rPr>
-              <a:t> </a:t>
-            </a:r>
-            <a:r>
-              <a:rPr lang="en-US" sz="1600" dirty="0">
-                <a:solidFill>
-                  <a:srgbClr val="000000"/>
-                </a:solidFill>
-                <a:latin typeface="Calibri" panose="020F0502020204030204" pitchFamily="34" charset="0"/>
-              </a:rPr>
-              <a:t>= 1 if </a:t>
-            </a:r>
-            <a:r>
-              <a:rPr lang="sr-Latn-BA" sz="1600" i="1" dirty="0" smtClean="0">
-                <a:solidFill>
-                  <a:srgbClr val="000000"/>
-                </a:solidFill>
-                <a:latin typeface="Calibri" panose="020F0502020204030204" pitchFamily="34" charset="0"/>
-              </a:rPr>
-              <a:t>p</a:t>
-            </a:r>
-            <a:r>
-              <a:rPr lang="sr-Latn-BA" sz="1600" i="1" baseline="-25000" dirty="0" smtClean="0">
-                <a:solidFill>
-                  <a:srgbClr val="000000"/>
-                </a:solidFill>
-                <a:latin typeface="Calibri" panose="020F0502020204030204" pitchFamily="34" charset="0"/>
-              </a:rPr>
-              <a:t>j</a:t>
-            </a:r>
-            <a:r>
-              <a:rPr lang="en-US" sz="1600" dirty="0" smtClean="0">
-                <a:solidFill>
-                  <a:srgbClr val="000000"/>
-                </a:solidFill>
-                <a:latin typeface="Calibri" panose="020F0502020204030204" pitchFamily="34" charset="0"/>
-              </a:rPr>
-              <a:t> </a:t>
-            </a:r>
-            <a:r>
-              <a:rPr lang="en-US" sz="1600" dirty="0">
-                <a:solidFill>
-                  <a:srgbClr val="000000"/>
-                </a:solidFill>
-                <a:latin typeface="Calibri" panose="020F0502020204030204" pitchFamily="34" charset="0"/>
-              </a:rPr>
-              <a:t>has the property </a:t>
-            </a:r>
-            <a:r>
-              <a:rPr lang="en-US" sz="1600" i="1" dirty="0">
-                <a:solidFill>
-                  <a:srgbClr val="000000"/>
-                </a:solidFill>
-                <a:latin typeface="Calibri" panose="020F0502020204030204" pitchFamily="34" charset="0"/>
-              </a:rPr>
-              <a:t>prop</a:t>
-            </a:r>
-            <a:r>
-              <a:rPr lang="en-US" sz="1600" dirty="0">
-                <a:solidFill>
-                  <a:srgbClr val="000000"/>
-                </a:solidFill>
-                <a:latin typeface="Calibri" panose="020F0502020204030204" pitchFamily="34" charset="0"/>
-              </a:rPr>
-              <a:t>.</a:t>
-            </a:r>
-          </a:p>
-          <a:p>
-            <a:r>
-              <a:rPr lang="en-US" sz="1600" dirty="0">
-                <a:solidFill>
-                  <a:srgbClr val="000000"/>
-                </a:solidFill>
-                <a:latin typeface="Calibri" panose="020F0502020204030204" pitchFamily="34" charset="0"/>
-              </a:rPr>
-              <a:t>Calculate two inter-arrival distances (IADs) array for successive residues i.e. determine the distance between two successive residues: (</a:t>
-            </a:r>
-            <a:r>
-              <a:rPr lang="en-US" sz="1600" i="1" dirty="0">
-                <a:solidFill>
-                  <a:srgbClr val="000000"/>
-                </a:solidFill>
-                <a:latin typeface="Calibri" panose="020F0502020204030204" pitchFamily="34" charset="0"/>
-              </a:rPr>
-              <a:t>array1</a:t>
-            </a:r>
-            <a:r>
-              <a:rPr lang="en-US" sz="1600" dirty="0">
-                <a:solidFill>
-                  <a:srgbClr val="000000"/>
-                </a:solidFill>
-                <a:latin typeface="Calibri" panose="020F0502020204030204" pitchFamily="34" charset="0"/>
-              </a:rPr>
-              <a:t>) </a:t>
-            </a:r>
-            <a:r>
-              <a:rPr lang="en-US" sz="1600" dirty="0" smtClean="0">
-                <a:solidFill>
-                  <a:srgbClr val="000000"/>
-                </a:solidFill>
-                <a:latin typeface="Calibri" panose="020F0502020204030204" pitchFamily="34" charset="0"/>
-              </a:rPr>
-              <a:t>distances between ones, and </a:t>
-            </a:r>
-            <a:r>
-              <a:rPr lang="en-US" sz="1600" dirty="0">
-                <a:solidFill>
-                  <a:srgbClr val="000000"/>
-                </a:solidFill>
-                <a:latin typeface="Calibri" panose="020F0502020204030204" pitchFamily="34" charset="0"/>
-              </a:rPr>
-              <a:t>(</a:t>
-            </a:r>
-            <a:r>
-              <a:rPr lang="en-US" sz="1600" i="1" dirty="0">
-                <a:solidFill>
-                  <a:srgbClr val="000000"/>
-                </a:solidFill>
-                <a:latin typeface="Calibri" panose="020F0502020204030204" pitchFamily="34" charset="0"/>
-              </a:rPr>
-              <a:t>array2</a:t>
-            </a:r>
-            <a:r>
-              <a:rPr lang="en-US" sz="1600" dirty="0">
-                <a:solidFill>
-                  <a:srgbClr val="000000"/>
-                </a:solidFill>
-                <a:latin typeface="Calibri" panose="020F0502020204030204" pitchFamily="34" charset="0"/>
-              </a:rPr>
-              <a:t>) </a:t>
-            </a:r>
-            <a:r>
-              <a:rPr lang="en-US" sz="1600" dirty="0">
-                <a:solidFill>
-                  <a:srgbClr val="000000"/>
-                </a:solidFill>
-                <a:latin typeface="Calibri" panose="020F0502020204030204" pitchFamily="34" charset="0"/>
-              </a:rPr>
-              <a:t>distances between </a:t>
+              <a:t>) distances between </a:t>
             </a:r>
             <a:r>
               <a:rPr lang="en-US" sz="1600" dirty="0" smtClean="0">
@@ -13466,7 +13424,7 @@
           <p:cNvPr id="21" name="Diagram 20">
             <a:extLst>
               <a:ext uri="{FF2B5EF4-FFF2-40B4-BE49-F238E27FC236}">
-                <a16:creationId xmlns:a16="http://schemas.microsoft.com/office/drawing/2014/main" xmlns="" id="{E3B1F8A6-065A-446D-865B-A7233CC9A7C0}"/>
+                <a16:creationId xmlns="" xmlns:a16="http://schemas.microsoft.com/office/drawing/2014/main" id="{E3B1F8A6-065A-446D-865B-A7233CC9A7C0}"/>
               </a:ext>
             </a:extLst>
           </p:cNvPr>
@@ -13494,7 +13452,7 @@
           <p:cNvPr id="59" name="Rectangle 58">
             <a:extLst>
               <a:ext uri="{FF2B5EF4-FFF2-40B4-BE49-F238E27FC236}">
-                <a16:creationId xmlns:a16="http://schemas.microsoft.com/office/drawing/2014/main" xmlns="" id="{632B674B-5C97-4C65-B93A-0721E9DC16EE}"/>
+                <a16:creationId xmlns="" xmlns:a16="http://schemas.microsoft.com/office/drawing/2014/main" id="{632B674B-5C97-4C65-B93A-0721E9DC16EE}"/>
               </a:ext>
             </a:extLst>
           </p:cNvPr>
@@ -13549,7 +13507,7 @@
           <p:cNvPr id="60" name="Rectangle 59">
             <a:extLst>
               <a:ext uri="{FF2B5EF4-FFF2-40B4-BE49-F238E27FC236}">
-                <a16:creationId xmlns:a16="http://schemas.microsoft.com/office/drawing/2014/main" xmlns="" id="{1447920C-522C-48BD-BD46-479D0D73E142}"/>
+                <a16:creationId xmlns="" xmlns:a16="http://schemas.microsoft.com/office/drawing/2014/main" id="{1447920C-522C-48BD-BD46-479D0D73E142}"/>
               </a:ext>
             </a:extLst>
           </p:cNvPr>
@@ -13632,13 +13590,13 @@
           <p:nvPr>
             <p:extLst>
               <p:ext uri="{D42A27DB-BD31-4B8C-83A1-F6EECF244321}">
-                <p14:modId xmlns:p14="http://schemas.microsoft.com/office/powerpoint/2010/main" val="4172961993"/>
+                <p14:modId xmlns:p14="http://schemas.microsoft.com/office/powerpoint/2010/main" val="1832017449"/>
               </p:ext>
             </p:extLst>
           </p:nvPr>
         </p:nvGraphicFramePr>
         <p:xfrm>
-          <a:off x="3707029" y="25596601"/>
+          <a:off x="4715149" y="25740617"/>
           <a:ext cx="20378272" cy="5088208"/>
         </p:xfrm>
         <a:graphic>

--- a/poster Solun maj 2024/Solun poster 001.pptx
+++ b/poster Solun maj 2024/Solun poster 001.pptx
@@ -8681,7 +8681,7 @@
           <p:cNvPr id="28" name="Rounded Rectangle 3">
             <a:extLst>
               <a:ext uri="{FF2B5EF4-FFF2-40B4-BE49-F238E27FC236}">
-                <a16:creationId xmlns="" xmlns:a16="http://schemas.microsoft.com/office/drawing/2014/main" id="{E42E21C6-7A64-4E84-A503-EF9679DF851D}"/>
+                <a16:creationId xmlns:a16="http://schemas.microsoft.com/office/drawing/2014/main" xmlns="" id="{E42E21C6-7A64-4E84-A503-EF9679DF851D}"/>
               </a:ext>
             </a:extLst>
           </p:cNvPr>
@@ -8754,7 +8754,7 @@
           <p:cNvPr id="27" name="Rounded Rectangle 3">
             <a:extLst>
               <a:ext uri="{FF2B5EF4-FFF2-40B4-BE49-F238E27FC236}">
-                <a16:creationId xmlns="" xmlns:a16="http://schemas.microsoft.com/office/drawing/2014/main" id="{1C16C5A3-8C37-4B07-AA5E-BABF5084826F}"/>
+                <a16:creationId xmlns:a16="http://schemas.microsoft.com/office/drawing/2014/main" xmlns="" id="{1C16C5A3-8C37-4B07-AA5E-BABF5084826F}"/>
               </a:ext>
             </a:extLst>
           </p:cNvPr>
@@ -10906,7 +10906,7 @@
           <p:cNvPr id="30" name="Rounded Rectangle 47">
             <a:extLst>
               <a:ext uri="{FF2B5EF4-FFF2-40B4-BE49-F238E27FC236}">
-                <a16:creationId xmlns="" xmlns:a16="http://schemas.microsoft.com/office/drawing/2014/main" id="{33946411-5D0B-4586-92C0-9422A01632C7}"/>
+                <a16:creationId xmlns:a16="http://schemas.microsoft.com/office/drawing/2014/main" xmlns="" id="{33946411-5D0B-4586-92C0-9422A01632C7}"/>
               </a:ext>
             </a:extLst>
           </p:cNvPr>
@@ -10963,7 +10963,7 @@
           <p:cNvPr id="31" name="Rounded Rectangle 47">
             <a:extLst>
               <a:ext uri="{FF2B5EF4-FFF2-40B4-BE49-F238E27FC236}">
-                <a16:creationId xmlns="" xmlns:a16="http://schemas.microsoft.com/office/drawing/2014/main" id="{5FB06176-787A-4601-99AD-07335A70D009}"/>
+                <a16:creationId xmlns:a16="http://schemas.microsoft.com/office/drawing/2014/main" xmlns="" id="{5FB06176-787A-4601-99AD-07335A70D009}"/>
               </a:ext>
             </a:extLst>
           </p:cNvPr>
@@ -11020,7 +11020,7 @@
           <p:cNvPr id="14" name="Diagram 13">
             <a:extLst>
               <a:ext uri="{FF2B5EF4-FFF2-40B4-BE49-F238E27FC236}">
-                <a16:creationId xmlns="" xmlns:a16="http://schemas.microsoft.com/office/drawing/2014/main" id="{AA320E81-5855-4B1B-A249-74E4C7FE7477}"/>
+                <a16:creationId xmlns:a16="http://schemas.microsoft.com/office/drawing/2014/main" xmlns="" id="{AA320E81-5855-4B1B-A249-74E4C7FE7477}"/>
               </a:ext>
             </a:extLst>
           </p:cNvPr>
@@ -11048,7 +11048,7 @@
           <p:cNvPr id="1026" name="Picture 2" descr="https://assets-global.website-files.com/621e95f9ac30687a56e4297e/64a8d750505cf8e707066669_V2_1676215759712_7b2330a6-df89-49b4-be67-3b44bfb50040.png">
             <a:extLst>
               <a:ext uri="{FF2B5EF4-FFF2-40B4-BE49-F238E27FC236}">
-                <a16:creationId xmlns="" xmlns:a16="http://schemas.microsoft.com/office/drawing/2014/main" id="{EBEBC945-E341-4136-8DC8-448F42B87F70}"/>
+                <a16:creationId xmlns:a16="http://schemas.microsoft.com/office/drawing/2014/main" xmlns="" id="{EBEBC945-E341-4136-8DC8-448F42B87F70}"/>
               </a:ext>
             </a:extLst>
           </p:cNvPr>
@@ -11093,7 +11093,7 @@
           <p:cNvPr id="44" name="Picture 2" descr="https://assets-global.website-files.com/621e95f9ac30687a56e4297e/64a8d750505cf8e707066669_V2_1676215759712_7b2330a6-df89-49b4-be67-3b44bfb50040.png">
             <a:extLst>
               <a:ext uri="{FF2B5EF4-FFF2-40B4-BE49-F238E27FC236}">
-                <a16:creationId xmlns="" xmlns:a16="http://schemas.microsoft.com/office/drawing/2014/main" id="{34F3213A-A300-4253-B3DE-16FD671B4B9E}"/>
+                <a16:creationId xmlns:a16="http://schemas.microsoft.com/office/drawing/2014/main" xmlns="" id="{34F3213A-A300-4253-B3DE-16FD671B4B9E}"/>
               </a:ext>
             </a:extLst>
           </p:cNvPr>
@@ -11138,7 +11138,7 @@
           <p:cNvPr id="18" name="Rectangle 17">
             <a:extLst>
               <a:ext uri="{FF2B5EF4-FFF2-40B4-BE49-F238E27FC236}">
-                <a16:creationId xmlns="" xmlns:a16="http://schemas.microsoft.com/office/drawing/2014/main" id="{15C5418E-2EC7-4CDD-A50D-4A1976FD60F2}"/>
+                <a16:creationId xmlns:a16="http://schemas.microsoft.com/office/drawing/2014/main" xmlns="" id="{15C5418E-2EC7-4CDD-A50D-4A1976FD60F2}"/>
               </a:ext>
             </a:extLst>
           </p:cNvPr>
@@ -11296,7 +11296,7 @@
           <p:cNvPr id="49" name="Rectangle 48">
             <a:extLst>
               <a:ext uri="{FF2B5EF4-FFF2-40B4-BE49-F238E27FC236}">
-                <a16:creationId xmlns="" xmlns:a16="http://schemas.microsoft.com/office/drawing/2014/main" id="{7FA12D37-8BE6-48FA-A3E0-7F6D80828A2A}"/>
+                <a16:creationId xmlns:a16="http://schemas.microsoft.com/office/drawing/2014/main" xmlns="" id="{7FA12D37-8BE6-48FA-A3E0-7F6D80828A2A}"/>
               </a:ext>
             </a:extLst>
           </p:cNvPr>
@@ -11682,7 +11682,7 @@
           <p:cNvPr id="50" name="Rectangle 49">
             <a:extLst>
               <a:ext uri="{FF2B5EF4-FFF2-40B4-BE49-F238E27FC236}">
-                <a16:creationId xmlns="" xmlns:a16="http://schemas.microsoft.com/office/drawing/2014/main" id="{8E1A2B0C-839C-4318-ACA5-56B88B30D089}"/>
+                <a16:creationId xmlns:a16="http://schemas.microsoft.com/office/drawing/2014/main" xmlns="" id="{8E1A2B0C-839C-4318-ACA5-56B88B30D089}"/>
               </a:ext>
             </a:extLst>
           </p:cNvPr>
@@ -11857,7 +11857,7 @@
           <p:cNvPr id="52" name="Rounded Rectangle 47">
             <a:extLst>
               <a:ext uri="{FF2B5EF4-FFF2-40B4-BE49-F238E27FC236}">
-                <a16:creationId xmlns="" xmlns:a16="http://schemas.microsoft.com/office/drawing/2014/main" id="{82BE85DE-FD18-4E3E-BE20-52E122985005}"/>
+                <a16:creationId xmlns:a16="http://schemas.microsoft.com/office/drawing/2014/main" xmlns="" id="{82BE85DE-FD18-4E3E-BE20-52E122985005}"/>
               </a:ext>
             </a:extLst>
           </p:cNvPr>
@@ -11914,7 +11914,7 @@
           <p:cNvPr id="20" name="Arrow: Right 19">
             <a:extLst>
               <a:ext uri="{FF2B5EF4-FFF2-40B4-BE49-F238E27FC236}">
-                <a16:creationId xmlns="" xmlns:a16="http://schemas.microsoft.com/office/drawing/2014/main" id="{F75BF84B-2C0D-4C09-BA31-AFAAC77EAF11}"/>
+                <a16:creationId xmlns:a16="http://schemas.microsoft.com/office/drawing/2014/main" xmlns="" id="{F75BF84B-2C0D-4C09-BA31-AFAAC77EAF11}"/>
               </a:ext>
             </a:extLst>
           </p:cNvPr>
@@ -11960,7 +11960,7 @@
           <p:cNvPr id="55" name="Arrow: Right 54">
             <a:extLst>
               <a:ext uri="{FF2B5EF4-FFF2-40B4-BE49-F238E27FC236}">
-                <a16:creationId xmlns="" xmlns:a16="http://schemas.microsoft.com/office/drawing/2014/main" id="{9FFA1951-3CD1-43F1-812E-2361512B994A}"/>
+                <a16:creationId xmlns:a16="http://schemas.microsoft.com/office/drawing/2014/main" xmlns="" id="{9FFA1951-3CD1-43F1-812E-2361512B994A}"/>
               </a:ext>
             </a:extLst>
           </p:cNvPr>
@@ -12006,7 +12006,7 @@
           <p:cNvPr id="56" name="Rectangle 55">
             <a:extLst>
               <a:ext uri="{FF2B5EF4-FFF2-40B4-BE49-F238E27FC236}">
-                <a16:creationId xmlns="" xmlns:a16="http://schemas.microsoft.com/office/drawing/2014/main" id="{54B82BF6-7CC1-4CC0-A076-02DDFFB69BDA}"/>
+                <a16:creationId xmlns:a16="http://schemas.microsoft.com/office/drawing/2014/main" xmlns="" id="{54B82BF6-7CC1-4CC0-A076-02DDFFB69BDA}"/>
               </a:ext>
             </a:extLst>
           </p:cNvPr>
@@ -12367,7 +12367,7 @@
           <p:cNvPr id="57" name="Rounded Rectangle 47">
             <a:extLst>
               <a:ext uri="{FF2B5EF4-FFF2-40B4-BE49-F238E27FC236}">
-                <a16:creationId xmlns="" xmlns:a16="http://schemas.microsoft.com/office/drawing/2014/main" id="{094D318D-7740-40B1-8FDC-752A452D00FC}"/>
+                <a16:creationId xmlns:a16="http://schemas.microsoft.com/office/drawing/2014/main" xmlns="" id="{094D318D-7740-40B1-8FDC-752A452D00FC}"/>
               </a:ext>
             </a:extLst>
           </p:cNvPr>
@@ -12424,7 +12424,7 @@
           <p:cNvPr id="58" name="Rectangle 57">
             <a:extLst>
               <a:ext uri="{FF2B5EF4-FFF2-40B4-BE49-F238E27FC236}">
-                <a16:creationId xmlns="" xmlns:a16="http://schemas.microsoft.com/office/drawing/2014/main" id="{E5A2346C-B437-4A8F-8C2E-BBED9297E0C1}"/>
+                <a16:creationId xmlns:a16="http://schemas.microsoft.com/office/drawing/2014/main" xmlns="" id="{E5A2346C-B437-4A8F-8C2E-BBED9297E0C1}"/>
               </a:ext>
             </a:extLst>
           </p:cNvPr>
@@ -13424,7 +13424,7 @@
           <p:cNvPr id="21" name="Diagram 20">
             <a:extLst>
               <a:ext uri="{FF2B5EF4-FFF2-40B4-BE49-F238E27FC236}">
-                <a16:creationId xmlns="" xmlns:a16="http://schemas.microsoft.com/office/drawing/2014/main" id="{E3B1F8A6-065A-446D-865B-A7233CC9A7C0}"/>
+                <a16:creationId xmlns:a16="http://schemas.microsoft.com/office/drawing/2014/main" xmlns="" id="{E3B1F8A6-065A-446D-865B-A7233CC9A7C0}"/>
               </a:ext>
             </a:extLst>
           </p:cNvPr>
@@ -13452,7 +13452,7 @@
           <p:cNvPr id="59" name="Rectangle 58">
             <a:extLst>
               <a:ext uri="{FF2B5EF4-FFF2-40B4-BE49-F238E27FC236}">
-                <a16:creationId xmlns="" xmlns:a16="http://schemas.microsoft.com/office/drawing/2014/main" id="{632B674B-5C97-4C65-B93A-0721E9DC16EE}"/>
+                <a16:creationId xmlns:a16="http://schemas.microsoft.com/office/drawing/2014/main" xmlns="" id="{632B674B-5C97-4C65-B93A-0721E9DC16EE}"/>
               </a:ext>
             </a:extLst>
           </p:cNvPr>
@@ -13507,7 +13507,7 @@
           <p:cNvPr id="60" name="Rectangle 59">
             <a:extLst>
               <a:ext uri="{FF2B5EF4-FFF2-40B4-BE49-F238E27FC236}">
-                <a16:creationId xmlns="" xmlns:a16="http://schemas.microsoft.com/office/drawing/2014/main" id="{1447920C-522C-48BD-BD46-479D0D73E142}"/>
+                <a16:creationId xmlns:a16="http://schemas.microsoft.com/office/drawing/2014/main" xmlns="" id="{1447920C-522C-48BD-BD46-479D0D73E142}"/>
               </a:ext>
             </a:extLst>
           </p:cNvPr>

--- a/poster Solun maj 2024/Solun poster 001.pptx
+++ b/poster Solun maj 2024/Solun poster 001.pptx
@@ -5358,7 +5358,7 @@
           <a:p>
             <a:fld id="{E9776662-CA49-4C96-9773-885CF69B3004}" type="datetimeFigureOut">
               <a:rPr lang="en-US" smtClean="0"/>
-              <a:t>4/10/2024</a:t>
+              <a:t>4/11/2024</a:t>
             </a:fld>
             <a:endParaRPr lang="en-US"/>
           </a:p>
@@ -5891,7 +5891,7 @@
             <a:fld id="{7A200072-612F-4A00-B036-4E419A70927F}" type="datetimeFigureOut">
               <a:rPr lang="sr-Latn-BA" smtClean="0"/>
               <a:pPr/>
-              <a:t>10.4.2024.</a:t>
+              <a:t>11.4.2024.</a:t>
             </a:fld>
             <a:endParaRPr lang="sr-Latn-BA"/>
           </a:p>
@@ -6058,7 +6058,7 @@
             <a:fld id="{7A200072-612F-4A00-B036-4E419A70927F}" type="datetimeFigureOut">
               <a:rPr lang="sr-Latn-BA" smtClean="0"/>
               <a:pPr/>
-              <a:t>10.4.2024.</a:t>
+              <a:t>11.4.2024.</a:t>
             </a:fld>
             <a:endParaRPr lang="sr-Latn-BA"/>
           </a:p>
@@ -6235,7 +6235,7 @@
             <a:fld id="{7A200072-612F-4A00-B036-4E419A70927F}" type="datetimeFigureOut">
               <a:rPr lang="sr-Latn-BA" smtClean="0"/>
               <a:pPr/>
-              <a:t>10.4.2024.</a:t>
+              <a:t>11.4.2024.</a:t>
             </a:fld>
             <a:endParaRPr lang="sr-Latn-BA"/>
           </a:p>
@@ -6402,7 +6402,7 @@
             <a:fld id="{7A200072-612F-4A00-B036-4E419A70927F}" type="datetimeFigureOut">
               <a:rPr lang="sr-Latn-BA" smtClean="0"/>
               <a:pPr/>
-              <a:t>10.4.2024.</a:t>
+              <a:t>11.4.2024.</a:t>
             </a:fld>
             <a:endParaRPr lang="sr-Latn-BA"/>
           </a:p>
@@ -6645,7 +6645,7 @@
             <a:fld id="{7A200072-612F-4A00-B036-4E419A70927F}" type="datetimeFigureOut">
               <a:rPr lang="sr-Latn-BA" smtClean="0"/>
               <a:pPr/>
-              <a:t>10.4.2024.</a:t>
+              <a:t>11.4.2024.</a:t>
             </a:fld>
             <a:endParaRPr lang="sr-Latn-BA"/>
           </a:p>
@@ -6930,7 +6930,7 @@
             <a:fld id="{7A200072-612F-4A00-B036-4E419A70927F}" type="datetimeFigureOut">
               <a:rPr lang="sr-Latn-BA" smtClean="0"/>
               <a:pPr/>
-              <a:t>10.4.2024.</a:t>
+              <a:t>11.4.2024.</a:t>
             </a:fld>
             <a:endParaRPr lang="sr-Latn-BA"/>
           </a:p>
@@ -7354,7 +7354,7 @@
             <a:fld id="{7A200072-612F-4A00-B036-4E419A70927F}" type="datetimeFigureOut">
               <a:rPr lang="sr-Latn-BA" smtClean="0"/>
               <a:pPr/>
-              <a:t>10.4.2024.</a:t>
+              <a:t>11.4.2024.</a:t>
             </a:fld>
             <a:endParaRPr lang="sr-Latn-BA"/>
           </a:p>
@@ -7469,7 +7469,7 @@
             <a:fld id="{7A200072-612F-4A00-B036-4E419A70927F}" type="datetimeFigureOut">
               <a:rPr lang="sr-Latn-BA" smtClean="0"/>
               <a:pPr/>
-              <a:t>10.4.2024.</a:t>
+              <a:t>11.4.2024.</a:t>
             </a:fld>
             <a:endParaRPr lang="sr-Latn-BA"/>
           </a:p>
@@ -7561,7 +7561,7 @@
             <a:fld id="{7A200072-612F-4A00-B036-4E419A70927F}" type="datetimeFigureOut">
               <a:rPr lang="sr-Latn-BA" smtClean="0"/>
               <a:pPr/>
-              <a:t>10.4.2024.</a:t>
+              <a:t>11.4.2024.</a:t>
             </a:fld>
             <a:endParaRPr lang="sr-Latn-BA"/>
           </a:p>
@@ -7835,7 +7835,7 @@
             <a:fld id="{7A200072-612F-4A00-B036-4E419A70927F}" type="datetimeFigureOut">
               <a:rPr lang="sr-Latn-BA" smtClean="0"/>
               <a:pPr/>
-              <a:t>10.4.2024.</a:t>
+              <a:t>11.4.2024.</a:t>
             </a:fld>
             <a:endParaRPr lang="sr-Latn-BA"/>
           </a:p>
@@ -8085,7 +8085,7 @@
             <a:fld id="{7A200072-612F-4A00-B036-4E419A70927F}" type="datetimeFigureOut">
               <a:rPr lang="sr-Latn-BA" smtClean="0"/>
               <a:pPr/>
-              <a:t>10.4.2024.</a:t>
+              <a:t>11.4.2024.</a:t>
             </a:fld>
             <a:endParaRPr lang="sr-Latn-BA"/>
           </a:p>
@@ -8305,7 +8305,7 @@
             <a:fld id="{7A200072-612F-4A00-B036-4E419A70927F}" type="datetimeFigureOut">
               <a:rPr lang="sr-Latn-BA" smtClean="0"/>
               <a:pPr/>
-              <a:t>10.4.2024.</a:t>
+              <a:t>11.4.2024.</a:t>
             </a:fld>
             <a:endParaRPr lang="sr-Latn-BA"/>
           </a:p>
@@ -8681,7 +8681,7 @@
           <p:cNvPr id="28" name="Rounded Rectangle 3">
             <a:extLst>
               <a:ext uri="{FF2B5EF4-FFF2-40B4-BE49-F238E27FC236}">
-                <a16:creationId xmlns:a16="http://schemas.microsoft.com/office/drawing/2014/main" xmlns="" id="{E42E21C6-7A64-4E84-A503-EF9679DF851D}"/>
+                <a16:creationId xmlns="" xmlns:a16="http://schemas.microsoft.com/office/drawing/2014/main" id="{E42E21C6-7A64-4E84-A503-EF9679DF851D}"/>
               </a:ext>
             </a:extLst>
           </p:cNvPr>
@@ -8754,7 +8754,7 @@
           <p:cNvPr id="27" name="Rounded Rectangle 3">
             <a:extLst>
               <a:ext uri="{FF2B5EF4-FFF2-40B4-BE49-F238E27FC236}">
-                <a16:creationId xmlns:a16="http://schemas.microsoft.com/office/drawing/2014/main" xmlns="" id="{1C16C5A3-8C37-4B07-AA5E-BABF5084826F}"/>
+                <a16:creationId xmlns="" xmlns:a16="http://schemas.microsoft.com/office/drawing/2014/main" id="{1C16C5A3-8C37-4B07-AA5E-BABF5084826F}"/>
               </a:ext>
             </a:extLst>
           </p:cNvPr>
@@ -8763,7 +8763,7 @@
         </p:nvSpPr>
         <p:spPr>
           <a:xfrm>
-            <a:off x="442163" y="15953364"/>
+            <a:off x="394669" y="15947529"/>
             <a:ext cx="15578242" cy="7546294"/>
           </a:xfrm>
           <a:prstGeom prst="roundRect">
@@ -10906,7 +10906,7 @@
           <p:cNvPr id="30" name="Rounded Rectangle 47">
             <a:extLst>
               <a:ext uri="{FF2B5EF4-FFF2-40B4-BE49-F238E27FC236}">
-                <a16:creationId xmlns:a16="http://schemas.microsoft.com/office/drawing/2014/main" xmlns="" id="{33946411-5D0B-4586-92C0-9422A01632C7}"/>
+                <a16:creationId xmlns="" xmlns:a16="http://schemas.microsoft.com/office/drawing/2014/main" id="{33946411-5D0B-4586-92C0-9422A01632C7}"/>
               </a:ext>
             </a:extLst>
           </p:cNvPr>
@@ -10963,7 +10963,7 @@
           <p:cNvPr id="31" name="Rounded Rectangle 47">
             <a:extLst>
               <a:ext uri="{FF2B5EF4-FFF2-40B4-BE49-F238E27FC236}">
-                <a16:creationId xmlns:a16="http://schemas.microsoft.com/office/drawing/2014/main" xmlns="" id="{5FB06176-787A-4601-99AD-07335A70D009}"/>
+                <a16:creationId xmlns="" xmlns:a16="http://schemas.microsoft.com/office/drawing/2014/main" id="{5FB06176-787A-4601-99AD-07335A70D009}"/>
               </a:ext>
             </a:extLst>
           </p:cNvPr>
@@ -11020,7 +11020,7 @@
           <p:cNvPr id="14" name="Diagram 13">
             <a:extLst>
               <a:ext uri="{FF2B5EF4-FFF2-40B4-BE49-F238E27FC236}">
-                <a16:creationId xmlns:a16="http://schemas.microsoft.com/office/drawing/2014/main" xmlns="" id="{AA320E81-5855-4B1B-A249-74E4C7FE7477}"/>
+                <a16:creationId xmlns="" xmlns:a16="http://schemas.microsoft.com/office/drawing/2014/main" id="{AA320E81-5855-4B1B-A249-74E4C7FE7477}"/>
               </a:ext>
             </a:extLst>
           </p:cNvPr>
@@ -11048,7 +11048,7 @@
           <p:cNvPr id="1026" name="Picture 2" descr="https://assets-global.website-files.com/621e95f9ac30687a56e4297e/64a8d750505cf8e707066669_V2_1676215759712_7b2330a6-df89-49b4-be67-3b44bfb50040.png">
             <a:extLst>
               <a:ext uri="{FF2B5EF4-FFF2-40B4-BE49-F238E27FC236}">
-                <a16:creationId xmlns:a16="http://schemas.microsoft.com/office/drawing/2014/main" xmlns="" id="{EBEBC945-E341-4136-8DC8-448F42B87F70}"/>
+                <a16:creationId xmlns="" xmlns:a16="http://schemas.microsoft.com/office/drawing/2014/main" id="{EBEBC945-E341-4136-8DC8-448F42B87F70}"/>
               </a:ext>
             </a:extLst>
           </p:cNvPr>
@@ -11070,7 +11070,7 @@
         </p:blipFill>
         <p:spPr bwMode="auto">
           <a:xfrm>
-            <a:off x="776033" y="16752672"/>
+            <a:off x="682701" y="16667609"/>
             <a:ext cx="3456385" cy="2503869"/>
           </a:xfrm>
           <a:prstGeom prst="rect">
@@ -11093,7 +11093,7 @@
           <p:cNvPr id="44" name="Picture 2" descr="https://assets-global.website-files.com/621e95f9ac30687a56e4297e/64a8d750505cf8e707066669_V2_1676215759712_7b2330a6-df89-49b4-be67-3b44bfb50040.png">
             <a:extLst>
               <a:ext uri="{FF2B5EF4-FFF2-40B4-BE49-F238E27FC236}">
-                <a16:creationId xmlns:a16="http://schemas.microsoft.com/office/drawing/2014/main" xmlns="" id="{34F3213A-A300-4253-B3DE-16FD671B4B9E}"/>
+                <a16:creationId xmlns="" xmlns:a16="http://schemas.microsoft.com/office/drawing/2014/main" id="{34F3213A-A300-4253-B3DE-16FD671B4B9E}"/>
               </a:ext>
             </a:extLst>
           </p:cNvPr>
@@ -11115,7 +11115,7 @@
         </p:blipFill>
         <p:spPr bwMode="auto">
           <a:xfrm>
-            <a:off x="4571133" y="16739617"/>
+            <a:off x="5020273" y="16667609"/>
             <a:ext cx="3456385" cy="2503869"/>
           </a:xfrm>
           <a:prstGeom prst="rect">
@@ -11138,7 +11138,7 @@
           <p:cNvPr id="18" name="Rectangle 17">
             <a:extLst>
               <a:ext uri="{FF2B5EF4-FFF2-40B4-BE49-F238E27FC236}">
-                <a16:creationId xmlns:a16="http://schemas.microsoft.com/office/drawing/2014/main" xmlns="" id="{15C5418E-2EC7-4CDD-A50D-4A1976FD60F2}"/>
+                <a16:creationId xmlns="" xmlns:a16="http://schemas.microsoft.com/office/drawing/2014/main" id="{15C5418E-2EC7-4CDD-A50D-4A1976FD60F2}"/>
               </a:ext>
             </a:extLst>
           </p:cNvPr>
@@ -11296,7 +11296,7 @@
           <p:cNvPr id="49" name="Rectangle 48">
             <a:extLst>
               <a:ext uri="{FF2B5EF4-FFF2-40B4-BE49-F238E27FC236}">
-                <a16:creationId xmlns:a16="http://schemas.microsoft.com/office/drawing/2014/main" xmlns="" id="{7FA12D37-8BE6-48FA-A3E0-7F6D80828A2A}"/>
+                <a16:creationId xmlns="" xmlns:a16="http://schemas.microsoft.com/office/drawing/2014/main" id="{7FA12D37-8BE6-48FA-A3E0-7F6D80828A2A}"/>
               </a:ext>
             </a:extLst>
           </p:cNvPr>
@@ -11682,7 +11682,7 @@
           <p:cNvPr id="50" name="Rectangle 49">
             <a:extLst>
               <a:ext uri="{FF2B5EF4-FFF2-40B4-BE49-F238E27FC236}">
-                <a16:creationId xmlns:a16="http://schemas.microsoft.com/office/drawing/2014/main" xmlns="" id="{8E1A2B0C-839C-4318-ACA5-56B88B30D089}"/>
+                <a16:creationId xmlns="" xmlns:a16="http://schemas.microsoft.com/office/drawing/2014/main" id="{8E1A2B0C-839C-4318-ACA5-56B88B30D089}"/>
               </a:ext>
             </a:extLst>
           </p:cNvPr>
@@ -11857,7 +11857,7 @@
           <p:cNvPr id="52" name="Rounded Rectangle 47">
             <a:extLst>
               <a:ext uri="{FF2B5EF4-FFF2-40B4-BE49-F238E27FC236}">
-                <a16:creationId xmlns:a16="http://schemas.microsoft.com/office/drawing/2014/main" xmlns="" id="{82BE85DE-FD18-4E3E-BE20-52E122985005}"/>
+                <a16:creationId xmlns="" xmlns:a16="http://schemas.microsoft.com/office/drawing/2014/main" id="{82BE85DE-FD18-4E3E-BE20-52E122985005}"/>
               </a:ext>
             </a:extLst>
           </p:cNvPr>
@@ -11914,7 +11914,7 @@
           <p:cNvPr id="20" name="Arrow: Right 19">
             <a:extLst>
               <a:ext uri="{FF2B5EF4-FFF2-40B4-BE49-F238E27FC236}">
-                <a16:creationId xmlns:a16="http://schemas.microsoft.com/office/drawing/2014/main" xmlns="" id="{F75BF84B-2C0D-4C09-BA31-AFAAC77EAF11}"/>
+                <a16:creationId xmlns="" xmlns:a16="http://schemas.microsoft.com/office/drawing/2014/main" id="{F75BF84B-2C0D-4C09-BA31-AFAAC77EAF11}"/>
               </a:ext>
             </a:extLst>
           </p:cNvPr>
@@ -11923,7 +11923,7 @@
         </p:nvSpPr>
         <p:spPr>
           <a:xfrm>
-            <a:off x="8106792" y="17120866"/>
+            <a:off x="8531573" y="17027649"/>
             <a:ext cx="1053527" cy="748945"/>
           </a:xfrm>
           <a:prstGeom prst="rightArrow">
@@ -11960,7 +11960,7 @@
           <p:cNvPr id="55" name="Arrow: Right 54">
             <a:extLst>
               <a:ext uri="{FF2B5EF4-FFF2-40B4-BE49-F238E27FC236}">
-                <a16:creationId xmlns:a16="http://schemas.microsoft.com/office/drawing/2014/main" xmlns="" id="{9FFA1951-3CD1-43F1-812E-2361512B994A}"/>
+                <a16:creationId xmlns="" xmlns:a16="http://schemas.microsoft.com/office/drawing/2014/main" id="{9FFA1951-3CD1-43F1-812E-2361512B994A}"/>
               </a:ext>
             </a:extLst>
           </p:cNvPr>
@@ -12006,7 +12006,7 @@
           <p:cNvPr id="56" name="Rectangle 55">
             <a:extLst>
               <a:ext uri="{FF2B5EF4-FFF2-40B4-BE49-F238E27FC236}">
-                <a16:creationId xmlns:a16="http://schemas.microsoft.com/office/drawing/2014/main" xmlns="" id="{54B82BF6-7CC1-4CC0-A076-02DDFFB69BDA}"/>
+                <a16:creationId xmlns="" xmlns:a16="http://schemas.microsoft.com/office/drawing/2014/main" id="{54B82BF6-7CC1-4CC0-A076-02DDFFB69BDA}"/>
               </a:ext>
             </a:extLst>
           </p:cNvPr>
@@ -12367,7 +12367,7 @@
           <p:cNvPr id="57" name="Rounded Rectangle 47">
             <a:extLst>
               <a:ext uri="{FF2B5EF4-FFF2-40B4-BE49-F238E27FC236}">
-                <a16:creationId xmlns:a16="http://schemas.microsoft.com/office/drawing/2014/main" xmlns="" id="{094D318D-7740-40B1-8FDC-752A452D00FC}"/>
+                <a16:creationId xmlns="" xmlns:a16="http://schemas.microsoft.com/office/drawing/2014/main" id="{094D318D-7740-40B1-8FDC-752A452D00FC}"/>
               </a:ext>
             </a:extLst>
           </p:cNvPr>
@@ -12424,7 +12424,7 @@
           <p:cNvPr id="58" name="Rectangle 57">
             <a:extLst>
               <a:ext uri="{FF2B5EF4-FFF2-40B4-BE49-F238E27FC236}">
-                <a16:creationId xmlns:a16="http://schemas.microsoft.com/office/drawing/2014/main" xmlns="" id="{E5A2346C-B437-4A8F-8C2E-BBED9297E0C1}"/>
+                <a16:creationId xmlns="" xmlns:a16="http://schemas.microsoft.com/office/drawing/2014/main" id="{E5A2346C-B437-4A8F-8C2E-BBED9297E0C1}"/>
               </a:ext>
             </a:extLst>
           </p:cNvPr>
@@ -13424,7 +13424,7 @@
           <p:cNvPr id="21" name="Diagram 20">
             <a:extLst>
               <a:ext uri="{FF2B5EF4-FFF2-40B4-BE49-F238E27FC236}">
-                <a16:creationId xmlns:a16="http://schemas.microsoft.com/office/drawing/2014/main" xmlns="" id="{E3B1F8A6-065A-446D-865B-A7233CC9A7C0}"/>
+                <a16:creationId xmlns="" xmlns:a16="http://schemas.microsoft.com/office/drawing/2014/main" id="{E3B1F8A6-065A-446D-865B-A7233CC9A7C0}"/>
               </a:ext>
             </a:extLst>
           </p:cNvPr>
@@ -13452,7 +13452,7 @@
           <p:cNvPr id="59" name="Rectangle 58">
             <a:extLst>
               <a:ext uri="{FF2B5EF4-FFF2-40B4-BE49-F238E27FC236}">
-                <a16:creationId xmlns:a16="http://schemas.microsoft.com/office/drawing/2014/main" xmlns="" id="{632B674B-5C97-4C65-B93A-0721E9DC16EE}"/>
+                <a16:creationId xmlns="" xmlns:a16="http://schemas.microsoft.com/office/drawing/2014/main" id="{632B674B-5C97-4C65-B93A-0721E9DC16EE}"/>
               </a:ext>
             </a:extLst>
           </p:cNvPr>
@@ -13507,7 +13507,7 @@
           <p:cNvPr id="60" name="Rectangle 59">
             <a:extLst>
               <a:ext uri="{FF2B5EF4-FFF2-40B4-BE49-F238E27FC236}">
-                <a16:creationId xmlns:a16="http://schemas.microsoft.com/office/drawing/2014/main" xmlns="" id="{1447920C-522C-48BD-BD46-479D0D73E142}"/>
+                <a16:creationId xmlns="" xmlns:a16="http://schemas.microsoft.com/office/drawing/2014/main" id="{1447920C-522C-48BD-BD46-479D0D73E142}"/>
               </a:ext>
             </a:extLst>
           </p:cNvPr>
@@ -13590,7 +13590,7 @@
           <p:nvPr>
             <p:extLst>
               <p:ext uri="{D42A27DB-BD31-4B8C-83A1-F6EECF244321}">
-                <p14:modId xmlns:p14="http://schemas.microsoft.com/office/powerpoint/2010/main" val="1832017449"/>
+                <p14:modId xmlns:p14="http://schemas.microsoft.com/office/powerpoint/2010/main" val="957424099"/>
               </p:ext>
             </p:extLst>
           </p:nvPr>
@@ -13930,13 +13930,31 @@
                   </a:txBody>
                   <a:tcPr/>
                 </a:tc>
-                <a:tc gridSpan="2">
+                <a:tc>
                   <a:txBody>
                     <a:bodyPr/>
                     <a:lstStyle/>
                     <a:p>
-                      <a:pPr algn="ctr"/>
-                      <a:endParaRPr lang="en-US" sz="3000" dirty="0"/>
+                      <a:pPr marL="0" marR="0" algn="ctr">
+                        <a:lnSpc>
+                          <a:spcPct val="107000"/>
+                        </a:lnSpc>
+                        <a:spcBef>
+                          <a:spcPts val="0"/>
+                        </a:spcBef>
+                        <a:spcAft>
+                          <a:spcPts val="800"/>
+                        </a:spcAft>
+                      </a:pPr>
+                      <a:r>
+                        <a:rPr lang="en-US" sz="2800">
+                          <a:effectLst/>
+                          <a:latin typeface="Calibri" panose="020F0502020204030204" pitchFamily="34" charset="0"/>
+                          <a:ea typeface="Calibri" panose="020F0502020204030204" pitchFamily="34" charset="0"/>
+                          <a:cs typeface="Times New Roman" panose="02020603050405020304" pitchFamily="18" charset="0"/>
+                        </a:rPr>
+                        <a:t>0.93</a:t>
+                      </a:r>
                     </a:p>
                   </a:txBody>
                   <a:tcPr anchor="ctr">
@@ -13960,23 +13978,60 @@
                     </a:lnR>
                   </a:tcPr>
                 </a:tc>
-                <a:tc hMerge="1">
+                <a:tc>
                   <a:txBody>
                     <a:bodyPr/>
                     <a:lstStyle/>
                     <a:p>
-                      <a:endParaRPr lang="en-US"/>
+                      <a:pPr marL="0" marR="0" algn="ctr">
+                        <a:lnSpc>
+                          <a:spcPct val="107000"/>
+                        </a:lnSpc>
+                        <a:spcBef>
+                          <a:spcPts val="0"/>
+                        </a:spcBef>
+                        <a:spcAft>
+                          <a:spcPts val="800"/>
+                        </a:spcAft>
+                      </a:pPr>
+                      <a:r>
+                        <a:rPr lang="en-US" sz="2800">
+                          <a:effectLst/>
+                          <a:latin typeface="Calibri" panose="020F0502020204030204" pitchFamily="34" charset="0"/>
+                          <a:ea typeface="Calibri" panose="020F0502020204030204" pitchFamily="34" charset="0"/>
+                          <a:cs typeface="Times New Roman" panose="02020603050405020304" pitchFamily="18" charset="0"/>
+                        </a:rPr>
+                        <a:t>0.91</a:t>
+                      </a:r>
                     </a:p>
                   </a:txBody>
-                  <a:tcPr/>
+                  <a:tcPr anchor="ctr"/>
                 </a:tc>
-                <a:tc gridSpan="2">
+                <a:tc>
                   <a:txBody>
                     <a:bodyPr/>
                     <a:lstStyle/>
                     <a:p>
-                      <a:pPr algn="ctr"/>
-                      <a:endParaRPr lang="en-US" sz="3000" dirty="0"/>
+                      <a:pPr marL="0" marR="0" algn="ctr">
+                        <a:lnSpc>
+                          <a:spcPct val="107000"/>
+                        </a:lnSpc>
+                        <a:spcBef>
+                          <a:spcPts val="0"/>
+                        </a:spcBef>
+                        <a:spcAft>
+                          <a:spcPts val="800"/>
+                        </a:spcAft>
+                      </a:pPr>
+                      <a:r>
+                        <a:rPr lang="en-US" sz="2800">
+                          <a:effectLst/>
+                          <a:latin typeface="Calibri" panose="020F0502020204030204" pitchFamily="34" charset="0"/>
+                          <a:ea typeface="Calibri" panose="020F0502020204030204" pitchFamily="34" charset="0"/>
+                          <a:cs typeface="Times New Roman" panose="02020603050405020304" pitchFamily="18" charset="0"/>
+                        </a:rPr>
+                        <a:t>0.92</a:t>
+                      </a:r>
                     </a:p>
                   </a:txBody>
                   <a:tcPr anchor="ctr">
@@ -14000,23 +14055,60 @@
                     </a:lnR>
                   </a:tcPr>
                 </a:tc>
-                <a:tc hMerge="1">
+                <a:tc>
                   <a:txBody>
                     <a:bodyPr/>
                     <a:lstStyle/>
                     <a:p>
-                      <a:endParaRPr lang="en-US"/>
+                      <a:pPr marL="0" marR="0" algn="ctr">
+                        <a:lnSpc>
+                          <a:spcPct val="107000"/>
+                        </a:lnSpc>
+                        <a:spcBef>
+                          <a:spcPts val="0"/>
+                        </a:spcBef>
+                        <a:spcAft>
+                          <a:spcPts val="800"/>
+                        </a:spcAft>
+                      </a:pPr>
+                      <a:r>
+                        <a:rPr lang="en-US" sz="2800">
+                          <a:effectLst/>
+                          <a:latin typeface="Calibri" panose="020F0502020204030204" pitchFamily="34" charset="0"/>
+                          <a:ea typeface="Calibri" panose="020F0502020204030204" pitchFamily="34" charset="0"/>
+                          <a:cs typeface="Times New Roman" panose="02020603050405020304" pitchFamily="18" charset="0"/>
+                        </a:rPr>
+                        <a:t>0.90</a:t>
+                      </a:r>
                     </a:p>
                   </a:txBody>
-                  <a:tcPr/>
+                  <a:tcPr anchor="ctr"/>
                 </a:tc>
-                <a:tc gridSpan="2">
+                <a:tc>
                   <a:txBody>
                     <a:bodyPr/>
                     <a:lstStyle/>
                     <a:p>
-                      <a:pPr algn="ctr"/>
-                      <a:endParaRPr lang="en-US" sz="3000" dirty="0"/>
+                      <a:pPr marL="0" marR="0" algn="ctr">
+                        <a:lnSpc>
+                          <a:spcPct val="107000"/>
+                        </a:lnSpc>
+                        <a:spcBef>
+                          <a:spcPts val="0"/>
+                        </a:spcBef>
+                        <a:spcAft>
+                          <a:spcPts val="800"/>
+                        </a:spcAft>
+                      </a:pPr>
+                      <a:r>
+                        <a:rPr lang="en-US" sz="2800">
+                          <a:effectLst/>
+                          <a:latin typeface="Calibri" panose="020F0502020204030204" pitchFamily="34" charset="0"/>
+                          <a:ea typeface="Calibri" panose="020F0502020204030204" pitchFamily="34" charset="0"/>
+                          <a:cs typeface="Times New Roman" panose="02020603050405020304" pitchFamily="18" charset="0"/>
+                        </a:rPr>
+                        <a:t>0.93</a:t>
+                      </a:r>
                     </a:p>
                   </a:txBody>
                   <a:tcPr anchor="ctr">
@@ -14040,23 +14132,60 @@
                     </a:lnR>
                   </a:tcPr>
                 </a:tc>
-                <a:tc hMerge="1">
+                <a:tc>
                   <a:txBody>
                     <a:bodyPr/>
                     <a:lstStyle/>
                     <a:p>
-                      <a:endParaRPr lang="en-US"/>
+                      <a:pPr marL="0" marR="0" algn="ctr">
+                        <a:lnSpc>
+                          <a:spcPct val="107000"/>
+                        </a:lnSpc>
+                        <a:spcBef>
+                          <a:spcPts val="0"/>
+                        </a:spcBef>
+                        <a:spcAft>
+                          <a:spcPts val="800"/>
+                        </a:spcAft>
+                      </a:pPr>
+                      <a:r>
+                        <a:rPr lang="en-US" sz="2800">
+                          <a:effectLst/>
+                          <a:latin typeface="Calibri" panose="020F0502020204030204" pitchFamily="34" charset="0"/>
+                          <a:ea typeface="Calibri" panose="020F0502020204030204" pitchFamily="34" charset="0"/>
+                          <a:cs typeface="Times New Roman" panose="02020603050405020304" pitchFamily="18" charset="0"/>
+                        </a:rPr>
+                        <a:t>0.91</a:t>
+                      </a:r>
                     </a:p>
                   </a:txBody>
-                  <a:tcPr/>
+                  <a:tcPr anchor="ctr"/>
                 </a:tc>
-                <a:tc gridSpan="2">
+                <a:tc>
                   <a:txBody>
                     <a:bodyPr/>
                     <a:lstStyle/>
                     <a:p>
-                      <a:pPr algn="ctr"/>
-                      <a:endParaRPr lang="en-US" sz="3000"/>
+                      <a:pPr marL="0" marR="0" algn="ctr">
+                        <a:lnSpc>
+                          <a:spcPct val="107000"/>
+                        </a:lnSpc>
+                        <a:spcBef>
+                          <a:spcPts val="0"/>
+                        </a:spcBef>
+                        <a:spcAft>
+                          <a:spcPts val="800"/>
+                        </a:spcAft>
+                      </a:pPr>
+                      <a:r>
+                        <a:rPr lang="en-US" sz="2800">
+                          <a:effectLst/>
+                          <a:latin typeface="Calibri" panose="020F0502020204030204" pitchFamily="34" charset="0"/>
+                          <a:ea typeface="Calibri" panose="020F0502020204030204" pitchFamily="34" charset="0"/>
+                          <a:cs typeface="Times New Roman" panose="02020603050405020304" pitchFamily="18" charset="0"/>
+                        </a:rPr>
+                        <a:t>0.92</a:t>
+                      </a:r>
                     </a:p>
                   </a:txBody>
                   <a:tcPr anchor="ctr">
@@ -14071,15 +14200,34 @@
                     </a:lnL>
                   </a:tcPr>
                 </a:tc>
-                <a:tc hMerge="1">
+                <a:tc>
                   <a:txBody>
                     <a:bodyPr/>
                     <a:lstStyle/>
                     <a:p>
-                      <a:endParaRPr lang="en-US"/>
+                      <a:pPr marL="0" marR="0" algn="ctr">
+                        <a:lnSpc>
+                          <a:spcPct val="107000"/>
+                        </a:lnSpc>
+                        <a:spcBef>
+                          <a:spcPts val="0"/>
+                        </a:spcBef>
+                        <a:spcAft>
+                          <a:spcPts val="800"/>
+                        </a:spcAft>
+                      </a:pPr>
+                      <a:r>
+                        <a:rPr lang="en-US" sz="2800">
+                          <a:effectLst/>
+                          <a:latin typeface="Calibri" panose="020F0502020204030204" pitchFamily="34" charset="0"/>
+                          <a:ea typeface="Calibri" panose="020F0502020204030204" pitchFamily="34" charset="0"/>
+                          <a:cs typeface="Times New Roman" panose="02020603050405020304" pitchFamily="18" charset="0"/>
+                        </a:rPr>
+                        <a:t>0.90</a:t>
+                      </a:r>
                     </a:p>
                   </a:txBody>
-                  <a:tcPr/>
+                  <a:tcPr anchor="ctr"/>
                 </a:tc>
               </a:tr>
               <a:tr h="839734">
@@ -14138,13 +14286,31 @@
                   </a:txBody>
                   <a:tcPr/>
                 </a:tc>
-                <a:tc gridSpan="2">
+                <a:tc>
                   <a:txBody>
                     <a:bodyPr/>
                     <a:lstStyle/>
                     <a:p>
-                      <a:pPr algn="ctr"/>
-                      <a:endParaRPr lang="en-US" sz="3000" dirty="0"/>
+                      <a:pPr marL="0" marR="0" algn="ctr">
+                        <a:lnSpc>
+                          <a:spcPct val="107000"/>
+                        </a:lnSpc>
+                        <a:spcBef>
+                          <a:spcPts val="0"/>
+                        </a:spcBef>
+                        <a:spcAft>
+                          <a:spcPts val="800"/>
+                        </a:spcAft>
+                      </a:pPr>
+                      <a:r>
+                        <a:rPr lang="en-US" sz="2800" dirty="0">
+                          <a:effectLst/>
+                          <a:latin typeface="Calibri" panose="020F0502020204030204" pitchFamily="34" charset="0"/>
+                          <a:ea typeface="Calibri" panose="020F0502020204030204" pitchFamily="34" charset="0"/>
+                          <a:cs typeface="Times New Roman" panose="02020603050405020304" pitchFamily="18" charset="0"/>
+                        </a:rPr>
+                        <a:t>0.20</a:t>
+                      </a:r>
                     </a:p>
                   </a:txBody>
                   <a:tcPr anchor="ctr">
@@ -14168,23 +14334,60 @@
                     </a:lnR>
                   </a:tcPr>
                 </a:tc>
-                <a:tc hMerge="1">
+                <a:tc>
                   <a:txBody>
                     <a:bodyPr/>
                     <a:lstStyle/>
                     <a:p>
-                      <a:endParaRPr lang="en-US"/>
+                      <a:pPr marL="0" marR="0" algn="ctr">
+                        <a:lnSpc>
+                          <a:spcPct val="107000"/>
+                        </a:lnSpc>
+                        <a:spcBef>
+                          <a:spcPts val="0"/>
+                        </a:spcBef>
+                        <a:spcAft>
+                          <a:spcPts val="800"/>
+                        </a:spcAft>
+                      </a:pPr>
+                      <a:r>
+                        <a:rPr lang="en-US" sz="2800">
+                          <a:effectLst/>
+                          <a:latin typeface="Calibri" panose="020F0502020204030204" pitchFamily="34" charset="0"/>
+                          <a:ea typeface="Calibri" panose="020F0502020204030204" pitchFamily="34" charset="0"/>
+                          <a:cs typeface="Times New Roman" panose="02020603050405020304" pitchFamily="18" charset="0"/>
+                        </a:rPr>
+                        <a:t>0.18</a:t>
+                      </a:r>
                     </a:p>
                   </a:txBody>
-                  <a:tcPr/>
+                  <a:tcPr anchor="ctr"/>
                 </a:tc>
-                <a:tc gridSpan="2">
+                <a:tc>
                   <a:txBody>
                     <a:bodyPr/>
                     <a:lstStyle/>
                     <a:p>
-                      <a:pPr algn="ctr"/>
-                      <a:endParaRPr lang="en-US" sz="3000"/>
+                      <a:pPr marL="0" marR="0" algn="ctr">
+                        <a:lnSpc>
+                          <a:spcPct val="107000"/>
+                        </a:lnSpc>
+                        <a:spcBef>
+                          <a:spcPts val="0"/>
+                        </a:spcBef>
+                        <a:spcAft>
+                          <a:spcPts val="800"/>
+                        </a:spcAft>
+                      </a:pPr>
+                      <a:r>
+                        <a:rPr lang="en-US" sz="2800">
+                          <a:effectLst/>
+                          <a:latin typeface="Calibri" panose="020F0502020204030204" pitchFamily="34" charset="0"/>
+                          <a:ea typeface="Calibri" panose="020F0502020204030204" pitchFamily="34" charset="0"/>
+                          <a:cs typeface="Times New Roman" panose="02020603050405020304" pitchFamily="18" charset="0"/>
+                        </a:rPr>
+                        <a:t>0.19</a:t>
+                      </a:r>
                     </a:p>
                   </a:txBody>
                   <a:tcPr anchor="ctr">
@@ -14208,23 +14411,60 @@
                     </a:lnR>
                   </a:tcPr>
                 </a:tc>
-                <a:tc hMerge="1">
+                <a:tc>
                   <a:txBody>
                     <a:bodyPr/>
                     <a:lstStyle/>
                     <a:p>
-                      <a:endParaRPr lang="en-US"/>
+                      <a:pPr marL="0" marR="0" algn="ctr">
+                        <a:lnSpc>
+                          <a:spcPct val="107000"/>
+                        </a:lnSpc>
+                        <a:spcBef>
+                          <a:spcPts val="0"/>
+                        </a:spcBef>
+                        <a:spcAft>
+                          <a:spcPts val="800"/>
+                        </a:spcAft>
+                      </a:pPr>
+                      <a:r>
+                        <a:rPr lang="en-US" sz="2800">
+                          <a:effectLst/>
+                          <a:latin typeface="Calibri" panose="020F0502020204030204" pitchFamily="34" charset="0"/>
+                          <a:ea typeface="Calibri" panose="020F0502020204030204" pitchFamily="34" charset="0"/>
+                          <a:cs typeface="Times New Roman" panose="02020603050405020304" pitchFamily="18" charset="0"/>
+                        </a:rPr>
+                        <a:t>0.19</a:t>
+                      </a:r>
                     </a:p>
                   </a:txBody>
-                  <a:tcPr/>
+                  <a:tcPr anchor="ctr"/>
                 </a:tc>
-                <a:tc gridSpan="2">
+                <a:tc>
                   <a:txBody>
                     <a:bodyPr/>
                     <a:lstStyle/>
                     <a:p>
-                      <a:pPr algn="ctr"/>
-                      <a:endParaRPr lang="en-US" sz="3000" dirty="0"/>
+                      <a:pPr marL="0" marR="0" algn="ctr">
+                        <a:lnSpc>
+                          <a:spcPct val="107000"/>
+                        </a:lnSpc>
+                        <a:spcBef>
+                          <a:spcPts val="0"/>
+                        </a:spcBef>
+                        <a:spcAft>
+                          <a:spcPts val="800"/>
+                        </a:spcAft>
+                      </a:pPr>
+                      <a:r>
+                        <a:rPr lang="en-US" sz="2800">
+                          <a:effectLst/>
+                          <a:latin typeface="Calibri" panose="020F0502020204030204" pitchFamily="34" charset="0"/>
+                          <a:ea typeface="Calibri" panose="020F0502020204030204" pitchFamily="34" charset="0"/>
+                          <a:cs typeface="Times New Roman" panose="02020603050405020304" pitchFamily="18" charset="0"/>
+                        </a:rPr>
+                        <a:t>0.20</a:t>
+                      </a:r>
                     </a:p>
                   </a:txBody>
                   <a:tcPr anchor="ctr">
@@ -14248,23 +14488,60 @@
                     </a:lnR>
                   </a:tcPr>
                 </a:tc>
-                <a:tc hMerge="1">
+                <a:tc>
                   <a:txBody>
                     <a:bodyPr/>
                     <a:lstStyle/>
                     <a:p>
-                      <a:endParaRPr lang="en-US"/>
+                      <a:pPr marL="0" marR="0" algn="ctr">
+                        <a:lnSpc>
+                          <a:spcPct val="107000"/>
+                        </a:lnSpc>
+                        <a:spcBef>
+                          <a:spcPts val="0"/>
+                        </a:spcBef>
+                        <a:spcAft>
+                          <a:spcPts val="800"/>
+                        </a:spcAft>
+                      </a:pPr>
+                      <a:r>
+                        <a:rPr lang="en-US" sz="2800">
+                          <a:effectLst/>
+                          <a:latin typeface="Calibri" panose="020F0502020204030204" pitchFamily="34" charset="0"/>
+                          <a:ea typeface="Calibri" panose="020F0502020204030204" pitchFamily="34" charset="0"/>
+                          <a:cs typeface="Times New Roman" panose="02020603050405020304" pitchFamily="18" charset="0"/>
+                        </a:rPr>
+                        <a:t>0.18</a:t>
+                      </a:r>
                     </a:p>
                   </a:txBody>
-                  <a:tcPr/>
+                  <a:tcPr anchor="ctr"/>
                 </a:tc>
-                <a:tc gridSpan="2">
+                <a:tc>
                   <a:txBody>
                     <a:bodyPr/>
                     <a:lstStyle/>
                     <a:p>
-                      <a:pPr algn="ctr"/>
-                      <a:endParaRPr lang="en-US" sz="3000" dirty="0"/>
+                      <a:pPr marL="0" marR="0" algn="ctr">
+                        <a:lnSpc>
+                          <a:spcPct val="107000"/>
+                        </a:lnSpc>
+                        <a:spcBef>
+                          <a:spcPts val="0"/>
+                        </a:spcBef>
+                        <a:spcAft>
+                          <a:spcPts val="800"/>
+                        </a:spcAft>
+                      </a:pPr>
+                      <a:r>
+                        <a:rPr lang="en-US" sz="2800" dirty="0">
+                          <a:effectLst/>
+                          <a:latin typeface="Calibri" panose="020F0502020204030204" pitchFamily="34" charset="0"/>
+                          <a:ea typeface="Calibri" panose="020F0502020204030204" pitchFamily="34" charset="0"/>
+                          <a:cs typeface="Times New Roman" panose="02020603050405020304" pitchFamily="18" charset="0"/>
+                        </a:rPr>
+                        <a:t>0.19</a:t>
+                      </a:r>
                     </a:p>
                   </a:txBody>
                   <a:tcPr anchor="ctr">
@@ -14279,15 +14556,34 @@
                     </a:lnL>
                   </a:tcPr>
                 </a:tc>
-                <a:tc hMerge="1">
+                <a:tc>
                   <a:txBody>
                     <a:bodyPr/>
                     <a:lstStyle/>
                     <a:p>
-                      <a:endParaRPr lang="en-US"/>
+                      <a:pPr marL="0" marR="0" algn="ctr">
+                        <a:lnSpc>
+                          <a:spcPct val="107000"/>
+                        </a:lnSpc>
+                        <a:spcBef>
+                          <a:spcPts val="0"/>
+                        </a:spcBef>
+                        <a:spcAft>
+                          <a:spcPts val="800"/>
+                        </a:spcAft>
+                      </a:pPr>
+                      <a:r>
+                        <a:rPr lang="en-US" sz="2800" dirty="0">
+                          <a:effectLst/>
+                          <a:latin typeface="Calibri" panose="020F0502020204030204" pitchFamily="34" charset="0"/>
+                          <a:ea typeface="Calibri" panose="020F0502020204030204" pitchFamily="34" charset="0"/>
+                          <a:cs typeface="Times New Roman" panose="02020603050405020304" pitchFamily="18" charset="0"/>
+                        </a:rPr>
+                        <a:t>0.19</a:t>
+                      </a:r>
                     </a:p>
                   </a:txBody>
-                  <a:tcPr/>
+                  <a:tcPr anchor="ctr"/>
                 </a:tc>
               </a:tr>
               <a:tr h="839734">
@@ -14593,8 +14889,26 @@
                     <a:bodyPr/>
                     <a:lstStyle/>
                     <a:p>
-                      <a:pPr algn="ctr"/>
-                      <a:endParaRPr lang="en-US" sz="3000" dirty="0"/>
+                      <a:pPr marL="0" marR="0" algn="ctr">
+                        <a:lnSpc>
+                          <a:spcPct val="107000"/>
+                        </a:lnSpc>
+                        <a:spcBef>
+                          <a:spcPts val="0"/>
+                        </a:spcBef>
+                        <a:spcAft>
+                          <a:spcPts val="800"/>
+                        </a:spcAft>
+                      </a:pPr>
+                      <a:r>
+                        <a:rPr lang="en-US" sz="2800">
+                          <a:effectLst/>
+                          <a:latin typeface="Calibri" panose="020F0502020204030204" pitchFamily="34" charset="0"/>
+                          <a:ea typeface="Calibri" panose="020F0502020204030204" pitchFamily="34" charset="0"/>
+                          <a:cs typeface="Times New Roman" panose="02020603050405020304" pitchFamily="18" charset="0"/>
+                        </a:rPr>
+                        <a:t>1414</a:t>
+                      </a:r>
                     </a:p>
                   </a:txBody>
                   <a:tcPr anchor="ctr">
@@ -14614,8 +14928,26 @@
                     <a:bodyPr/>
                     <a:lstStyle/>
                     <a:p>
-                      <a:pPr algn="ctr"/>
-                      <a:endParaRPr lang="en-US" sz="3000" dirty="0"/>
+                      <a:pPr marL="0" marR="0" algn="ctr">
+                        <a:lnSpc>
+                          <a:spcPct val="107000"/>
+                        </a:lnSpc>
+                        <a:spcBef>
+                          <a:spcPts val="0"/>
+                        </a:spcBef>
+                        <a:spcAft>
+                          <a:spcPts val="800"/>
+                        </a:spcAft>
+                      </a:pPr>
+                      <a:r>
+                        <a:rPr lang="en-US" sz="2800">
+                          <a:effectLst/>
+                          <a:latin typeface="Calibri" panose="020F0502020204030204" pitchFamily="34" charset="0"/>
+                          <a:ea typeface="Calibri" panose="020F0502020204030204" pitchFamily="34" charset="0"/>
+                          <a:cs typeface="Times New Roman" panose="02020603050405020304" pitchFamily="18" charset="0"/>
+                        </a:rPr>
+                        <a:t>173</a:t>
+                      </a:r>
                     </a:p>
                   </a:txBody>
                   <a:tcPr anchor="ctr">
@@ -14635,8 +14967,26 @@
                     <a:bodyPr/>
                     <a:lstStyle/>
                     <a:p>
-                      <a:pPr algn="ctr"/>
-                      <a:endParaRPr lang="en-US" sz="3000" dirty="0"/>
+                      <a:pPr marL="0" marR="0" algn="ctr">
+                        <a:lnSpc>
+                          <a:spcPct val="107000"/>
+                        </a:lnSpc>
+                        <a:spcBef>
+                          <a:spcPts val="0"/>
+                        </a:spcBef>
+                        <a:spcAft>
+                          <a:spcPts val="800"/>
+                        </a:spcAft>
+                      </a:pPr>
+                      <a:r>
+                        <a:rPr lang="en-US" sz="2800">
+                          <a:effectLst/>
+                          <a:latin typeface="Calibri" panose="020F0502020204030204" pitchFamily="34" charset="0"/>
+                          <a:ea typeface="Calibri" panose="020F0502020204030204" pitchFamily="34" charset="0"/>
+                          <a:cs typeface="Times New Roman" panose="02020603050405020304" pitchFamily="18" charset="0"/>
+                        </a:rPr>
+                        <a:t>1356</a:t>
+                      </a:r>
                     </a:p>
                   </a:txBody>
                   <a:tcPr anchor="ctr">
@@ -14656,8 +15006,26 @@
                     <a:bodyPr/>
                     <a:lstStyle/>
                     <a:p>
-                      <a:pPr algn="ctr"/>
-                      <a:endParaRPr lang="en-US" sz="3000" dirty="0"/>
+                      <a:pPr marL="0" marR="0" algn="ctr">
+                        <a:lnSpc>
+                          <a:spcPct val="107000"/>
+                        </a:lnSpc>
+                        <a:spcBef>
+                          <a:spcPts val="0"/>
+                        </a:spcBef>
+                        <a:spcAft>
+                          <a:spcPts val="800"/>
+                        </a:spcAft>
+                      </a:pPr>
+                      <a:r>
+                        <a:rPr lang="en-US" sz="2800">
+                          <a:effectLst/>
+                          <a:latin typeface="Calibri" panose="020F0502020204030204" pitchFamily="34" charset="0"/>
+                          <a:ea typeface="Calibri" panose="020F0502020204030204" pitchFamily="34" charset="0"/>
+                          <a:cs typeface="Times New Roman" panose="02020603050405020304" pitchFamily="18" charset="0"/>
+                        </a:rPr>
+                        <a:t>231</a:t>
+                      </a:r>
                     </a:p>
                   </a:txBody>
                   <a:tcPr anchor="ctr">
@@ -14677,8 +15045,26 @@
                     <a:bodyPr/>
                     <a:lstStyle/>
                     <a:p>
-                      <a:pPr algn="ctr"/>
-                      <a:endParaRPr lang="en-US" sz="3000" dirty="0"/>
+                      <a:pPr marL="0" marR="0" algn="ctr">
+                        <a:lnSpc>
+                          <a:spcPct val="107000"/>
+                        </a:lnSpc>
+                        <a:spcBef>
+                          <a:spcPts val="0"/>
+                        </a:spcBef>
+                        <a:spcAft>
+                          <a:spcPts val="800"/>
+                        </a:spcAft>
+                      </a:pPr>
+                      <a:r>
+                        <a:rPr lang="en-US" sz="2800">
+                          <a:effectLst/>
+                          <a:latin typeface="Calibri" panose="020F0502020204030204" pitchFamily="34" charset="0"/>
+                          <a:ea typeface="Calibri" panose="020F0502020204030204" pitchFamily="34" charset="0"/>
+                          <a:cs typeface="Times New Roman" panose="02020603050405020304" pitchFamily="18" charset="0"/>
+                        </a:rPr>
+                        <a:t>1369</a:t>
+                      </a:r>
                     </a:p>
                   </a:txBody>
                   <a:tcPr anchor="ctr">
@@ -14698,8 +15084,26 @@
                     <a:bodyPr/>
                     <a:lstStyle/>
                     <a:p>
-                      <a:pPr algn="ctr"/>
-                      <a:endParaRPr lang="en-US" sz="3000" dirty="0"/>
+                      <a:pPr marL="0" marR="0" algn="ctr">
+                        <a:lnSpc>
+                          <a:spcPct val="107000"/>
+                        </a:lnSpc>
+                        <a:spcBef>
+                          <a:spcPts val="0"/>
+                        </a:spcBef>
+                        <a:spcAft>
+                          <a:spcPts val="800"/>
+                        </a:spcAft>
+                      </a:pPr>
+                      <a:r>
+                        <a:rPr lang="en-US" sz="2800">
+                          <a:effectLst/>
+                          <a:latin typeface="Calibri" panose="020F0502020204030204" pitchFamily="34" charset="0"/>
+                          <a:ea typeface="Calibri" panose="020F0502020204030204" pitchFamily="34" charset="0"/>
+                          <a:cs typeface="Times New Roman" panose="02020603050405020304" pitchFamily="18" charset="0"/>
+                        </a:rPr>
+                        <a:t>218</a:t>
+                      </a:r>
                     </a:p>
                   </a:txBody>
                   <a:tcPr anchor="ctr">
@@ -14719,8 +15123,26 @@
                     <a:bodyPr/>
                     <a:lstStyle/>
                     <a:p>
-                      <a:pPr algn="ctr"/>
-                      <a:endParaRPr lang="en-US" sz="3000" dirty="0"/>
+                      <a:pPr marL="0" marR="0" algn="ctr">
+                        <a:lnSpc>
+                          <a:spcPct val="107000"/>
+                        </a:lnSpc>
+                        <a:spcBef>
+                          <a:spcPts val="0"/>
+                        </a:spcBef>
+                        <a:spcAft>
+                          <a:spcPts val="800"/>
+                        </a:spcAft>
+                      </a:pPr>
+                      <a:r>
+                        <a:rPr lang="en-US" sz="2800">
+                          <a:effectLst/>
+                          <a:latin typeface="Calibri" panose="020F0502020204030204" pitchFamily="34" charset="0"/>
+                          <a:ea typeface="Calibri" panose="020F0502020204030204" pitchFamily="34" charset="0"/>
+                          <a:cs typeface="Times New Roman" panose="02020603050405020304" pitchFamily="18" charset="0"/>
+                        </a:rPr>
+                        <a:t>1333</a:t>
+                      </a:r>
                     </a:p>
                   </a:txBody>
                   <a:tcPr anchor="ctr">
@@ -14740,8 +15162,26 @@
                     <a:bodyPr/>
                     <a:lstStyle/>
                     <a:p>
-                      <a:pPr algn="ctr"/>
-                      <a:endParaRPr lang="en-US" sz="3000" dirty="0"/>
+                      <a:pPr marL="0" marR="0" algn="ctr">
+                        <a:lnSpc>
+                          <a:spcPct val="107000"/>
+                        </a:lnSpc>
+                        <a:spcBef>
+                          <a:spcPts val="0"/>
+                        </a:spcBef>
+                        <a:spcAft>
+                          <a:spcPts val="800"/>
+                        </a:spcAft>
+                      </a:pPr>
+                      <a:r>
+                        <a:rPr lang="en-US" sz="2800">
+                          <a:effectLst/>
+                          <a:latin typeface="Calibri" panose="020F0502020204030204" pitchFamily="34" charset="0"/>
+                          <a:ea typeface="Calibri" panose="020F0502020204030204" pitchFamily="34" charset="0"/>
+                          <a:cs typeface="Times New Roman" panose="02020603050405020304" pitchFamily="18" charset="0"/>
+                        </a:rPr>
+                        <a:t>254</a:t>
+                      </a:r>
                     </a:p>
                   </a:txBody>
                   <a:tcPr anchor="ctr"/>
@@ -14801,8 +15241,26 @@
                     <a:bodyPr/>
                     <a:lstStyle/>
                     <a:p>
-                      <a:pPr algn="ctr"/>
-                      <a:endParaRPr lang="en-US" sz="3000" dirty="0"/>
+                      <a:pPr marL="0" marR="0" algn="ctr">
+                        <a:lnSpc>
+                          <a:spcPct val="107000"/>
+                        </a:lnSpc>
+                        <a:spcBef>
+                          <a:spcPts val="0"/>
+                        </a:spcBef>
+                        <a:spcAft>
+                          <a:spcPts val="800"/>
+                        </a:spcAft>
+                      </a:pPr>
+                      <a:r>
+                        <a:rPr lang="en-US" sz="2800">
+                          <a:effectLst/>
+                          <a:latin typeface="Calibri" panose="020F0502020204030204" pitchFamily="34" charset="0"/>
+                          <a:ea typeface="Calibri" panose="020F0502020204030204" pitchFamily="34" charset="0"/>
+                          <a:cs typeface="Times New Roman" panose="02020603050405020304" pitchFamily="18" charset="0"/>
+                        </a:rPr>
+                        <a:t>32</a:t>
+                      </a:r>
                     </a:p>
                   </a:txBody>
                   <a:tcPr anchor="ctr">
@@ -14822,8 +15280,26 @@
                     <a:bodyPr/>
                     <a:lstStyle/>
                     <a:p>
-                      <a:pPr algn="ctr"/>
-                      <a:endParaRPr lang="en-US" sz="3000" dirty="0"/>
+                      <a:pPr marL="0" marR="0" algn="ctr">
+                        <a:lnSpc>
+                          <a:spcPct val="107000"/>
+                        </a:lnSpc>
+                        <a:spcBef>
+                          <a:spcPts val="0"/>
+                        </a:spcBef>
+                        <a:spcAft>
+                          <a:spcPts val="800"/>
+                        </a:spcAft>
+                      </a:pPr>
+                      <a:r>
+                        <a:rPr lang="en-US" sz="2800">
+                          <a:effectLst/>
+                          <a:latin typeface="Calibri" panose="020F0502020204030204" pitchFamily="34" charset="0"/>
+                          <a:ea typeface="Calibri" panose="020F0502020204030204" pitchFamily="34" charset="0"/>
+                          <a:cs typeface="Times New Roman" panose="02020603050405020304" pitchFamily="18" charset="0"/>
+                        </a:rPr>
+                        <a:t>26</a:t>
+                      </a:r>
                     </a:p>
                   </a:txBody>
                   <a:tcPr anchor="ctr">
@@ -14843,8 +15319,26 @@
                     <a:bodyPr/>
                     <a:lstStyle/>
                     <a:p>
-                      <a:pPr algn="ctr"/>
-                      <a:endParaRPr lang="en-US" sz="3000" dirty="0"/>
+                      <a:pPr marL="0" marR="0" algn="ctr">
+                        <a:lnSpc>
+                          <a:spcPct val="107000"/>
+                        </a:lnSpc>
+                        <a:spcBef>
+                          <a:spcPts val="0"/>
+                        </a:spcBef>
+                        <a:spcAft>
+                          <a:spcPts val="800"/>
+                        </a:spcAft>
+                      </a:pPr>
+                      <a:r>
+                        <a:rPr lang="en-US" sz="2800">
+                          <a:effectLst/>
+                          <a:latin typeface="Calibri" panose="020F0502020204030204" pitchFamily="34" charset="0"/>
+                          <a:ea typeface="Calibri" panose="020F0502020204030204" pitchFamily="34" charset="0"/>
+                          <a:cs typeface="Times New Roman" panose="02020603050405020304" pitchFamily="18" charset="0"/>
+                        </a:rPr>
+                        <a:t>30</a:t>
+                      </a:r>
                     </a:p>
                   </a:txBody>
                   <a:tcPr anchor="ctr">
@@ -14864,8 +15358,26 @@
                     <a:bodyPr/>
                     <a:lstStyle/>
                     <a:p>
-                      <a:pPr algn="ctr"/>
-                      <a:endParaRPr lang="en-US" sz="3000" dirty="0"/>
+                      <a:pPr marL="0" marR="0" algn="ctr">
+                        <a:lnSpc>
+                          <a:spcPct val="107000"/>
+                        </a:lnSpc>
+                        <a:spcBef>
+                          <a:spcPts val="0"/>
+                        </a:spcBef>
+                        <a:spcAft>
+                          <a:spcPts val="800"/>
+                        </a:spcAft>
+                      </a:pPr>
+                      <a:r>
+                        <a:rPr lang="en-US" sz="2800">
+                          <a:effectLst/>
+                          <a:latin typeface="Calibri" panose="020F0502020204030204" pitchFamily="34" charset="0"/>
+                          <a:ea typeface="Calibri" panose="020F0502020204030204" pitchFamily="34" charset="0"/>
+                          <a:cs typeface="Times New Roman" panose="02020603050405020304" pitchFamily="18" charset="0"/>
+                        </a:rPr>
+                        <a:t>28</a:t>
+                      </a:r>
                     </a:p>
                   </a:txBody>
                   <a:tcPr anchor="ctr">
@@ -14885,8 +15397,26 @@
                     <a:bodyPr/>
                     <a:lstStyle/>
                     <a:p>
-                      <a:pPr algn="ctr"/>
-                      <a:endParaRPr lang="en-US" sz="3000" dirty="0"/>
+                      <a:pPr marL="0" marR="0" algn="ctr">
+                        <a:lnSpc>
+                          <a:spcPct val="107000"/>
+                        </a:lnSpc>
+                        <a:spcBef>
+                          <a:spcPts val="0"/>
+                        </a:spcBef>
+                        <a:spcAft>
+                          <a:spcPts val="800"/>
+                        </a:spcAft>
+                      </a:pPr>
+                      <a:r>
+                        <a:rPr lang="en-US" sz="2800">
+                          <a:effectLst/>
+                          <a:latin typeface="Calibri" panose="020F0502020204030204" pitchFamily="34" charset="0"/>
+                          <a:ea typeface="Calibri" panose="020F0502020204030204" pitchFamily="34" charset="0"/>
+                          <a:cs typeface="Times New Roman" panose="02020603050405020304" pitchFamily="18" charset="0"/>
+                        </a:rPr>
+                        <a:t>29</a:t>
+                      </a:r>
                     </a:p>
                   </a:txBody>
                   <a:tcPr anchor="ctr">
@@ -14906,8 +15436,26 @@
                     <a:bodyPr/>
                     <a:lstStyle/>
                     <a:p>
-                      <a:pPr algn="ctr"/>
-                      <a:endParaRPr lang="en-US" sz="3000" dirty="0"/>
+                      <a:pPr marL="0" marR="0" algn="ctr">
+                        <a:lnSpc>
+                          <a:spcPct val="107000"/>
+                        </a:lnSpc>
+                        <a:spcBef>
+                          <a:spcPts val="0"/>
+                        </a:spcBef>
+                        <a:spcAft>
+                          <a:spcPts val="800"/>
+                        </a:spcAft>
+                      </a:pPr>
+                      <a:r>
+                        <a:rPr lang="en-US" sz="2800">
+                          <a:effectLst/>
+                          <a:latin typeface="Calibri" panose="020F0502020204030204" pitchFamily="34" charset="0"/>
+                          <a:ea typeface="Calibri" panose="020F0502020204030204" pitchFamily="34" charset="0"/>
+                          <a:cs typeface="Times New Roman" panose="02020603050405020304" pitchFamily="18" charset="0"/>
+                        </a:rPr>
+                        <a:t>29</a:t>
+                      </a:r>
                     </a:p>
                   </a:txBody>
                   <a:tcPr anchor="ctr">
@@ -14927,8 +15475,26 @@
                     <a:bodyPr/>
                     <a:lstStyle/>
                     <a:p>
-                      <a:pPr algn="ctr"/>
-                      <a:endParaRPr lang="en-US" sz="3000" dirty="0"/>
+                      <a:pPr marL="0" marR="0" algn="ctr">
+                        <a:lnSpc>
+                          <a:spcPct val="107000"/>
+                        </a:lnSpc>
+                        <a:spcBef>
+                          <a:spcPts val="0"/>
+                        </a:spcBef>
+                        <a:spcAft>
+                          <a:spcPts val="800"/>
+                        </a:spcAft>
+                      </a:pPr>
+                      <a:r>
+                        <a:rPr lang="en-US" sz="2800">
+                          <a:effectLst/>
+                          <a:latin typeface="Calibri" panose="020F0502020204030204" pitchFamily="34" charset="0"/>
+                          <a:ea typeface="Calibri" panose="020F0502020204030204" pitchFamily="34" charset="0"/>
+                          <a:cs typeface="Times New Roman" panose="02020603050405020304" pitchFamily="18" charset="0"/>
+                        </a:rPr>
+                        <a:t>26</a:t>
+                      </a:r>
                     </a:p>
                   </a:txBody>
                   <a:tcPr anchor="ctr">
@@ -14948,8 +15514,26 @@
                     <a:bodyPr/>
                     <a:lstStyle/>
                     <a:p>
-                      <a:pPr algn="ctr"/>
-                      <a:endParaRPr lang="en-US" sz="3000" dirty="0"/>
+                      <a:pPr marL="0" marR="0" algn="ctr">
+                        <a:lnSpc>
+                          <a:spcPct val="107000"/>
+                        </a:lnSpc>
+                        <a:spcBef>
+                          <a:spcPts val="0"/>
+                        </a:spcBef>
+                        <a:spcAft>
+                          <a:spcPts val="800"/>
+                        </a:spcAft>
+                      </a:pPr>
+                      <a:r>
+                        <a:rPr lang="en-US" sz="2800" dirty="0">
+                          <a:effectLst/>
+                          <a:latin typeface="Calibri" panose="020F0502020204030204" pitchFamily="34" charset="0"/>
+                          <a:ea typeface="Calibri" panose="020F0502020204030204" pitchFamily="34" charset="0"/>
+                          <a:cs typeface="Times New Roman" panose="02020603050405020304" pitchFamily="18" charset="0"/>
+                        </a:rPr>
+                        <a:t>32</a:t>
+                      </a:r>
                     </a:p>
                   </a:txBody>
                   <a:tcPr anchor="ctr"/>
@@ -14959,6 +15543,262 @@
           </a:graphicData>
         </a:graphic>
       </p:graphicFrame>
+      <p:sp>
+        <p:nvSpPr>
+          <p:cNvPr id="6" name="TextBox 5"/>
+          <p:cNvSpPr txBox="1"/>
+          <p:nvPr/>
+        </p:nvSpPr>
+        <p:spPr>
+          <a:xfrm>
+            <a:off x="1978845" y="33157441"/>
+            <a:ext cx="12313368" cy="6986528"/>
+          </a:xfrm>
+          <a:prstGeom prst="rect">
+            <a:avLst/>
+          </a:prstGeom>
+          <a:noFill/>
+        </p:spPr>
+        <p:txBody>
+          <a:bodyPr wrap="square" rtlCol="0">
+            <a:spAutoFit/>
+          </a:bodyPr>
+          <a:lstStyle/>
+          <a:p>
+            <a:r>
+              <a:rPr lang="sr-Latn-BA" sz="3200" dirty="0" smtClean="0"/>
+              <a:t>-iz navedene tabele se vidi da kombinovanjem različitih grupa atributa dobijaju slični rezultati</a:t>
+            </a:r>
+          </a:p>
+          <a:p>
+            <a:r>
+              <a:rPr lang="sr-Latn-BA" sz="3200" dirty="0" smtClean="0"/>
+              <a:t>-najbolja f1 mjera je dobijena ukoliko su korišteni samo atributi dobijeni na osnovu mreže</a:t>
+            </a:r>
+          </a:p>
+          <a:p>
+            <a:r>
+              <a:rPr lang="sr-Latn-BA" sz="3200" dirty="0" smtClean="0"/>
+              <a:t>-dok svi kombinacija pogađa najviše IDP proteina</a:t>
+            </a:r>
+          </a:p>
+          <a:p>
+            <a:r>
+              <a:rPr lang="sr-Latn-BA" sz="3200" dirty="0" smtClean="0"/>
+              <a:t>-preliminarlni rezultati ukazuju da kombinovanje atributa iz mreže i sekvence ima potencijal i da se otvara prostor za dalje unapređenje ovog metoda</a:t>
+            </a:r>
+          </a:p>
+          <a:p>
+            <a:r>
+              <a:rPr lang="sr-Latn-BA" sz="3200" dirty="0" smtClean="0"/>
+              <a:t>-predloženu metodu treba primijeniti i na druge mreže drugih organizama, uključujući i ljudske mreže; pored toga kombinovanje postojećih atributa zajedno sa atributima dobijenih na osnovu drugih osobina samog proteina može biti perspektivan pravac za dalja istraživanja</a:t>
+            </a:r>
+          </a:p>
+          <a:p>
+            <a:r>
+              <a:rPr lang="sr-Latn-BA" sz="3200" dirty="0" smtClean="0"/>
+              <a:t> </a:t>
+            </a:r>
+            <a:endParaRPr lang="en-US" sz="3200" dirty="0"/>
+          </a:p>
+        </p:txBody>
+      </p:sp>
+      <p:sp>
+        <p:nvSpPr>
+          <p:cNvPr id="46" name="Arrow: Right 19">
+            <a:extLst>
+              <a:ext uri="{FF2B5EF4-FFF2-40B4-BE49-F238E27FC236}">
+                <a16:creationId xmlns="" xmlns:a16="http://schemas.microsoft.com/office/drawing/2014/main" id="{F75BF84B-2C0D-4C09-BA31-AFAAC77EAF11}"/>
+              </a:ext>
+            </a:extLst>
+          </p:cNvPr>
+          <p:cNvSpPr/>
+          <p:nvPr/>
+        </p:nvSpPr>
+        <p:spPr>
+          <a:xfrm>
+            <a:off x="3851053" y="17819737"/>
+            <a:ext cx="1053527" cy="748945"/>
+          </a:xfrm>
+          <a:prstGeom prst="rightArrow">
+            <a:avLst/>
+          </a:prstGeom>
+        </p:spPr>
+        <p:style>
+          <a:lnRef idx="2">
+            <a:schemeClr val="accent1">
+              <a:shade val="50000"/>
+            </a:schemeClr>
+          </a:lnRef>
+          <a:fillRef idx="1">
+            <a:schemeClr val="accent1"/>
+          </a:fillRef>
+          <a:effectRef idx="0">
+            <a:schemeClr val="accent1"/>
+          </a:effectRef>
+          <a:fontRef idx="minor">
+            <a:schemeClr val="lt1"/>
+          </a:fontRef>
+        </p:style>
+        <p:txBody>
+          <a:bodyPr rtlCol="0" anchor="ctr"/>
+          <a:lstStyle/>
+          <a:p>
+            <a:pPr algn="ctr"/>
+            <a:endParaRPr lang="en-US"/>
+          </a:p>
+        </p:txBody>
+      </p:sp>
+      <p:sp>
+        <p:nvSpPr>
+          <p:cNvPr id="9" name="TextBox 8"/>
+          <p:cNvSpPr txBox="1"/>
+          <p:nvPr/>
+        </p:nvSpPr>
+        <p:spPr>
+          <a:xfrm>
+            <a:off x="1906837" y="19043873"/>
+            <a:ext cx="2520280" cy="276999"/>
+          </a:xfrm>
+          <a:prstGeom prst="rect">
+            <a:avLst/>
+          </a:prstGeom>
+          <a:noFill/>
+        </p:spPr>
+        <p:txBody>
+          <a:bodyPr wrap="square" rtlCol="0">
+            <a:spAutoFit/>
+          </a:bodyPr>
+          <a:lstStyle/>
+          <a:p>
+            <a:r>
+              <a:rPr lang="sr-Latn-BA" sz="1200" dirty="0" smtClean="0"/>
+              <a:t>Picture from...</a:t>
+            </a:r>
+            <a:endParaRPr lang="en-US" sz="1200" dirty="0"/>
+          </a:p>
+        </p:txBody>
+      </p:sp>
+      <p:sp>
+        <p:nvSpPr>
+          <p:cNvPr id="13" name="TextBox 12"/>
+          <p:cNvSpPr txBox="1"/>
+          <p:nvPr/>
+        </p:nvSpPr>
+        <p:spPr>
+          <a:xfrm>
+            <a:off x="5596337" y="18035761"/>
+            <a:ext cx="504056" cy="276999"/>
+          </a:xfrm>
+          <a:prstGeom prst="rect">
+            <a:avLst/>
+          </a:prstGeom>
+          <a:noFill/>
+        </p:spPr>
+        <p:txBody>
+          <a:bodyPr wrap="square" rtlCol="0">
+            <a:spAutoFit/>
+          </a:bodyPr>
+          <a:lstStyle/>
+          <a:p>
+            <a:r>
+              <a:rPr lang="sr-Latn-BA" sz="1200" dirty="0" smtClean="0"/>
+              <a:t>1.4</a:t>
+            </a:r>
+            <a:endParaRPr lang="en-US" sz="1200" dirty="0"/>
+          </a:p>
+        </p:txBody>
+      </p:sp>
+      <p:sp>
+        <p:nvSpPr>
+          <p:cNvPr id="53" name="TextBox 52"/>
+          <p:cNvSpPr txBox="1"/>
+          <p:nvPr/>
+        </p:nvSpPr>
+        <p:spPr>
+          <a:xfrm>
+            <a:off x="6947397" y="17171665"/>
+            <a:ext cx="504056" cy="279648"/>
+          </a:xfrm>
+          <a:prstGeom prst="rect">
+            <a:avLst/>
+          </a:prstGeom>
+          <a:noFill/>
+        </p:spPr>
+        <p:txBody>
+          <a:bodyPr wrap="square" rtlCol="0">
+            <a:spAutoFit/>
+          </a:bodyPr>
+          <a:lstStyle/>
+          <a:p>
+            <a:r>
+              <a:rPr lang="sr-Latn-BA" sz="1200" dirty="0" smtClean="0"/>
+              <a:t>2.5</a:t>
+            </a:r>
+            <a:endParaRPr lang="en-US" sz="1200" dirty="0"/>
+          </a:p>
+        </p:txBody>
+      </p:sp>
+      <p:sp>
+        <p:nvSpPr>
+          <p:cNvPr id="65" name="TextBox 64"/>
+          <p:cNvSpPr txBox="1"/>
+          <p:nvPr/>
+        </p:nvSpPr>
+        <p:spPr>
+          <a:xfrm>
+            <a:off x="5291213" y="17603713"/>
+            <a:ext cx="504056" cy="276999"/>
+          </a:xfrm>
+          <a:prstGeom prst="rect">
+            <a:avLst/>
+          </a:prstGeom>
+          <a:noFill/>
+        </p:spPr>
+        <p:txBody>
+          <a:bodyPr wrap="square" rtlCol="0">
+            <a:spAutoFit/>
+          </a:bodyPr>
+          <a:lstStyle/>
+          <a:p>
+            <a:r>
+              <a:rPr lang="sr-Latn-BA" sz="1200" dirty="0" smtClean="0"/>
+              <a:t>1.4</a:t>
+            </a:r>
+            <a:endParaRPr lang="en-US" sz="1200" dirty="0"/>
+          </a:p>
+        </p:txBody>
+      </p:sp>
+      <p:sp>
+        <p:nvSpPr>
+          <p:cNvPr id="66" name="TextBox 65"/>
+          <p:cNvSpPr txBox="1"/>
+          <p:nvPr/>
+        </p:nvSpPr>
+        <p:spPr>
+          <a:xfrm>
+            <a:off x="5147197" y="16883633"/>
+            <a:ext cx="504056" cy="276999"/>
+          </a:xfrm>
+          <a:prstGeom prst="rect">
+            <a:avLst/>
+          </a:prstGeom>
+          <a:noFill/>
+        </p:spPr>
+        <p:txBody>
+          <a:bodyPr wrap="square" rtlCol="0">
+            <a:spAutoFit/>
+          </a:bodyPr>
+          <a:lstStyle/>
+          <a:p>
+            <a:r>
+              <a:rPr lang="sr-Latn-BA" sz="1200" dirty="0" smtClean="0"/>
+              <a:t>1.4</a:t>
+            </a:r>
+            <a:endParaRPr lang="en-US" sz="1200" dirty="0"/>
+          </a:p>
+        </p:txBody>
+      </p:sp>
     </p:spTree>
   </p:cSld>
   <p:clrMapOvr>
